--- a/QEMU 支持指令集及扩展方法.pptx
+++ b/QEMU 支持指令集及扩展方法.pptx
@@ -5,7 +5,7 @@
     <p:sldMasterId id="2147483648" r:id="rId1"/>
   </p:sldMasterIdLst>
   <p:notesMasterIdLst>
-    <p:notesMasterId r:id="rId19"/>
+    <p:notesMasterId r:id="rId15"/>
   </p:notesMasterIdLst>
   <p:sldIdLst>
     <p:sldId id="256" r:id="rId2"/>
@@ -13,18 +13,14 @@
     <p:sldId id="259" r:id="rId4"/>
     <p:sldId id="260" r:id="rId5"/>
     <p:sldId id="261" r:id="rId6"/>
-    <p:sldId id="263" r:id="rId7"/>
-    <p:sldId id="262" r:id="rId8"/>
-    <p:sldId id="264" r:id="rId9"/>
-    <p:sldId id="265" r:id="rId10"/>
-    <p:sldId id="266" r:id="rId11"/>
-    <p:sldId id="267" r:id="rId12"/>
-    <p:sldId id="268" r:id="rId13"/>
-    <p:sldId id="269" r:id="rId14"/>
-    <p:sldId id="270" r:id="rId15"/>
-    <p:sldId id="271" r:id="rId16"/>
-    <p:sldId id="272" r:id="rId17"/>
-    <p:sldId id="273" r:id="rId18"/>
+    <p:sldId id="264" r:id="rId7"/>
+    <p:sldId id="265" r:id="rId8"/>
+    <p:sldId id="266" r:id="rId9"/>
+    <p:sldId id="267" r:id="rId10"/>
+    <p:sldId id="268" r:id="rId11"/>
+    <p:sldId id="270" r:id="rId12"/>
+    <p:sldId id="271" r:id="rId13"/>
+    <p:sldId id="273" r:id="rId14"/>
   </p:sldIdLst>
   <p:sldSz cx="12192000" cy="6858000"/>
   <p:notesSz cx="6858000" cy="9144000"/>
@@ -213,7 +209,7 @@
           <a:p>
             <a:fld id="{1014C8A6-BFDD-4046-AB2D-AAC730C46FCD}" type="datetimeFigureOut">
               <a:rPr lang="zh-CN" altLang="en-US" smtClean="0"/>
-              <a:t>2024/3/20</a:t>
+              <a:t>2024/6/9</a:t>
             </a:fld>
             <a:endParaRPr lang="zh-CN" altLang="en-US"/>
           </a:p>
@@ -610,161 +606,71 @@
           <a:p>
             <a:r>
               <a:rPr lang="zh-CN" altLang="en-US" dirty="0"/>
-              <a:t>接下来，如果新添加扩展和其它扩展之间有依赖关系，要把判断依赖关系的语句添加在</a:t>
-            </a:r>
-            <a:r>
-              <a:rPr lang="en-US" altLang="zh-CN" dirty="0" err="1">
-                <a:hlinkClick r:id="rId3"/>
-              </a:rPr>
-              <a:t>riscv_cpu_validate_set_extensions</a:t>
-            </a:r>
-            <a:r>
-              <a:rPr lang="zh-CN" altLang="en-US" dirty="0"/>
-              <a:t>这个函数中。</a:t>
-            </a:r>
-            <a:endParaRPr lang="en-US" altLang="zh-CN" dirty="0"/>
-          </a:p>
-          <a:p>
-            <a:r>
-              <a:rPr lang="zh-CN" altLang="en-US" dirty="0"/>
-              <a:t>如果添加的扩展包含子扩展，就要在这个扩展被是能时同时使能子扩展。如左边的代码就表示</a:t>
+              <a:t>接下来要添加新指令的实现，也就是</a:t>
+            </a:r>
+            <a:r>
+              <a:rPr lang="en-US" altLang="zh-CN" dirty="0"/>
+              <a:t>trans_</a:t>
+            </a:r>
+            <a:r>
+              <a:rPr lang="zh-CN" altLang="en-US" dirty="0"/>
+              <a:t>开头的解析函数，这里我添加了</a:t>
             </a:r>
             <a:r>
               <a:rPr lang="en-US" altLang="zh-CN" dirty="0" err="1"/>
-              <a:t>zcb</a:t>
-            </a:r>
-            <a:r>
-              <a:rPr lang="zh-CN" altLang="en-US" dirty="0"/>
-              <a:t>扩展依赖于</a:t>
+              <a:t>trans_bclt</a:t>
+            </a:r>
+            <a:r>
+              <a:rPr lang="zh-CN" altLang="en-US" dirty="0"/>
+              <a:t>和</a:t>
             </a:r>
             <a:r>
               <a:rPr lang="en-US" altLang="zh-CN" dirty="0" err="1"/>
-              <a:t>zce</a:t>
-            </a:r>
-            <a:r>
-              <a:rPr lang="zh-CN" altLang="en-US" dirty="0"/>
-              <a:t>扩展，</a:t>
+              <a:t>gen_bclt</a:t>
+            </a:r>
+            <a:r>
+              <a:rPr lang="zh-CN" altLang="en-US" dirty="0"/>
+              <a:t>两个函数，</a:t>
             </a:r>
             <a:r>
               <a:rPr lang="en-US" altLang="zh-CN" dirty="0" err="1"/>
-              <a:t>zcb</a:t>
-            </a:r>
-            <a:r>
-              <a:rPr lang="zh-CN" altLang="en-US" dirty="0"/>
-              <a:t>会在</a:t>
+              <a:t>trans_bclt</a:t>
+            </a:r>
+            <a:r>
+              <a:rPr lang="zh-CN" altLang="en-US" dirty="0"/>
+              <a:t>调用</a:t>
             </a:r>
             <a:r>
               <a:rPr lang="en-US" altLang="zh-CN" dirty="0" err="1"/>
-              <a:t>zce</a:t>
-            </a:r>
-            <a:r>
-              <a:rPr lang="zh-CN" altLang="en-US" dirty="0"/>
-              <a:t>被使能时使能。</a:t>
-            </a:r>
-            <a:endParaRPr lang="en-US" altLang="zh-CN" dirty="0"/>
-          </a:p>
-          <a:p>
-            <a:r>
-              <a:rPr lang="zh-CN" altLang="en-US" dirty="0"/>
-              <a:t>如果添加的扩展依赖于其它扩展，在这个扩展被使能，但所依赖的扩展没有被使能时就要报错。如右边的代码表示</a:t>
+              <a:t>gen_bclt</a:t>
+            </a:r>
+            <a:r>
+              <a:rPr lang="zh-CN" altLang="en-US" dirty="0"/>
+              <a:t>，</a:t>
             </a:r>
             <a:r>
               <a:rPr lang="en-US" altLang="zh-CN" dirty="0" err="1"/>
-              <a:t>zcb</a:t>
-            </a:r>
-            <a:r>
-              <a:rPr lang="zh-CN" altLang="en-US" dirty="0"/>
-              <a:t>和一些其它扩展对</a:t>
-            </a:r>
-            <a:r>
-              <a:rPr lang="en-US" altLang="zh-CN" dirty="0" err="1"/>
-              <a:t>zca</a:t>
-            </a:r>
-            <a:r>
-              <a:rPr lang="zh-CN" altLang="en-US" dirty="0"/>
-              <a:t>扩展的依赖，如果</a:t>
-            </a:r>
-            <a:r>
-              <a:rPr lang="en-US" altLang="zh-CN" dirty="0" err="1"/>
-              <a:t>zcb</a:t>
-            </a:r>
-            <a:r>
-              <a:rPr lang="zh-CN" altLang="en-US" dirty="0"/>
-              <a:t>使能时</a:t>
-            </a:r>
-            <a:r>
-              <a:rPr lang="en-US" altLang="zh-CN" dirty="0" err="1"/>
-              <a:t>zca</a:t>
-            </a:r>
-            <a:r>
-              <a:rPr lang="zh-CN" altLang="en-US" dirty="0"/>
-              <a:t>没有被使能，就会报错。</a:t>
-            </a:r>
-            <a:endParaRPr lang="en-US" altLang="zh-CN" dirty="0"/>
-          </a:p>
-          <a:p>
-            <a:r>
-              <a:rPr lang="en-US" altLang="zh-CN" dirty="0" err="1">
-                <a:hlinkClick r:id="rId3"/>
-              </a:rPr>
-              <a:t>riscv_cpu_validate_set_extensions</a:t>
-            </a:r>
-            <a:r>
-              <a:rPr lang="zh-CN" altLang="en-US" dirty="0"/>
-              <a:t>这个函数会在初始化的时候调用进行依赖关系的判断。</a:t>
-            </a:r>
-            <a:endParaRPr lang="en-US" altLang="zh-CN" dirty="0"/>
-          </a:p>
-          <a:p>
-            <a:r>
-              <a:rPr lang="zh-CN" altLang="en-US" dirty="0"/>
-              <a:t>此外，所以需要在</a:t>
-            </a:r>
-            <a:r>
-              <a:rPr lang="en-US" altLang="zh-CN" dirty="0" err="1">
-                <a:hlinkClick r:id="rId4"/>
-              </a:rPr>
-              <a:t>riscv_cpu_validate_b</a:t>
-            </a:r>
-            <a:r>
-              <a:rPr lang="en-US" altLang="zh-CN" dirty="0"/>
-              <a:t> </a:t>
-            </a:r>
-            <a:r>
-              <a:rPr lang="zh-CN" altLang="en-US" dirty="0"/>
-              <a:t>函数中添加对</a:t>
-            </a:r>
-            <a:r>
-              <a:rPr lang="en-US" altLang="zh-CN" dirty="0" err="1"/>
-              <a:t>zbt</a:t>
-            </a:r>
-            <a:r>
-              <a:rPr lang="zh-CN" altLang="en-US" dirty="0"/>
-              <a:t>扩展的判断，因为添加的</a:t>
-            </a:r>
-            <a:r>
-              <a:rPr lang="en-US" altLang="zh-CN" dirty="0" err="1"/>
-              <a:t>zbt</a:t>
-            </a:r>
-            <a:r>
-              <a:rPr lang="zh-CN" altLang="en-US" dirty="0"/>
-              <a:t>扩展是属于</a:t>
-            </a:r>
-            <a:r>
-              <a:rPr lang="en-US" altLang="zh-CN" dirty="0"/>
-              <a:t>B</a:t>
-            </a:r>
-            <a:r>
-              <a:rPr lang="zh-CN" altLang="en-US" dirty="0"/>
-              <a:t>扩展大类的。这个函数作用是在</a:t>
-            </a:r>
-            <a:r>
-              <a:rPr lang="en-US" altLang="zh-CN" dirty="0"/>
-              <a:t>B</a:t>
-            </a:r>
-            <a:r>
-              <a:rPr lang="zh-CN" altLang="en-US" dirty="0"/>
-              <a:t>扩展被使能时同时使能所有子扩展。</a:t>
+              <a:t>gen_blct</a:t>
+            </a:r>
+            <a:r>
+              <a:rPr lang="zh-CN" altLang="en-US" dirty="0"/>
+              <a:t>中调用进行与操作和加操作的</a:t>
+            </a:r>
+            <a:r>
+              <a:rPr lang="en-US" altLang="zh-CN" dirty="0"/>
+              <a:t>TCG</a:t>
+            </a:r>
+            <a:r>
+              <a:rPr lang="zh-CN" altLang="en-US" dirty="0"/>
+              <a:t>函数，这和指令先与再加的的功能是对应的，这两个函数能生成对应的</a:t>
+            </a:r>
+            <a:r>
+              <a:rPr lang="en-US" altLang="zh-CN" dirty="0"/>
+              <a:t>QEMU</a:t>
+            </a:r>
+            <a:r>
+              <a:rPr lang="zh-CN" altLang="en-US" dirty="0"/>
+              <a:t>中间代码。</a:t>
             </a:r>
           </a:p>
         </p:txBody>
@@ -795,7 +701,7 @@
     </p:spTree>
     <p:extLst>
       <p:ext uri="{BB962C8B-B14F-4D97-AF65-F5344CB8AC3E}">
-        <p14:creationId xmlns:p14="http://schemas.microsoft.com/office/powerpoint/2010/main" val="2744817289"/>
+        <p14:creationId xmlns:p14="http://schemas.microsoft.com/office/powerpoint/2010/main" val="1743698894"/>
       </p:ext>
     </p:extLst>
   </p:cSld>
@@ -851,78 +757,46 @@
           <a:p>
             <a:r>
               <a:rPr lang="zh-CN" altLang="en-US" dirty="0"/>
-              <a:t>在</a:t>
-            </a:r>
-            <a:r>
-              <a:rPr lang="en-US" altLang="zh-CN" dirty="0"/>
-              <a:t>QEMU</a:t>
-            </a:r>
-            <a:r>
-              <a:rPr lang="zh-CN" altLang="en-US" dirty="0"/>
-              <a:t>中注册完扩展后要为</a:t>
-            </a:r>
-            <a:r>
-              <a:rPr lang="en-US" altLang="zh-CN" dirty="0"/>
-              <a:t>QEMU</a:t>
-            </a:r>
-            <a:r>
-              <a:rPr lang="zh-CN" altLang="en-US" dirty="0"/>
-              <a:t>添加扩展中的指令，首先要添加指令的编码信息。</a:t>
+              <a:t>接下来要验证新指令的功能是否被正确实现，就是看</a:t>
+            </a:r>
+            <a:r>
+              <a:rPr lang="en-US" altLang="zh-CN" dirty="0" err="1"/>
+              <a:t>qemu</a:t>
+            </a:r>
+            <a:r>
+              <a:rPr lang="zh-CN" altLang="en-US" dirty="0"/>
+              <a:t>的执行结果、反汇编结果是否正确</a:t>
             </a:r>
             <a:endParaRPr lang="en-US" altLang="zh-CN" dirty="0"/>
           </a:p>
           <a:p>
             <a:r>
-              <a:rPr lang="en-US" altLang="zh-CN" dirty="0"/>
-              <a:t>QEMU RISCV</a:t>
-            </a:r>
-            <a:r>
-              <a:rPr lang="zh-CN" altLang="en-US" dirty="0"/>
-              <a:t>指令的编码保存在</a:t>
-            </a:r>
-            <a:r>
-              <a:rPr lang="en-US" altLang="zh-CN" dirty="0">
-                <a:hlinkClick r:id="rId3"/>
-              </a:rPr>
-              <a:t>insn32.decode</a:t>
-            </a:r>
-            <a:r>
-              <a:rPr lang="en-US" altLang="zh-CN" dirty="0"/>
-              <a:t> </a:t>
-            </a:r>
-            <a:r>
-              <a:rPr lang="zh-CN" altLang="en-US" dirty="0"/>
-              <a:t>和</a:t>
-            </a:r>
-            <a:r>
-              <a:rPr lang="en-US" altLang="zh-CN" dirty="0">
-                <a:hlinkClick r:id="rId3"/>
-              </a:rPr>
-              <a:t>insn16.decode</a:t>
-            </a:r>
-            <a:r>
-              <a:rPr lang="en-US" altLang="zh-CN" dirty="0"/>
-              <a:t> </a:t>
-            </a:r>
-            <a:r>
-              <a:rPr lang="zh-CN" altLang="en-US" dirty="0"/>
-              <a:t>两个文件中，根据之前对</a:t>
-            </a:r>
-            <a:r>
-              <a:rPr lang="en-US" altLang="zh-CN" dirty="0" err="1"/>
-              <a:t>bclt</a:t>
-            </a:r>
-            <a:r>
-              <a:rPr lang="zh-CN" altLang="en-US" dirty="0"/>
-              <a:t>指令编码的定义，在这个文件中添加右边这样的编码，最右边的</a:t>
-            </a:r>
-            <a:r>
-              <a:rPr lang="en-US" altLang="zh-CN" dirty="0"/>
-              <a:t>@r</a:t>
-            </a:r>
-            <a:r>
-              <a:rPr lang="zh-CN" altLang="en-US" dirty="0"/>
-              <a:t>表示这条指令的格式是两个源寄存器，一个目的寄存器。对于其它格式的指令的添加方法，在这个文件的头部也都有说明。</a:t>
+              <a:rPr lang="zh-CN" altLang="en-US" dirty="0"/>
+              <a:t>我准备了</a:t>
+            </a:r>
+            <a:endParaRPr lang="en-US" altLang="zh-CN" dirty="0"/>
+          </a:p>
+          <a:p>
+            <a:r>
+              <a:rPr lang="zh-CN" altLang="en-US" dirty="0"/>
+              <a:t>第四行指令就是第三行指令的字节码，这条指令的功能在这里就是把‘’‘</a:t>
+            </a:r>
+            <a:endParaRPr lang="en-US" altLang="zh-CN" dirty="0"/>
+          </a:p>
+          <a:p>
+            <a:r>
+              <a:rPr lang="zh-CN" altLang="en-US" dirty="0"/>
+              <a:t>然后执行</a:t>
+            </a:r>
+            <a:endParaRPr lang="en-US" altLang="zh-CN" dirty="0"/>
+          </a:p>
+          <a:p>
+            <a:endParaRPr lang="en-US" altLang="zh-CN" dirty="0"/>
+          </a:p>
+          <a:p>
+            <a:r>
+              <a:rPr lang="zh-CN" altLang="en-US" dirty="0"/>
+              <a:t>在下面的反汇编中也可以看到第三行的字节码指令</a:t>
             </a:r>
           </a:p>
         </p:txBody>
@@ -953,7 +827,7 @@
     </p:spTree>
     <p:extLst>
       <p:ext uri="{BB962C8B-B14F-4D97-AF65-F5344CB8AC3E}">
-        <p14:creationId xmlns:p14="http://schemas.microsoft.com/office/powerpoint/2010/main" val="3956777654"/>
+        <p14:creationId xmlns:p14="http://schemas.microsoft.com/office/powerpoint/2010/main" val="3169961709"/>
       </p:ext>
     </p:extLst>
   </p:cSld>
@@ -1009,63 +883,7 @@
           <a:p>
             <a:r>
               <a:rPr lang="zh-CN" altLang="en-US" dirty="0"/>
-              <a:t>接下来要添加新指令的实现，也就是</a:t>
-            </a:r>
-            <a:r>
-              <a:rPr lang="en-US" altLang="zh-CN" dirty="0"/>
-              <a:t>trans_</a:t>
-            </a:r>
-            <a:r>
-              <a:rPr lang="zh-CN" altLang="en-US" dirty="0"/>
-              <a:t>开头的解析函数，这里我添加了</a:t>
-            </a:r>
-            <a:r>
-              <a:rPr lang="en-US" altLang="zh-CN" dirty="0" err="1"/>
-              <a:t>trans_bclt</a:t>
-            </a:r>
-            <a:r>
-              <a:rPr lang="zh-CN" altLang="en-US" dirty="0"/>
-              <a:t>和</a:t>
-            </a:r>
-            <a:r>
-              <a:rPr lang="en-US" altLang="zh-CN" dirty="0" err="1"/>
-              <a:t>gen_bclt</a:t>
-            </a:r>
-            <a:r>
-              <a:rPr lang="zh-CN" altLang="en-US" dirty="0"/>
-              <a:t>两个函数，</a:t>
-            </a:r>
-            <a:r>
-              <a:rPr lang="en-US" altLang="zh-CN" dirty="0" err="1"/>
-              <a:t>trans_bclt</a:t>
-            </a:r>
-            <a:r>
-              <a:rPr lang="zh-CN" altLang="en-US" dirty="0"/>
-              <a:t>调用</a:t>
-            </a:r>
-            <a:r>
-              <a:rPr lang="en-US" altLang="zh-CN" dirty="0" err="1"/>
-              <a:t>gen_bclt</a:t>
-            </a:r>
-            <a:r>
-              <a:rPr lang="zh-CN" altLang="en-US" dirty="0"/>
-              <a:t>，</a:t>
-            </a:r>
-            <a:r>
-              <a:rPr lang="en-US" altLang="zh-CN" dirty="0" err="1"/>
-              <a:t>gen_blct</a:t>
-            </a:r>
-            <a:r>
-              <a:rPr lang="zh-CN" altLang="en-US" dirty="0"/>
-              <a:t>中调用进行与操作和加操作的</a:t>
-            </a:r>
-            <a:r>
-              <a:rPr lang="en-US" altLang="zh-CN" dirty="0"/>
-              <a:t>TCG</a:t>
-            </a:r>
-            <a:r>
-              <a:rPr lang="zh-CN" altLang="en-US" dirty="0"/>
-              <a:t>函数，这和指令先与再加的的功能是对应的，这两个函数能生成对应的</a:t>
+              <a:t>然后，启动</a:t>
             </a:r>
             <a:r>
               <a:rPr lang="en-US" altLang="zh-CN" dirty="0"/>
@@ -1073,7 +891,44 @@
             </a:r>
             <a:r>
               <a:rPr lang="zh-CN" altLang="en-US" dirty="0"/>
-              <a:t>中间代码。</a:t>
+              <a:t>链接</a:t>
+            </a:r>
+            <a:r>
+              <a:rPr lang="en-US" altLang="zh-CN" dirty="0"/>
+              <a:t>GDB</a:t>
+            </a:r>
+            <a:r>
+              <a:rPr lang="zh-CN" altLang="en-US" dirty="0"/>
+              <a:t>进行单步调试，第三条指令执行完之后，寄存器的值如如所示，</a:t>
+            </a:r>
+            <a:r>
+              <a:rPr lang="en-US" altLang="zh-CN" dirty="0"/>
+              <a:t>s8</a:t>
+            </a:r>
+            <a:r>
+              <a:rPr lang="zh-CN" altLang="en-US" dirty="0"/>
+              <a:t>中的值就是</a:t>
+            </a:r>
+            <a:r>
+              <a:rPr lang="en-US" altLang="zh-CN" dirty="0"/>
+              <a:t>s7</a:t>
+            </a:r>
+          </a:p>
+          <a:p>
+            <a:endParaRPr lang="en-US" altLang="zh-CN" dirty="0"/>
+          </a:p>
+          <a:p>
+            <a:r>
+              <a:rPr lang="zh-CN" altLang="en-US" dirty="0"/>
+              <a:t>结果是对的，可见</a:t>
+            </a:r>
+            <a:r>
+              <a:rPr lang="en-US" altLang="zh-CN" dirty="0"/>
+              <a:t>QEMU</a:t>
+            </a:r>
+            <a:r>
+              <a:rPr lang="zh-CN" altLang="en-US" dirty="0"/>
+              <a:t>已经支持了 新添加的指令集</a:t>
             </a:r>
           </a:p>
         </p:txBody>
@@ -1104,515 +959,7 @@
     </p:spTree>
     <p:extLst>
       <p:ext uri="{BB962C8B-B14F-4D97-AF65-F5344CB8AC3E}">
-        <p14:creationId xmlns:p14="http://schemas.microsoft.com/office/powerpoint/2010/main" val="1743698894"/>
-      </p:ext>
-    </p:extLst>
-  </p:cSld>
-  <p:clrMapOvr>
-    <a:masterClrMapping/>
-  </p:clrMapOvr>
-</p:notes>
-</file>
-
-<file path=ppt/notesSlides/notesSlide13.xml><?xml version="1.0" encoding="utf-8"?>
-<p:notes xmlns:a="http://schemas.openxmlformats.org/drawingml/2006/main" xmlns:r="http://schemas.openxmlformats.org/officeDocument/2006/relationships" xmlns:p="http://schemas.openxmlformats.org/presentationml/2006/main">
-  <p:cSld>
-    <p:spTree>
-      <p:nvGrpSpPr>
-        <p:cNvPr id="1" name=""/>
-        <p:cNvGrpSpPr/>
-        <p:nvPr/>
-      </p:nvGrpSpPr>
-      <p:grpSpPr>
-        <a:xfrm>
-          <a:off x="0" y="0"/>
-          <a:ext cx="0" cy="0"/>
-          <a:chOff x="0" y="0"/>
-          <a:chExt cx="0" cy="0"/>
-        </a:xfrm>
-      </p:grpSpPr>
-      <p:sp>
-        <p:nvSpPr>
-          <p:cNvPr id="2" name="幻灯片图像占位符 1"/>
-          <p:cNvSpPr>
-            <a:spLocks noGrp="1" noRot="1" noChangeAspect="1"/>
-          </p:cNvSpPr>
-          <p:nvPr>
-            <p:ph type="sldImg"/>
-          </p:nvPr>
-        </p:nvSpPr>
-        <p:spPr/>
-      </p:sp>
-      <p:sp>
-        <p:nvSpPr>
-          <p:cNvPr id="3" name="备注占位符 2"/>
-          <p:cNvSpPr>
-            <a:spLocks noGrp="1"/>
-          </p:cNvSpPr>
-          <p:nvPr>
-            <p:ph type="body" idx="1"/>
-          </p:nvPr>
-        </p:nvSpPr>
-        <p:spPr/>
-        <p:txBody>
-          <a:bodyPr/>
-          <a:lstStyle/>
-          <a:p>
-            <a:r>
-              <a:rPr lang="zh-CN" altLang="en-US" dirty="0"/>
-              <a:t>扩展和指令添加完成后，这时</a:t>
-            </a:r>
-            <a:r>
-              <a:rPr lang="en-US" altLang="zh-CN" dirty="0"/>
-              <a:t>QEMU</a:t>
-            </a:r>
-            <a:r>
-              <a:rPr lang="zh-CN" altLang="en-US" dirty="0"/>
-              <a:t>已经能正常识别并执行指令了，还可以做的是为新指令添加反汇编支持。</a:t>
-            </a:r>
-            <a:endParaRPr lang="en-US" altLang="zh-CN" dirty="0"/>
-          </a:p>
-          <a:p>
-            <a:r>
-              <a:rPr lang="zh-CN" altLang="en-US" dirty="0"/>
-              <a:t>添加反汇编支持分为两步，一个是添加新指令的反汇编入口，就是把新指令的信息</a:t>
-            </a:r>
-            <a:endParaRPr lang="en-US" altLang="zh-CN" dirty="0"/>
-          </a:p>
-          <a:p>
-            <a:endParaRPr lang="en-US" altLang="zh-CN" dirty="0"/>
-          </a:p>
-          <a:p>
-            <a:r>
-              <a:rPr lang="zh-CN" altLang="en-US" dirty="0"/>
-              <a:t>第二步是把新指令放</a:t>
-            </a:r>
-            <a:r>
-              <a:rPr lang="en-US" altLang="zh-CN" dirty="0" err="1">
-                <a:hlinkClick r:id="rId3"/>
-              </a:rPr>
-              <a:t>decode_inst_opcode</a:t>
-            </a:r>
-            <a:r>
-              <a:rPr lang="zh-CN" altLang="en-US" dirty="0"/>
-              <a:t>这个译码函数合适的位置。这个函数接受指令的字节码，判断字节码对应哪条具体指令。函数里面都是类似屏幕左下角的这种判断编码</a:t>
-            </a:r>
-            <a:r>
-              <a:rPr lang="en-US" altLang="zh-CN" dirty="0"/>
-              <a:t>switch</a:t>
-            </a:r>
-            <a:r>
-              <a:rPr lang="zh-CN" altLang="en-US" dirty="0"/>
-              <a:t>语句，按照指令的编码规则，就能把新指令放到对应的位置。</a:t>
-            </a:r>
-            <a:endParaRPr lang="en-US" altLang="zh-CN" dirty="0"/>
-          </a:p>
-        </p:txBody>
-      </p:sp>
-      <p:sp>
-        <p:nvSpPr>
-          <p:cNvPr id="4" name="灯片编号占位符 3"/>
-          <p:cNvSpPr>
-            <a:spLocks noGrp="1"/>
-          </p:cNvSpPr>
-          <p:nvPr>
-            <p:ph type="sldNum" sz="quarter" idx="5"/>
-          </p:nvPr>
-        </p:nvSpPr>
-        <p:spPr/>
-        <p:txBody>
-          <a:bodyPr/>
-          <a:lstStyle/>
-          <a:p>
-            <a:fld id="{D216228B-127E-4648-9200-95B41CCCA914}" type="slidenum">
-              <a:rPr lang="zh-CN" altLang="en-US" smtClean="0"/>
-              <a:t>13</a:t>
-            </a:fld>
-            <a:endParaRPr lang="zh-CN" altLang="en-US"/>
-          </a:p>
-        </p:txBody>
-      </p:sp>
-    </p:spTree>
-    <p:extLst>
-      <p:ext uri="{BB962C8B-B14F-4D97-AF65-F5344CB8AC3E}">
-        <p14:creationId xmlns:p14="http://schemas.microsoft.com/office/powerpoint/2010/main" val="2715957010"/>
-      </p:ext>
-    </p:extLst>
-  </p:cSld>
-  <p:clrMapOvr>
-    <a:masterClrMapping/>
-  </p:clrMapOvr>
-</p:notes>
-</file>
-
-<file path=ppt/notesSlides/notesSlide14.xml><?xml version="1.0" encoding="utf-8"?>
-<p:notes xmlns:a="http://schemas.openxmlformats.org/drawingml/2006/main" xmlns:r="http://schemas.openxmlformats.org/officeDocument/2006/relationships" xmlns:p="http://schemas.openxmlformats.org/presentationml/2006/main">
-  <p:cSld>
-    <p:spTree>
-      <p:nvGrpSpPr>
-        <p:cNvPr id="1" name=""/>
-        <p:cNvGrpSpPr/>
-        <p:nvPr/>
-      </p:nvGrpSpPr>
-      <p:grpSpPr>
-        <a:xfrm>
-          <a:off x="0" y="0"/>
-          <a:ext cx="0" cy="0"/>
-          <a:chOff x="0" y="0"/>
-          <a:chExt cx="0" cy="0"/>
-        </a:xfrm>
-      </p:grpSpPr>
-      <p:sp>
-        <p:nvSpPr>
-          <p:cNvPr id="2" name="幻灯片图像占位符 1"/>
-          <p:cNvSpPr>
-            <a:spLocks noGrp="1" noRot="1" noChangeAspect="1"/>
-          </p:cNvSpPr>
-          <p:nvPr>
-            <p:ph type="sldImg"/>
-          </p:nvPr>
-        </p:nvSpPr>
-        <p:spPr/>
-      </p:sp>
-      <p:sp>
-        <p:nvSpPr>
-          <p:cNvPr id="3" name="备注占位符 2"/>
-          <p:cNvSpPr>
-            <a:spLocks noGrp="1"/>
-          </p:cNvSpPr>
-          <p:nvPr>
-            <p:ph type="body" idx="1"/>
-          </p:nvPr>
-        </p:nvSpPr>
-        <p:spPr/>
-        <p:txBody>
-          <a:bodyPr/>
-          <a:lstStyle/>
-          <a:p>
-            <a:r>
-              <a:rPr lang="zh-CN" altLang="en-US" dirty="0"/>
-              <a:t>接下来要验证新指令的功能是否被正确实现，就是看</a:t>
-            </a:r>
-            <a:r>
-              <a:rPr lang="en-US" altLang="zh-CN" dirty="0" err="1"/>
-              <a:t>qemu</a:t>
-            </a:r>
-            <a:r>
-              <a:rPr lang="zh-CN" altLang="en-US" dirty="0"/>
-              <a:t>的执行结果、反汇编结果是否正确</a:t>
-            </a:r>
-            <a:endParaRPr lang="en-US" altLang="zh-CN" dirty="0"/>
-          </a:p>
-          <a:p>
-            <a:r>
-              <a:rPr lang="zh-CN" altLang="en-US" dirty="0"/>
-              <a:t>我准备了</a:t>
-            </a:r>
-            <a:endParaRPr lang="en-US" altLang="zh-CN" dirty="0"/>
-          </a:p>
-          <a:p>
-            <a:r>
-              <a:rPr lang="zh-CN" altLang="en-US" dirty="0"/>
-              <a:t>第四行指令就是第三行指令的字节码，这条指令的功能在这里就是把‘’‘</a:t>
-            </a:r>
-            <a:endParaRPr lang="en-US" altLang="zh-CN" dirty="0"/>
-          </a:p>
-          <a:p>
-            <a:r>
-              <a:rPr lang="zh-CN" altLang="en-US" dirty="0"/>
-              <a:t>然后执行</a:t>
-            </a:r>
-            <a:endParaRPr lang="en-US" altLang="zh-CN" dirty="0"/>
-          </a:p>
-          <a:p>
-            <a:endParaRPr lang="en-US" altLang="zh-CN" dirty="0"/>
-          </a:p>
-          <a:p>
-            <a:r>
-              <a:rPr lang="zh-CN" altLang="en-US" dirty="0"/>
-              <a:t>在下面的反汇编中也可以看到第三行的字节码指令</a:t>
-            </a:r>
-          </a:p>
-        </p:txBody>
-      </p:sp>
-      <p:sp>
-        <p:nvSpPr>
-          <p:cNvPr id="4" name="灯片编号占位符 3"/>
-          <p:cNvSpPr>
-            <a:spLocks noGrp="1"/>
-          </p:cNvSpPr>
-          <p:nvPr>
-            <p:ph type="sldNum" sz="quarter" idx="5"/>
-          </p:nvPr>
-        </p:nvSpPr>
-        <p:spPr/>
-        <p:txBody>
-          <a:bodyPr/>
-          <a:lstStyle/>
-          <a:p>
-            <a:fld id="{D216228B-127E-4648-9200-95B41CCCA914}" type="slidenum">
-              <a:rPr lang="zh-CN" altLang="en-US" smtClean="0"/>
-              <a:t>14</a:t>
-            </a:fld>
-            <a:endParaRPr lang="zh-CN" altLang="en-US"/>
-          </a:p>
-        </p:txBody>
-      </p:sp>
-    </p:spTree>
-    <p:extLst>
-      <p:ext uri="{BB962C8B-B14F-4D97-AF65-F5344CB8AC3E}">
-        <p14:creationId xmlns:p14="http://schemas.microsoft.com/office/powerpoint/2010/main" val="3169961709"/>
-      </p:ext>
-    </p:extLst>
-  </p:cSld>
-  <p:clrMapOvr>
-    <a:masterClrMapping/>
-  </p:clrMapOvr>
-</p:notes>
-</file>
-
-<file path=ppt/notesSlides/notesSlide15.xml><?xml version="1.0" encoding="utf-8"?>
-<p:notes xmlns:a="http://schemas.openxmlformats.org/drawingml/2006/main" xmlns:r="http://schemas.openxmlformats.org/officeDocument/2006/relationships" xmlns:p="http://schemas.openxmlformats.org/presentationml/2006/main">
-  <p:cSld>
-    <p:spTree>
-      <p:nvGrpSpPr>
-        <p:cNvPr id="1" name=""/>
-        <p:cNvGrpSpPr/>
-        <p:nvPr/>
-      </p:nvGrpSpPr>
-      <p:grpSpPr>
-        <a:xfrm>
-          <a:off x="0" y="0"/>
-          <a:ext cx="0" cy="0"/>
-          <a:chOff x="0" y="0"/>
-          <a:chExt cx="0" cy="0"/>
-        </a:xfrm>
-      </p:grpSpPr>
-      <p:sp>
-        <p:nvSpPr>
-          <p:cNvPr id="2" name="幻灯片图像占位符 1"/>
-          <p:cNvSpPr>
-            <a:spLocks noGrp="1" noRot="1" noChangeAspect="1"/>
-          </p:cNvSpPr>
-          <p:nvPr>
-            <p:ph type="sldImg"/>
-          </p:nvPr>
-        </p:nvSpPr>
-        <p:spPr/>
-      </p:sp>
-      <p:sp>
-        <p:nvSpPr>
-          <p:cNvPr id="3" name="备注占位符 2"/>
-          <p:cNvSpPr>
-            <a:spLocks noGrp="1"/>
-          </p:cNvSpPr>
-          <p:nvPr>
-            <p:ph type="body" idx="1"/>
-          </p:nvPr>
-        </p:nvSpPr>
-        <p:spPr/>
-        <p:txBody>
-          <a:bodyPr/>
-          <a:lstStyle/>
-          <a:p>
-            <a:r>
-              <a:rPr lang="zh-CN" altLang="en-US" dirty="0"/>
-              <a:t>然后，启动</a:t>
-            </a:r>
-            <a:r>
-              <a:rPr lang="en-US" altLang="zh-CN" dirty="0"/>
-              <a:t>QEMU</a:t>
-            </a:r>
-            <a:r>
-              <a:rPr lang="zh-CN" altLang="en-US" dirty="0"/>
-              <a:t>链接</a:t>
-            </a:r>
-            <a:r>
-              <a:rPr lang="en-US" altLang="zh-CN" dirty="0"/>
-              <a:t>GDB</a:t>
-            </a:r>
-            <a:r>
-              <a:rPr lang="zh-CN" altLang="en-US" dirty="0"/>
-              <a:t>进行单步调试，第三条指令执行完之后，寄存器的值如如所示，</a:t>
-            </a:r>
-            <a:r>
-              <a:rPr lang="en-US" altLang="zh-CN" dirty="0"/>
-              <a:t>s8</a:t>
-            </a:r>
-            <a:r>
-              <a:rPr lang="zh-CN" altLang="en-US" dirty="0"/>
-              <a:t>中的值就是</a:t>
-            </a:r>
-            <a:r>
-              <a:rPr lang="en-US" altLang="zh-CN" dirty="0"/>
-              <a:t>s7</a:t>
-            </a:r>
-          </a:p>
-          <a:p>
-            <a:endParaRPr lang="en-US" altLang="zh-CN" dirty="0"/>
-          </a:p>
-          <a:p>
-            <a:r>
-              <a:rPr lang="zh-CN" altLang="en-US" dirty="0"/>
-              <a:t>结果是对的，可见</a:t>
-            </a:r>
-            <a:r>
-              <a:rPr lang="en-US" altLang="zh-CN" dirty="0"/>
-              <a:t>QEMU</a:t>
-            </a:r>
-            <a:r>
-              <a:rPr lang="zh-CN" altLang="en-US" dirty="0"/>
-              <a:t>已经支持了 新添加的指令集</a:t>
-            </a:r>
-          </a:p>
-        </p:txBody>
-      </p:sp>
-      <p:sp>
-        <p:nvSpPr>
-          <p:cNvPr id="4" name="灯片编号占位符 3"/>
-          <p:cNvSpPr>
-            <a:spLocks noGrp="1"/>
-          </p:cNvSpPr>
-          <p:nvPr>
-            <p:ph type="sldNum" sz="quarter" idx="5"/>
-          </p:nvPr>
-        </p:nvSpPr>
-        <p:spPr/>
-        <p:txBody>
-          <a:bodyPr/>
-          <a:lstStyle/>
-          <a:p>
-            <a:fld id="{D216228B-127E-4648-9200-95B41CCCA914}" type="slidenum">
-              <a:rPr lang="zh-CN" altLang="en-US" smtClean="0"/>
-              <a:t>15</a:t>
-            </a:fld>
-            <a:endParaRPr lang="zh-CN" altLang="en-US"/>
-          </a:p>
-        </p:txBody>
-      </p:sp>
-    </p:spTree>
-    <p:extLst>
-      <p:ext uri="{BB962C8B-B14F-4D97-AF65-F5344CB8AC3E}">
         <p14:creationId xmlns:p14="http://schemas.microsoft.com/office/powerpoint/2010/main" val="1140374362"/>
-      </p:ext>
-    </p:extLst>
-  </p:cSld>
-  <p:clrMapOvr>
-    <a:masterClrMapping/>
-  </p:clrMapOvr>
-</p:notes>
-</file>
-
-<file path=ppt/notesSlides/notesSlide16.xml><?xml version="1.0" encoding="utf-8"?>
-<p:notes xmlns:a="http://schemas.openxmlformats.org/drawingml/2006/main" xmlns:r="http://schemas.openxmlformats.org/officeDocument/2006/relationships" xmlns:p="http://schemas.openxmlformats.org/presentationml/2006/main">
-  <p:cSld>
-    <p:spTree>
-      <p:nvGrpSpPr>
-        <p:cNvPr id="1" name=""/>
-        <p:cNvGrpSpPr/>
-        <p:nvPr/>
-      </p:nvGrpSpPr>
-      <p:grpSpPr>
-        <a:xfrm>
-          <a:off x="0" y="0"/>
-          <a:ext cx="0" cy="0"/>
-          <a:chOff x="0" y="0"/>
-          <a:chExt cx="0" cy="0"/>
-        </a:xfrm>
-      </p:grpSpPr>
-      <p:sp>
-        <p:nvSpPr>
-          <p:cNvPr id="2" name="幻灯片图像占位符 1"/>
-          <p:cNvSpPr>
-            <a:spLocks noGrp="1" noRot="1" noChangeAspect="1"/>
-          </p:cNvSpPr>
-          <p:nvPr>
-            <p:ph type="sldImg"/>
-          </p:nvPr>
-        </p:nvSpPr>
-        <p:spPr/>
-      </p:sp>
-      <p:sp>
-        <p:nvSpPr>
-          <p:cNvPr id="3" name="备注占位符 2"/>
-          <p:cNvSpPr>
-            <a:spLocks noGrp="1"/>
-          </p:cNvSpPr>
-          <p:nvPr>
-            <p:ph type="body" idx="1"/>
-          </p:nvPr>
-        </p:nvSpPr>
-        <p:spPr/>
-        <p:txBody>
-          <a:bodyPr/>
-          <a:lstStyle/>
-          <a:p>
-            <a:r>
-              <a:rPr lang="zh-CN" altLang="en-US" dirty="0"/>
-              <a:t>对于反汇编功能，在</a:t>
-            </a:r>
-            <a:r>
-              <a:rPr lang="en-US" altLang="zh-CN" dirty="0"/>
-              <a:t>QEMU monitor </a:t>
-            </a:r>
-            <a:r>
-              <a:rPr lang="zh-CN" altLang="en-US" dirty="0"/>
-              <a:t>中查看 </a:t>
-            </a:r>
-            <a:r>
-              <a:rPr lang="en-US" altLang="zh-CN" dirty="0"/>
-              <a:t>8000</a:t>
-            </a:r>
-            <a:r>
-              <a:rPr lang="zh-CN" altLang="en-US" dirty="0"/>
-              <a:t>这个地址，就可以看到第</a:t>
-            </a:r>
-            <a:r>
-              <a:rPr lang="en-US" altLang="zh-CN" dirty="0"/>
-              <a:t>3</a:t>
-            </a:r>
-            <a:r>
-              <a:rPr lang="zh-CN" altLang="en-US" dirty="0"/>
-              <a:t>条指令的反汇编结果，显示出来了</a:t>
-            </a:r>
-            <a:r>
-              <a:rPr lang="en-US" altLang="zh-CN" dirty="0" err="1"/>
-              <a:t>bclt</a:t>
-            </a:r>
-            <a:r>
-              <a:rPr lang="zh-CN" altLang="en-US" dirty="0"/>
-              <a:t>，反汇编功能是正常的。</a:t>
-            </a:r>
-          </a:p>
-        </p:txBody>
-      </p:sp>
-      <p:sp>
-        <p:nvSpPr>
-          <p:cNvPr id="4" name="灯片编号占位符 3"/>
-          <p:cNvSpPr>
-            <a:spLocks noGrp="1"/>
-          </p:cNvSpPr>
-          <p:nvPr>
-            <p:ph type="sldNum" sz="quarter" idx="5"/>
-          </p:nvPr>
-        </p:nvSpPr>
-        <p:spPr/>
-        <p:txBody>
-          <a:bodyPr/>
-          <a:lstStyle/>
-          <a:p>
-            <a:fld id="{D216228B-127E-4648-9200-95B41CCCA914}" type="slidenum">
-              <a:rPr lang="zh-CN" altLang="en-US" smtClean="0"/>
-              <a:t>16</a:t>
-            </a:fld>
-            <a:endParaRPr lang="zh-CN" altLang="en-US"/>
-          </a:p>
-        </p:txBody>
-      </p:sp>
-    </p:spTree>
-    <p:extLst>
-      <p:ext uri="{BB962C8B-B14F-4D97-AF65-F5344CB8AC3E}">
-        <p14:creationId xmlns:p14="http://schemas.microsoft.com/office/powerpoint/2010/main" val="4149089733"/>
       </p:ext>
     </p:extLst>
   </p:cSld>
@@ -2301,7 +1648,7 @@
           <a:p>
             <a:r>
               <a:rPr lang="zh-CN" altLang="en-US" dirty="0"/>
-              <a:t>我发现，在不支持的扩展指令集中，有一类比较特殊，他们被放在源码的一个结构体中，注释说这些指令集和缓存有关，但是</a:t>
+              <a:t>接下来，我将介绍如何为</a:t>
             </a:r>
             <a:r>
               <a:rPr lang="en-US" altLang="zh-CN" dirty="0"/>
@@ -2309,14 +1656,30 @@
             </a:r>
             <a:r>
               <a:rPr lang="zh-CN" altLang="en-US" dirty="0"/>
-              <a:t>并没有实现缓存机制，所以这些指令集只是“名义上的实现”并且默认开启，就是它们的实际功能并没有实现。</a:t>
+              <a:t>添加新的扩展指令集支持</a:t>
             </a:r>
             <a:endParaRPr lang="en-US" altLang="zh-CN" dirty="0"/>
           </a:p>
           <a:p>
             <a:r>
               <a:rPr lang="zh-CN" altLang="en-US" dirty="0"/>
-              <a:t>比如虽然</a:t>
+              <a:t>这里我仿照</a:t>
+            </a:r>
+            <a:r>
+              <a:rPr lang="en-US" altLang="zh-CN" dirty="0" err="1"/>
+              <a:t>zbs</a:t>
+            </a:r>
+            <a:r>
+              <a:rPr lang="zh-CN" altLang="en-US" dirty="0"/>
+              <a:t>扩展指令集中的</a:t>
+            </a:r>
+            <a:r>
+              <a:rPr lang="en-US" altLang="zh-CN" dirty="0" err="1"/>
+              <a:t>bclr</a:t>
+            </a:r>
+            <a:r>
+              <a:rPr lang="zh-CN" altLang="en-US" dirty="0"/>
+              <a:t>指令，为</a:t>
             </a:r>
             <a:r>
               <a:rPr lang="en-US" altLang="zh-CN" dirty="0"/>
@@ -2324,31 +1687,225 @@
             </a:r>
             <a:r>
               <a:rPr lang="zh-CN" altLang="en-US" dirty="0"/>
-              <a:t>支持</a:t>
-            </a:r>
-            <a:r>
-              <a:rPr lang="en-US" altLang="zh-CN" dirty="0"/>
-              <a:t>K</a:t>
-            </a:r>
-            <a:r>
-              <a:rPr lang="zh-CN" altLang="en-US" dirty="0"/>
-              <a:t>扩展，但</a:t>
-            </a:r>
-            <a:r>
-              <a:rPr lang="en-US" altLang="zh-CN" dirty="0"/>
-              <a:t>K</a:t>
-            </a:r>
-            <a:r>
-              <a:rPr lang="zh-CN" altLang="en-US" dirty="0"/>
-              <a:t>扩展有一个子集叫</a:t>
+              <a:t>添加了一个</a:t>
+            </a:r>
+            <a:r>
+              <a:rPr lang="en-US" altLang="zh-CN" dirty="0"/>
+              <a:t>【</a:t>
+            </a:r>
+            <a:r>
+              <a:rPr lang="zh-CN" altLang="en-US" dirty="0"/>
+              <a:t>只有一条 </a:t>
+            </a:r>
+            <a:r>
+              <a:rPr lang="en-US" altLang="zh-CN" dirty="0"/>
+              <a:t>“</a:t>
             </a:r>
             <a:r>
               <a:rPr lang="en-US" altLang="zh-CN" dirty="0" err="1"/>
-              <a:t>Zkt</a:t>
-            </a:r>
-            <a:r>
-              <a:rPr lang="zh-CN" altLang="en-US" dirty="0"/>
-              <a:t>，它的功能是保证其它扩展中的一些指令集的执行延迟和它们所操作的数据无关，</a:t>
+              <a:t>bclt</a:t>
+            </a:r>
+            <a:r>
+              <a:rPr lang="en-US" altLang="zh-CN" dirty="0"/>
+              <a:t>”</a:t>
+            </a:r>
+            <a:r>
+              <a:rPr lang="zh-CN" altLang="en-US" dirty="0"/>
+              <a:t>指令的</a:t>
+            </a:r>
+            <a:r>
+              <a:rPr lang="en-US" altLang="zh-CN" dirty="0"/>
+              <a:t>“</a:t>
+            </a:r>
+            <a:r>
+              <a:rPr lang="en-US" altLang="zh-CN" dirty="0" err="1"/>
+              <a:t>Zbt</a:t>
+            </a:r>
+            <a:r>
+              <a:rPr lang="en-US" altLang="zh-CN" dirty="0"/>
+              <a:t>”</a:t>
+            </a:r>
+            <a:r>
+              <a:rPr lang="zh-CN" altLang="en-US" dirty="0"/>
+              <a:t>指令集</a:t>
+            </a:r>
+            <a:r>
+              <a:rPr lang="en-US" altLang="zh-CN" dirty="0"/>
+              <a:t>】</a:t>
+            </a:r>
+          </a:p>
+          <a:p>
+            <a:r>
+              <a:rPr lang="en-US" altLang="zh-CN" dirty="0" err="1"/>
+              <a:t>bclr</a:t>
+            </a:r>
+            <a:r>
+              <a:rPr lang="zh-CN" altLang="en-US" dirty="0"/>
+              <a:t>是一个两个源寄存器，一个目的寄存器的指令，功能是把</a:t>
+            </a:r>
+            <a:r>
+              <a:rPr lang="en-US" altLang="zh-CN" dirty="0"/>
+              <a:t>rs1</a:t>
+            </a:r>
+            <a:r>
+              <a:rPr lang="zh-CN" altLang="en-US" dirty="0"/>
+              <a:t>寄存器值得第</a:t>
+            </a:r>
+            <a:r>
+              <a:rPr lang="en-US" altLang="zh-CN" dirty="0"/>
+              <a:t>rs2</a:t>
+            </a:r>
+            <a:r>
+              <a:rPr lang="zh-CN" altLang="en-US" dirty="0"/>
+              <a:t>位置</a:t>
+            </a:r>
+            <a:r>
+              <a:rPr lang="en-US" altLang="zh-CN" dirty="0"/>
+              <a:t>0</a:t>
+            </a:r>
+            <a:r>
+              <a:rPr lang="zh-CN" altLang="en-US" dirty="0"/>
+              <a:t>，比如当</a:t>
+            </a:r>
+            <a:r>
+              <a:rPr lang="en-US" altLang="zh-CN" dirty="0"/>
+              <a:t>rs1</a:t>
+            </a:r>
+            <a:r>
+              <a:rPr lang="zh-CN" altLang="en-US" dirty="0"/>
+              <a:t>中的值是</a:t>
+            </a:r>
+            <a:r>
+              <a:rPr lang="en-US" altLang="zh-CN" dirty="0"/>
+              <a:t>0xffff</a:t>
+            </a:r>
+            <a:r>
+              <a:rPr lang="zh-CN" altLang="en-US" dirty="0"/>
+              <a:t>，</a:t>
+            </a:r>
+            <a:r>
+              <a:rPr lang="en-US" altLang="zh-CN" dirty="0"/>
+              <a:t>rs2</a:t>
+            </a:r>
+            <a:r>
+              <a:rPr lang="zh-CN" altLang="en-US" dirty="0"/>
+              <a:t>中的值是</a:t>
+            </a:r>
+            <a:r>
+              <a:rPr lang="en-US" altLang="zh-CN" dirty="0"/>
+              <a:t>4</a:t>
+            </a:r>
+            <a:r>
+              <a:rPr lang="zh-CN" altLang="en-US" dirty="0"/>
+              <a:t>时，将</a:t>
+            </a:r>
+            <a:r>
+              <a:rPr lang="en-US" altLang="zh-CN" dirty="0"/>
+              <a:t>0xffff</a:t>
+            </a:r>
+            <a:r>
+              <a:rPr lang="zh-CN" altLang="en-US" dirty="0"/>
+              <a:t>的第四位置</a:t>
+            </a:r>
+            <a:r>
+              <a:rPr lang="en-US" altLang="zh-CN" dirty="0"/>
+              <a:t>1</a:t>
+            </a:r>
+            <a:r>
+              <a:rPr lang="zh-CN" altLang="en-US" dirty="0"/>
+              <a:t>，就得到了</a:t>
+            </a:r>
+            <a:r>
+              <a:rPr lang="en-US" altLang="zh-CN" dirty="0"/>
+              <a:t>0xffef</a:t>
+            </a:r>
+          </a:p>
+          <a:p>
+            <a:r>
+              <a:rPr lang="zh-CN" altLang="en-US" dirty="0"/>
+              <a:t>我添加的</a:t>
+            </a:r>
+            <a:r>
+              <a:rPr lang="en-US" altLang="zh-CN" dirty="0" err="1"/>
+              <a:t>bclt</a:t>
+            </a:r>
+            <a:r>
+              <a:rPr lang="zh-CN" altLang="en-US" dirty="0"/>
+              <a:t>指令功能是在</a:t>
+            </a:r>
+            <a:r>
+              <a:rPr lang="en-US" altLang="zh-CN" dirty="0" err="1"/>
+              <a:t>bclt</a:t>
+            </a:r>
+            <a:r>
+              <a:rPr lang="zh-CN" altLang="en-US" dirty="0"/>
+              <a:t>指令的基础上，在给结果加一，</a:t>
+            </a:r>
+            <a:r>
+              <a:rPr lang="en-US" altLang="zh-CN" dirty="0"/>
+              <a:t>0xffef</a:t>
+            </a:r>
+            <a:r>
+              <a:rPr lang="zh-CN" altLang="en-US" dirty="0"/>
+              <a:t>再加一，得到</a:t>
+            </a:r>
+            <a:r>
+              <a:rPr lang="en-US" altLang="zh-CN" dirty="0"/>
+              <a:t>0xfff0</a:t>
+            </a:r>
+            <a:r>
+              <a:rPr lang="zh-CN" altLang="en-US" dirty="0"/>
+              <a:t>就是这条指令的执行结果。</a:t>
+            </a:r>
+            <a:endParaRPr lang="en-US" altLang="zh-CN" dirty="0"/>
+          </a:p>
+          <a:p>
+            <a:r>
+              <a:rPr lang="en-US" altLang="zh-CN" dirty="0" err="1"/>
+              <a:t>bclr</a:t>
+            </a:r>
+            <a:r>
+              <a:rPr lang="zh-CN" altLang="en-US" dirty="0"/>
+              <a:t>指令</a:t>
+            </a:r>
+            <a:r>
+              <a:rPr lang="en-US" altLang="zh-CN" dirty="0"/>
+              <a:t>14-12</a:t>
+            </a:r>
+            <a:r>
+              <a:rPr lang="zh-CN" altLang="en-US" dirty="0"/>
+              <a:t>位的功能码是</a:t>
+            </a:r>
+            <a:r>
+              <a:rPr lang="en-US" altLang="zh-CN" dirty="0"/>
+              <a:t>001</a:t>
+            </a:r>
+            <a:r>
+              <a:rPr lang="zh-CN" altLang="en-US" dirty="0"/>
+              <a:t>，我把这几位改成了</a:t>
+            </a:r>
+            <a:r>
+              <a:rPr lang="en-US" altLang="zh-CN" dirty="0"/>
+              <a:t>011</a:t>
+            </a:r>
+            <a:r>
+              <a:rPr lang="zh-CN" altLang="en-US" dirty="0"/>
+              <a:t>，以此作为</a:t>
+            </a:r>
+            <a:r>
+              <a:rPr lang="en-US" altLang="zh-CN" dirty="0" err="1"/>
+              <a:t>bclt</a:t>
+            </a:r>
+            <a:r>
+              <a:rPr lang="zh-CN" altLang="en-US" dirty="0"/>
+              <a:t>指令的编码</a:t>
+            </a:r>
+            <a:endParaRPr lang="en-US" altLang="zh-CN" dirty="0"/>
+          </a:p>
+          <a:p>
+            <a:r>
+              <a:rPr lang="zh-CN" altLang="en-US" dirty="0"/>
+              <a:t>我添加这样一个简单的指令集的目的是演示如何为</a:t>
             </a:r>
             <a:r>
               <a:rPr lang="en-US" altLang="zh-CN" dirty="0"/>
@@ -2356,7 +1913,7 @@
             </a:r>
             <a:r>
               <a:rPr lang="zh-CN" altLang="en-US" dirty="0"/>
-              <a:t>可能是认为这个扩展的功能不能在没有考虑缓存的情况下实现，所以把它也放到了这个数据结构里。表示无法支持</a:t>
+              <a:t>添加一个最简单的指令集的流程。接下来是具体步骤。</a:t>
             </a:r>
           </a:p>
         </p:txBody>
@@ -2387,7 +1944,7 @@
     </p:spTree>
     <p:extLst>
       <p:ext uri="{BB962C8B-B14F-4D97-AF65-F5344CB8AC3E}">
-        <p14:creationId xmlns:p14="http://schemas.microsoft.com/office/powerpoint/2010/main" val="4192147452"/>
+        <p14:creationId xmlns:p14="http://schemas.microsoft.com/office/powerpoint/2010/main" val="1565601392"/>
       </p:ext>
     </p:extLst>
   </p:cSld>
@@ -2443,7 +2000,7 @@
           <a:p>
             <a:r>
               <a:rPr lang="zh-CN" altLang="en-US" dirty="0"/>
-              <a:t>我调查看</a:t>
+              <a:t>首先要添加新扩展指令集的入口，告诉</a:t>
             </a:r>
             <a:r>
               <a:rPr lang="en-US" altLang="zh-CN" dirty="0"/>
@@ -2451,65 +2008,7 @@
             </a:r>
             <a:r>
               <a:rPr lang="zh-CN" altLang="en-US" dirty="0"/>
-              <a:t>有没有支持某个扩展指令集的方法有两两个，一个是在源码中搜索有没有扩展中指令的实现，另一个是在仓库中查找看有没有对应支持的</a:t>
-            </a:r>
-            <a:r>
-              <a:rPr lang="en-US" altLang="zh-CN" dirty="0"/>
-              <a:t>commit</a:t>
-            </a:r>
-          </a:p>
-          <a:p>
-            <a:r>
-              <a:rPr lang="zh-CN" altLang="en-US" dirty="0"/>
-              <a:t>比如左边就是</a:t>
-            </a:r>
-            <a:r>
-              <a:rPr lang="en-US" altLang="zh-CN" dirty="0" err="1"/>
-              <a:t>zcb</a:t>
-            </a:r>
-            <a:r>
-              <a:rPr lang="zh-CN" altLang="en-US" dirty="0"/>
-              <a:t>扩展的</a:t>
-            </a:r>
-            <a:r>
-              <a:rPr lang="en-US" altLang="zh-CN" dirty="0" err="1"/>
-              <a:t>c_zext_b</a:t>
-            </a:r>
-            <a:r>
-              <a:rPr lang="en-US" altLang="zh-CN" dirty="0"/>
-              <a:t> </a:t>
-            </a:r>
-            <a:r>
-              <a:rPr lang="zh-CN" altLang="en-US" dirty="0"/>
-              <a:t>指令在</a:t>
-            </a:r>
-            <a:r>
-              <a:rPr lang="en-US" altLang="zh-CN" dirty="0"/>
-              <a:t>QEMU</a:t>
-            </a:r>
-            <a:r>
-              <a:rPr lang="zh-CN" altLang="en-US" dirty="0"/>
-              <a:t>中的定义和实现，右边是</a:t>
-            </a:r>
-            <a:r>
-              <a:rPr lang="en-US" altLang="zh-CN" dirty="0" err="1"/>
-              <a:t>qemu</a:t>
-            </a:r>
-            <a:r>
-              <a:rPr lang="zh-CN" altLang="en-US" dirty="0"/>
-              <a:t>仓库中支持</a:t>
-            </a:r>
-            <a:r>
-              <a:rPr lang="en-US" altLang="zh-CN" dirty="0" err="1"/>
-              <a:t>zcb</a:t>
-            </a:r>
-            <a:r>
-              <a:rPr lang="zh-CN" altLang="en-US" dirty="0"/>
-              <a:t>扩展的</a:t>
-            </a:r>
-            <a:r>
-              <a:rPr lang="en-US" altLang="zh-CN" dirty="0"/>
-              <a:t>commit</a:t>
+              <a:t>有新的指令集需要支持，入口添加在图中这三个地方的结，新扩展作为结构体的新成员被添加进去。</a:t>
             </a:r>
           </a:p>
         </p:txBody>
@@ -2540,7 +2039,7 @@
     </p:spTree>
     <p:extLst>
       <p:ext uri="{BB962C8B-B14F-4D97-AF65-F5344CB8AC3E}">
-        <p14:creationId xmlns:p14="http://schemas.microsoft.com/office/powerpoint/2010/main" val="707494011"/>
+        <p14:creationId xmlns:p14="http://schemas.microsoft.com/office/powerpoint/2010/main" val="4054605968"/>
       </p:ext>
     </p:extLst>
   </p:cSld>
@@ -2596,272 +2095,161 @@
           <a:p>
             <a:r>
               <a:rPr lang="zh-CN" altLang="en-US" dirty="0"/>
-              <a:t>接下来，我将介绍如何为</a:t>
-            </a:r>
-            <a:r>
-              <a:rPr lang="en-US" altLang="zh-CN" dirty="0"/>
-              <a:t>QEMU</a:t>
-            </a:r>
-            <a:r>
-              <a:rPr lang="zh-CN" altLang="en-US" dirty="0"/>
-              <a:t>添加新的扩展指令集支持</a:t>
+              <a:t>接下来，如果新添加扩展和其它扩展之间有依赖关系，要把判断依赖关系的语句添加在</a:t>
+            </a:r>
+            <a:r>
+              <a:rPr lang="en-US" altLang="zh-CN" dirty="0" err="1">
+                <a:hlinkClick r:id="rId3"/>
+              </a:rPr>
+              <a:t>riscv_cpu_validate_set_extensions</a:t>
+            </a:r>
+            <a:r>
+              <a:rPr lang="zh-CN" altLang="en-US" dirty="0"/>
+              <a:t>这个函数中。</a:t>
             </a:r>
             <a:endParaRPr lang="en-US" altLang="zh-CN" dirty="0"/>
           </a:p>
           <a:p>
             <a:r>
               <a:rPr lang="zh-CN" altLang="en-US" dirty="0"/>
-              <a:t>这里我仿照</a:t>
+              <a:t>如果添加的扩展包含子扩展，就要在这个扩展被是能时同时使能子扩展。如左边的代码就表示</a:t>
             </a:r>
             <a:r>
               <a:rPr lang="en-US" altLang="zh-CN" dirty="0" err="1"/>
-              <a:t>zbs</a:t>
-            </a:r>
-            <a:r>
-              <a:rPr lang="zh-CN" altLang="en-US" dirty="0"/>
-              <a:t>扩展指令集中的</a:t>
+              <a:t>zcb</a:t>
+            </a:r>
+            <a:r>
+              <a:rPr lang="zh-CN" altLang="en-US" dirty="0"/>
+              <a:t>扩展依赖于</a:t>
             </a:r>
             <a:r>
               <a:rPr lang="en-US" altLang="zh-CN" dirty="0" err="1"/>
-              <a:t>bclr</a:t>
-            </a:r>
-            <a:r>
-              <a:rPr lang="zh-CN" altLang="en-US" dirty="0"/>
-              <a:t>指令，为</a:t>
-            </a:r>
-            <a:r>
-              <a:rPr lang="en-US" altLang="zh-CN" dirty="0"/>
-              <a:t>QEMU</a:t>
-            </a:r>
-            <a:r>
-              <a:rPr lang="zh-CN" altLang="en-US" dirty="0"/>
-              <a:t>添加了一个</a:t>
-            </a:r>
-            <a:r>
-              <a:rPr lang="en-US" altLang="zh-CN" dirty="0"/>
-              <a:t>【</a:t>
-            </a:r>
-            <a:r>
-              <a:rPr lang="zh-CN" altLang="en-US" dirty="0"/>
-              <a:t>只有一条 </a:t>
-            </a:r>
-            <a:r>
-              <a:rPr lang="en-US" altLang="zh-CN" dirty="0"/>
-              <a:t>“</a:t>
+              <a:t>zce</a:t>
+            </a:r>
+            <a:r>
+              <a:rPr lang="zh-CN" altLang="en-US" dirty="0"/>
+              <a:t>扩展，</a:t>
             </a:r>
             <a:r>
               <a:rPr lang="en-US" altLang="zh-CN" dirty="0" err="1"/>
-              <a:t>bclt</a:t>
-            </a:r>
-            <a:r>
-              <a:rPr lang="en-US" altLang="zh-CN" dirty="0"/>
-              <a:t>”</a:t>
-            </a:r>
-            <a:r>
-              <a:rPr lang="zh-CN" altLang="en-US" dirty="0"/>
-              <a:t>指令的</a:t>
-            </a:r>
-            <a:r>
-              <a:rPr lang="en-US" altLang="zh-CN" dirty="0"/>
-              <a:t>“</a:t>
+              <a:t>zcb</a:t>
+            </a:r>
+            <a:r>
+              <a:rPr lang="zh-CN" altLang="en-US" dirty="0"/>
+              <a:t>会在</a:t>
             </a:r>
             <a:r>
               <a:rPr lang="en-US" altLang="zh-CN" dirty="0" err="1"/>
-              <a:t>Zbt</a:t>
-            </a:r>
-            <a:r>
-              <a:rPr lang="en-US" altLang="zh-CN" dirty="0"/>
-              <a:t>”</a:t>
-            </a:r>
-            <a:r>
-              <a:rPr lang="zh-CN" altLang="en-US" dirty="0"/>
-              <a:t>指令集</a:t>
-            </a:r>
-            <a:r>
-              <a:rPr lang="en-US" altLang="zh-CN" dirty="0"/>
-              <a:t>】</a:t>
-            </a:r>
-          </a:p>
-          <a:p>
+              <a:t>zce</a:t>
+            </a:r>
+            <a:r>
+              <a:rPr lang="zh-CN" altLang="en-US" dirty="0"/>
+              <a:t>被使能时使能。</a:t>
+            </a:r>
+            <a:endParaRPr lang="en-US" altLang="zh-CN" dirty="0"/>
+          </a:p>
+          <a:p>
+            <a:r>
+              <a:rPr lang="zh-CN" altLang="en-US" dirty="0"/>
+              <a:t>如果添加的扩展依赖于其它扩展，在这个扩展被使能，但所依赖的扩展没有被使能时就要报错。如右边的代码表示</a:t>
+            </a:r>
             <a:r>
               <a:rPr lang="en-US" altLang="zh-CN" dirty="0" err="1"/>
-              <a:t>bclr</a:t>
-            </a:r>
-            <a:r>
-              <a:rPr lang="zh-CN" altLang="en-US" dirty="0"/>
-              <a:t>是一个两个源寄存器，一个目的寄存器的指令，功能是把</a:t>
-            </a:r>
-            <a:r>
-              <a:rPr lang="en-US" altLang="zh-CN" dirty="0"/>
-              <a:t>rs1</a:t>
-            </a:r>
-            <a:r>
-              <a:rPr lang="zh-CN" altLang="en-US" dirty="0"/>
-              <a:t>寄存器值得第</a:t>
-            </a:r>
-            <a:r>
-              <a:rPr lang="en-US" altLang="zh-CN" dirty="0"/>
-              <a:t>rs2</a:t>
-            </a:r>
-            <a:r>
-              <a:rPr lang="zh-CN" altLang="en-US" dirty="0"/>
-              <a:t>位置</a:t>
-            </a:r>
-            <a:r>
-              <a:rPr lang="en-US" altLang="zh-CN" dirty="0"/>
-              <a:t>0</a:t>
-            </a:r>
-            <a:r>
-              <a:rPr lang="zh-CN" altLang="en-US" dirty="0"/>
-              <a:t>，比如当</a:t>
-            </a:r>
-            <a:r>
-              <a:rPr lang="en-US" altLang="zh-CN" dirty="0"/>
-              <a:t>rs1</a:t>
-            </a:r>
-            <a:r>
-              <a:rPr lang="zh-CN" altLang="en-US" dirty="0"/>
-              <a:t>中的值是</a:t>
-            </a:r>
-            <a:r>
-              <a:rPr lang="en-US" altLang="zh-CN" dirty="0"/>
-              <a:t>0xffff</a:t>
-            </a:r>
-            <a:r>
-              <a:rPr lang="zh-CN" altLang="en-US" dirty="0"/>
-              <a:t>，</a:t>
-            </a:r>
-            <a:r>
-              <a:rPr lang="en-US" altLang="zh-CN" dirty="0"/>
-              <a:t>rs2</a:t>
-            </a:r>
-            <a:r>
-              <a:rPr lang="zh-CN" altLang="en-US" dirty="0"/>
-              <a:t>中的值是</a:t>
-            </a:r>
-            <a:r>
-              <a:rPr lang="en-US" altLang="zh-CN" dirty="0"/>
-              <a:t>4</a:t>
-            </a:r>
-            <a:r>
-              <a:rPr lang="zh-CN" altLang="en-US" dirty="0"/>
-              <a:t>时，将</a:t>
-            </a:r>
-            <a:r>
-              <a:rPr lang="en-US" altLang="zh-CN" dirty="0"/>
-              <a:t>0xffff</a:t>
-            </a:r>
-            <a:r>
-              <a:rPr lang="zh-CN" altLang="en-US" dirty="0"/>
-              <a:t>的第四位置</a:t>
-            </a:r>
-            <a:r>
-              <a:rPr lang="en-US" altLang="zh-CN" dirty="0"/>
-              <a:t>1</a:t>
-            </a:r>
-            <a:r>
-              <a:rPr lang="zh-CN" altLang="en-US" dirty="0"/>
-              <a:t>，就得到了</a:t>
-            </a:r>
-            <a:r>
-              <a:rPr lang="en-US" altLang="zh-CN" dirty="0"/>
-              <a:t>0xffef</a:t>
-            </a:r>
-          </a:p>
-          <a:p>
-            <a:r>
-              <a:rPr lang="zh-CN" altLang="en-US" dirty="0"/>
-              <a:t>我添加的</a:t>
+              <a:t>zcb</a:t>
+            </a:r>
+            <a:r>
+              <a:rPr lang="zh-CN" altLang="en-US" dirty="0"/>
+              <a:t>和一些其它扩展对</a:t>
             </a:r>
             <a:r>
               <a:rPr lang="en-US" altLang="zh-CN" dirty="0" err="1"/>
-              <a:t>bclt</a:t>
-            </a:r>
-            <a:r>
-              <a:rPr lang="zh-CN" altLang="en-US" dirty="0"/>
-              <a:t>指令功能是在</a:t>
+              <a:t>zca</a:t>
+            </a:r>
+            <a:r>
+              <a:rPr lang="zh-CN" altLang="en-US" dirty="0"/>
+              <a:t>扩展的依赖，如果</a:t>
             </a:r>
             <a:r>
               <a:rPr lang="en-US" altLang="zh-CN" dirty="0" err="1"/>
-              <a:t>bclt</a:t>
-            </a:r>
-            <a:r>
-              <a:rPr lang="zh-CN" altLang="en-US" dirty="0"/>
-              <a:t>指令的基础上，在给结果加一，</a:t>
-            </a:r>
-            <a:r>
-              <a:rPr lang="en-US" altLang="zh-CN" dirty="0"/>
-              <a:t>0xffef</a:t>
-            </a:r>
-            <a:r>
-              <a:rPr lang="zh-CN" altLang="en-US" dirty="0"/>
-              <a:t>再加一，得到</a:t>
-            </a:r>
-            <a:r>
-              <a:rPr lang="en-US" altLang="zh-CN" dirty="0"/>
-              <a:t>0xfff0</a:t>
-            </a:r>
-            <a:r>
-              <a:rPr lang="zh-CN" altLang="en-US" dirty="0"/>
-              <a:t>就是这条指令的执行结果。</a:t>
+              <a:t>zcb</a:t>
+            </a:r>
+            <a:r>
+              <a:rPr lang="zh-CN" altLang="en-US" dirty="0"/>
+              <a:t>使能时</a:t>
+            </a:r>
+            <a:r>
+              <a:rPr lang="en-US" altLang="zh-CN" dirty="0" err="1"/>
+              <a:t>zca</a:t>
+            </a:r>
+            <a:r>
+              <a:rPr lang="zh-CN" altLang="en-US" dirty="0"/>
+              <a:t>没有被使能，就会报错。</a:t>
             </a:r>
             <a:endParaRPr lang="en-US" altLang="zh-CN" dirty="0"/>
           </a:p>
           <a:p>
             <a:r>
+              <a:rPr lang="en-US" altLang="zh-CN" dirty="0" err="1">
+                <a:hlinkClick r:id="rId3"/>
+              </a:rPr>
+              <a:t>riscv_cpu_validate_set_extensions</a:t>
+            </a:r>
+            <a:r>
+              <a:rPr lang="zh-CN" altLang="en-US" dirty="0"/>
+              <a:t>这个函数会在初始化的时候调用进行依赖关系的判断。</a:t>
+            </a:r>
+            <a:endParaRPr lang="en-US" altLang="zh-CN" dirty="0"/>
+          </a:p>
+          <a:p>
+            <a:r>
+              <a:rPr lang="zh-CN" altLang="en-US" dirty="0"/>
+              <a:t>此外，所以需要在</a:t>
+            </a:r>
+            <a:r>
+              <a:rPr lang="en-US" altLang="zh-CN" dirty="0" err="1">
+                <a:hlinkClick r:id="rId4"/>
+              </a:rPr>
+              <a:t>riscv_cpu_validate_b</a:t>
+            </a:r>
+            <a:r>
+              <a:rPr lang="en-US" altLang="zh-CN" dirty="0"/>
+              <a:t> </a:t>
+            </a:r>
+            <a:r>
+              <a:rPr lang="zh-CN" altLang="en-US" dirty="0"/>
+              <a:t>函数中添加对</a:t>
+            </a:r>
+            <a:r>
               <a:rPr lang="en-US" altLang="zh-CN" dirty="0" err="1"/>
-              <a:t>bclr</a:t>
-            </a:r>
-            <a:r>
-              <a:rPr lang="zh-CN" altLang="en-US" dirty="0"/>
-              <a:t>指令</a:t>
-            </a:r>
-            <a:r>
-              <a:rPr lang="en-US" altLang="zh-CN" dirty="0"/>
-              <a:t>14-12</a:t>
-            </a:r>
-            <a:r>
-              <a:rPr lang="zh-CN" altLang="en-US" dirty="0"/>
-              <a:t>位的功能码是</a:t>
-            </a:r>
-            <a:r>
-              <a:rPr lang="en-US" altLang="zh-CN" dirty="0"/>
-              <a:t>001</a:t>
-            </a:r>
-            <a:r>
-              <a:rPr lang="zh-CN" altLang="en-US" dirty="0"/>
-              <a:t>，我把这几位改成了</a:t>
-            </a:r>
-            <a:r>
-              <a:rPr lang="en-US" altLang="zh-CN" dirty="0"/>
-              <a:t>011</a:t>
-            </a:r>
-            <a:r>
-              <a:rPr lang="zh-CN" altLang="en-US" dirty="0"/>
-              <a:t>，以此作为</a:t>
+              <a:t>zbt</a:t>
+            </a:r>
+            <a:r>
+              <a:rPr lang="zh-CN" altLang="en-US" dirty="0"/>
+              <a:t>扩展的判断，因为添加的</a:t>
             </a:r>
             <a:r>
               <a:rPr lang="en-US" altLang="zh-CN" dirty="0" err="1"/>
-              <a:t>bclt</a:t>
-            </a:r>
-            <a:r>
-              <a:rPr lang="zh-CN" altLang="en-US" dirty="0"/>
-              <a:t>指令的编码</a:t>
-            </a:r>
-            <a:endParaRPr lang="en-US" altLang="zh-CN" dirty="0"/>
-          </a:p>
-          <a:p>
-            <a:r>
-              <a:rPr lang="zh-CN" altLang="en-US" dirty="0"/>
-              <a:t>我添加这样一个简单的指令集的目的是演示如何为</a:t>
-            </a:r>
-            <a:r>
-              <a:rPr lang="en-US" altLang="zh-CN" dirty="0"/>
-              <a:t>QEMU</a:t>
-            </a:r>
-            <a:r>
-              <a:rPr lang="zh-CN" altLang="en-US" dirty="0"/>
-              <a:t>添加一个最简单的指令集的流程。接下来是具体步骤。</a:t>
+              <a:t>zbt</a:t>
+            </a:r>
+            <a:r>
+              <a:rPr lang="zh-CN" altLang="en-US" dirty="0"/>
+              <a:t>扩展是属于</a:t>
+            </a:r>
+            <a:r>
+              <a:rPr lang="en-US" altLang="zh-CN" dirty="0"/>
+              <a:t>B</a:t>
+            </a:r>
+            <a:r>
+              <a:rPr lang="zh-CN" altLang="en-US" dirty="0"/>
+              <a:t>扩展大类的。这个函数作用是在</a:t>
+            </a:r>
+            <a:r>
+              <a:rPr lang="en-US" altLang="zh-CN" dirty="0"/>
+              <a:t>B</a:t>
+            </a:r>
+            <a:r>
+              <a:rPr lang="zh-CN" altLang="en-US" dirty="0"/>
+              <a:t>扩展被使能时同时使能所有子扩展。</a:t>
             </a:r>
           </a:p>
         </p:txBody>
@@ -2892,7 +2280,7 @@
     </p:spTree>
     <p:extLst>
       <p:ext uri="{BB962C8B-B14F-4D97-AF65-F5344CB8AC3E}">
-        <p14:creationId xmlns:p14="http://schemas.microsoft.com/office/powerpoint/2010/main" val="1565601392"/>
+        <p14:creationId xmlns:p14="http://schemas.microsoft.com/office/powerpoint/2010/main" val="2744817289"/>
       </p:ext>
     </p:extLst>
   </p:cSld>
@@ -2948,7 +2336,7 @@
           <a:p>
             <a:r>
               <a:rPr lang="zh-CN" altLang="en-US" dirty="0"/>
-              <a:t>首先要添加新扩展指令集的入口，告诉</a:t>
+              <a:t>在</a:t>
             </a:r>
             <a:r>
               <a:rPr lang="en-US" altLang="zh-CN" dirty="0"/>
@@ -2956,7 +2344,70 @@
             </a:r>
             <a:r>
               <a:rPr lang="zh-CN" altLang="en-US" dirty="0"/>
-              <a:t>有新的指令集需要支持，入口添加在图中这三个地方的结，新扩展作为结构体的新成员被添加进去。</a:t>
+              <a:t>中注册完扩展后要为</a:t>
+            </a:r>
+            <a:r>
+              <a:rPr lang="en-US" altLang="zh-CN" dirty="0"/>
+              <a:t>QEMU</a:t>
+            </a:r>
+            <a:r>
+              <a:rPr lang="zh-CN" altLang="en-US" dirty="0"/>
+              <a:t>添加扩展中的指令，首先要添加指令的编码信息。</a:t>
+            </a:r>
+            <a:endParaRPr lang="en-US" altLang="zh-CN" dirty="0"/>
+          </a:p>
+          <a:p>
+            <a:r>
+              <a:rPr lang="en-US" altLang="zh-CN" dirty="0"/>
+              <a:t>QEMU RISCV</a:t>
+            </a:r>
+            <a:r>
+              <a:rPr lang="zh-CN" altLang="en-US" dirty="0"/>
+              <a:t>指令的编码保存在</a:t>
+            </a:r>
+            <a:r>
+              <a:rPr lang="en-US" altLang="zh-CN" dirty="0">
+                <a:hlinkClick r:id="rId3"/>
+              </a:rPr>
+              <a:t>insn32.decode</a:t>
+            </a:r>
+            <a:r>
+              <a:rPr lang="en-US" altLang="zh-CN" dirty="0"/>
+              <a:t> </a:t>
+            </a:r>
+            <a:r>
+              <a:rPr lang="zh-CN" altLang="en-US" dirty="0"/>
+              <a:t>和</a:t>
+            </a:r>
+            <a:r>
+              <a:rPr lang="en-US" altLang="zh-CN" dirty="0">
+                <a:hlinkClick r:id="rId3"/>
+              </a:rPr>
+              <a:t>insn16.decode</a:t>
+            </a:r>
+            <a:r>
+              <a:rPr lang="en-US" altLang="zh-CN" dirty="0"/>
+              <a:t> </a:t>
+            </a:r>
+            <a:r>
+              <a:rPr lang="zh-CN" altLang="en-US" dirty="0"/>
+              <a:t>两个文件中，根据之前对</a:t>
+            </a:r>
+            <a:r>
+              <a:rPr lang="en-US" altLang="zh-CN" dirty="0" err="1"/>
+              <a:t>bclt</a:t>
+            </a:r>
+            <a:r>
+              <a:rPr lang="zh-CN" altLang="en-US" dirty="0"/>
+              <a:t>指令编码的定义，在这个文件中添加右边这样的编码，最右边的</a:t>
+            </a:r>
+            <a:r>
+              <a:rPr lang="en-US" altLang="zh-CN" dirty="0"/>
+              <a:t>@r</a:t>
+            </a:r>
+            <a:r>
+              <a:rPr lang="zh-CN" altLang="en-US" dirty="0"/>
+              <a:t>表示这条指令的格式是两个源寄存器，一个目的寄存器。对于其它格式的指令的添加方法，在这个文件的头部也都有说明。</a:t>
             </a:r>
           </a:p>
         </p:txBody>
@@ -2987,7 +2438,7 @@
     </p:spTree>
     <p:extLst>
       <p:ext uri="{BB962C8B-B14F-4D97-AF65-F5344CB8AC3E}">
-        <p14:creationId xmlns:p14="http://schemas.microsoft.com/office/powerpoint/2010/main" val="4054605968"/>
+        <p14:creationId xmlns:p14="http://schemas.microsoft.com/office/powerpoint/2010/main" val="3956777654"/>
       </p:ext>
     </p:extLst>
   </p:cSld>
@@ -3144,7 +2595,7 @@
           <a:p>
             <a:fld id="{DA003BEB-82FE-4E21-8C11-0108D2C5106B}" type="datetimeFigureOut">
               <a:rPr lang="zh-CN" altLang="en-US" smtClean="0"/>
-              <a:t>2024/3/20</a:t>
+              <a:t>2024/6/9</a:t>
             </a:fld>
             <a:endParaRPr lang="zh-CN" altLang="en-US"/>
           </a:p>
@@ -3342,7 +2793,7 @@
           <a:p>
             <a:fld id="{DA003BEB-82FE-4E21-8C11-0108D2C5106B}" type="datetimeFigureOut">
               <a:rPr lang="zh-CN" altLang="en-US" smtClean="0"/>
-              <a:t>2024/3/20</a:t>
+              <a:t>2024/6/9</a:t>
             </a:fld>
             <a:endParaRPr lang="zh-CN" altLang="en-US"/>
           </a:p>
@@ -3550,7 +3001,7 @@
           <a:p>
             <a:fld id="{DA003BEB-82FE-4E21-8C11-0108D2C5106B}" type="datetimeFigureOut">
               <a:rPr lang="zh-CN" altLang="en-US" smtClean="0"/>
-              <a:t>2024/3/20</a:t>
+              <a:t>2024/6/9</a:t>
             </a:fld>
             <a:endParaRPr lang="zh-CN" altLang="en-US"/>
           </a:p>
@@ -3748,7 +3199,7 @@
           <a:p>
             <a:fld id="{DA003BEB-82FE-4E21-8C11-0108D2C5106B}" type="datetimeFigureOut">
               <a:rPr lang="zh-CN" altLang="en-US" smtClean="0"/>
-              <a:t>2024/3/20</a:t>
+              <a:t>2024/6/9</a:t>
             </a:fld>
             <a:endParaRPr lang="zh-CN" altLang="en-US"/>
           </a:p>
@@ -4023,7 +3474,7 @@
           <a:p>
             <a:fld id="{DA003BEB-82FE-4E21-8C11-0108D2C5106B}" type="datetimeFigureOut">
               <a:rPr lang="zh-CN" altLang="en-US" smtClean="0"/>
-              <a:t>2024/3/20</a:t>
+              <a:t>2024/6/9</a:t>
             </a:fld>
             <a:endParaRPr lang="zh-CN" altLang="en-US"/>
           </a:p>
@@ -4288,7 +3739,7 @@
           <a:p>
             <a:fld id="{DA003BEB-82FE-4E21-8C11-0108D2C5106B}" type="datetimeFigureOut">
               <a:rPr lang="zh-CN" altLang="en-US" smtClean="0"/>
-              <a:t>2024/3/20</a:t>
+              <a:t>2024/6/9</a:t>
             </a:fld>
             <a:endParaRPr lang="zh-CN" altLang="en-US"/>
           </a:p>
@@ -4700,7 +4151,7 @@
           <a:p>
             <a:fld id="{DA003BEB-82FE-4E21-8C11-0108D2C5106B}" type="datetimeFigureOut">
               <a:rPr lang="zh-CN" altLang="en-US" smtClean="0"/>
-              <a:t>2024/3/20</a:t>
+              <a:t>2024/6/9</a:t>
             </a:fld>
             <a:endParaRPr lang="zh-CN" altLang="en-US"/>
           </a:p>
@@ -4841,7 +4292,7 @@
           <a:p>
             <a:fld id="{DA003BEB-82FE-4E21-8C11-0108D2C5106B}" type="datetimeFigureOut">
               <a:rPr lang="zh-CN" altLang="en-US" smtClean="0"/>
-              <a:t>2024/3/20</a:t>
+              <a:t>2024/6/9</a:t>
             </a:fld>
             <a:endParaRPr lang="zh-CN" altLang="en-US"/>
           </a:p>
@@ -4954,7 +4405,7 @@
           <a:p>
             <a:fld id="{DA003BEB-82FE-4E21-8C11-0108D2C5106B}" type="datetimeFigureOut">
               <a:rPr lang="zh-CN" altLang="en-US" smtClean="0"/>
-              <a:t>2024/3/20</a:t>
+              <a:t>2024/6/9</a:t>
             </a:fld>
             <a:endParaRPr lang="zh-CN" altLang="en-US"/>
           </a:p>
@@ -5265,7 +4716,7 @@
           <a:p>
             <a:fld id="{DA003BEB-82FE-4E21-8C11-0108D2C5106B}" type="datetimeFigureOut">
               <a:rPr lang="zh-CN" altLang="en-US" smtClean="0"/>
-              <a:t>2024/3/20</a:t>
+              <a:t>2024/6/9</a:t>
             </a:fld>
             <a:endParaRPr lang="zh-CN" altLang="en-US"/>
           </a:p>
@@ -5553,7 +5004,7 @@
           <a:p>
             <a:fld id="{DA003BEB-82FE-4E21-8C11-0108D2C5106B}" type="datetimeFigureOut">
               <a:rPr lang="zh-CN" altLang="en-US" smtClean="0"/>
-              <a:t>2024/3/20</a:t>
+              <a:t>2024/6/9</a:t>
             </a:fld>
             <a:endParaRPr lang="zh-CN" altLang="en-US"/>
           </a:p>
@@ -5794,7 +5245,7 @@
           <a:p>
             <a:fld id="{DA003BEB-82FE-4E21-8C11-0108D2C5106B}" type="datetimeFigureOut">
               <a:rPr lang="zh-CN" altLang="en-US" smtClean="0"/>
-              <a:t>2024/3/20</a:t>
+              <a:t>2024/6/9</a:t>
             </a:fld>
             <a:endParaRPr lang="zh-CN" altLang="en-US"/>
           </a:p>
@@ -6229,8 +5680,8 @@
         </p:nvSpPr>
         <p:spPr>
           <a:xfrm>
-            <a:off x="929148" y="1166608"/>
-            <a:ext cx="10333703" cy="2387600"/>
+            <a:off x="1030837" y="812571"/>
+            <a:ext cx="10338204" cy="2387600"/>
           </a:xfrm>
         </p:spPr>
         <p:txBody>
@@ -6240,21 +5691,10 @@
           <a:lstStyle/>
           <a:p>
             <a:r>
-              <a:rPr lang="en-US" altLang="zh-CN" dirty="0"/>
-              <a:t>QEMU </a:t>
-            </a:r>
-            <a:r>
-              <a:rPr lang="zh-CN" altLang="en-US" dirty="0"/>
-              <a:t>支持</a:t>
-            </a:r>
-            <a:r>
-              <a:rPr lang="en-US" altLang="zh-CN" dirty="0"/>
-              <a:t>RISC-V</a:t>
-            </a:r>
-            <a:r>
-              <a:rPr lang="zh-CN" altLang="en-US" dirty="0"/>
-              <a:t>扩展指令集的情况及添加扩展方法</a:t>
-            </a:r>
+              <a:rPr lang="en-US" altLang="zh-CN" sz="4400" dirty="0"/>
+              <a:t>QEMU’s Support for RISC-V Extension and How to Add support for New Extension</a:t>
+            </a:r>
+            <a:endParaRPr lang="zh-CN" altLang="en-US" sz="4400" dirty="0"/>
           </a:p>
         </p:txBody>
       </p:sp>
@@ -6285,12 +5725,12 @@
           <a:lstStyle/>
           <a:p>
             <a:r>
-              <a:rPr lang="zh-CN" altLang="en-US" dirty="0"/>
-              <a:t>黄大军 </a:t>
-            </a:r>
-            <a:r>
-              <a:rPr lang="en-US" altLang="zh-CN" dirty="0"/>
-              <a:t>2024/3/20</a:t>
+              <a:rPr lang="en-US" altLang="zh-CN" dirty="0" err="1"/>
+              <a:t>Dajun</a:t>
+            </a:r>
+            <a:r>
+              <a:rPr lang="en-US" altLang="zh-CN" dirty="0"/>
+              <a:t> Huang 2024/6/9</a:t>
             </a:r>
             <a:endParaRPr lang="zh-CN" altLang="en-US" dirty="0"/>
           </a:p>
@@ -6331,7 +5771,7 @@
           <p:cNvPr id="2" name="标题 1">
             <a:extLst>
               <a:ext uri="{FF2B5EF4-FFF2-40B4-BE49-F238E27FC236}">
-                <a16:creationId xmlns:a16="http://schemas.microsoft.com/office/drawing/2014/main" id="{361DD3A3-3651-41E1-8A14-16B83FE06CEE}"/>
+                <a16:creationId xmlns:a16="http://schemas.microsoft.com/office/drawing/2014/main" id="{D823E38E-776B-4C94-8F3E-10BC0DAAC82A}"/>
               </a:ext>
             </a:extLst>
           </p:cNvPr>
@@ -6348,9 +5788,10 @@
           <a:lstStyle/>
           <a:p>
             <a:r>
-              <a:rPr lang="zh-CN" altLang="en-US" dirty="0"/>
-              <a:t>扩展依赖判断</a:t>
-            </a:r>
+              <a:rPr lang="en-US" altLang="zh-CN" dirty="0"/>
+              <a:t>Add Translate Entrance for Instruction</a:t>
+            </a:r>
+            <a:endParaRPr lang="zh-CN" altLang="en-US" dirty="0"/>
           </a:p>
         </p:txBody>
       </p:sp>
@@ -6359,7 +5800,7 @@
           <p:cNvPr id="3" name="内容占位符 2">
             <a:extLst>
               <a:ext uri="{FF2B5EF4-FFF2-40B4-BE49-F238E27FC236}">
-                <a16:creationId xmlns:a16="http://schemas.microsoft.com/office/drawing/2014/main" id="{A8451EC9-624F-4815-AAAF-60CB8727EE20}"/>
+                <a16:creationId xmlns:a16="http://schemas.microsoft.com/office/drawing/2014/main" id="{58A8A237-019F-4B6F-8FE4-A5090863E0C3}"/>
               </a:ext>
             </a:extLst>
           </p:cNvPr>
@@ -6372,502 +5813,12 @@
         </p:nvSpPr>
         <p:spPr/>
         <p:txBody>
-          <a:bodyPr>
-            <a:normAutofit/>
-          </a:bodyPr>
-          <a:lstStyle/>
-          <a:p>
-            <a:r>
-              <a:rPr lang="zh-CN" altLang="en-US" dirty="0"/>
-              <a:t>如果新加入的扩展对其它扩展有依赖，或拥有子扩展，在</a:t>
-            </a:r>
-            <a:r>
-              <a:rPr lang="en-US" altLang="zh-CN" dirty="0">
-                <a:hlinkClick r:id="rId3"/>
-              </a:rPr>
-              <a:t>riscv_cpu_validate_set_extensions</a:t>
-            </a:r>
-            <a:r>
-              <a:rPr lang="zh-CN" altLang="en-US" dirty="0"/>
-              <a:t>函数中判断</a:t>
-            </a:r>
-            <a:endParaRPr lang="en-US" altLang="zh-CN" dirty="0"/>
-          </a:p>
-          <a:p>
-            <a:pPr marL="0" indent="0">
-              <a:buNone/>
-            </a:pPr>
-            <a:r>
-              <a:rPr lang="zh-CN" altLang="en-US" sz="2400" dirty="0"/>
-              <a:t>    若包含子扩展</a:t>
-            </a:r>
-            <a:r>
-              <a:rPr lang="en-US" altLang="zh-CN" dirty="0"/>
-              <a:t>				</a:t>
-            </a:r>
-            <a:r>
-              <a:rPr lang="zh-CN" altLang="en-US" sz="2400" dirty="0"/>
-              <a:t>若依赖于其它扩展</a:t>
-            </a:r>
-            <a:endParaRPr lang="en-US" altLang="zh-CN" sz="2400" dirty="0"/>
-          </a:p>
-          <a:p>
-            <a:pPr marL="0" indent="0">
-              <a:buNone/>
-            </a:pPr>
-            <a:endParaRPr lang="en-US" altLang="zh-CN" dirty="0"/>
-          </a:p>
-          <a:p>
-            <a:pPr marL="0" indent="0">
-              <a:buNone/>
-            </a:pPr>
-            <a:endParaRPr lang="en-US" altLang="zh-CN" dirty="0"/>
-          </a:p>
-          <a:p>
-            <a:pPr marL="0" indent="0">
-              <a:buNone/>
-            </a:pPr>
-            <a:endParaRPr lang="en-US" altLang="zh-CN" dirty="0"/>
-          </a:p>
-          <a:p>
-            <a:r>
-              <a:rPr lang="zh-CN" altLang="en-US" dirty="0"/>
-              <a:t>在</a:t>
-            </a:r>
-            <a:r>
-              <a:rPr lang="en-US" altLang="zh-CN" dirty="0">
-                <a:hlinkClick r:id="rId4"/>
-              </a:rPr>
-              <a:t>riscv_cpu_validate_b</a:t>
-            </a:r>
-            <a:r>
-              <a:rPr lang="en-US" altLang="zh-CN" dirty="0"/>
-              <a:t> </a:t>
-            </a:r>
-            <a:r>
-              <a:rPr lang="zh-CN" altLang="en-US" dirty="0"/>
-              <a:t>函数中添加和其有关的判断</a:t>
-            </a:r>
-          </a:p>
-        </p:txBody>
-      </p:sp>
-      <p:pic>
-        <p:nvPicPr>
-          <p:cNvPr id="10" name="图片 9">
-            <a:extLst>
-              <a:ext uri="{FF2B5EF4-FFF2-40B4-BE49-F238E27FC236}">
-                <a16:creationId xmlns:a16="http://schemas.microsoft.com/office/drawing/2014/main" id="{BF592449-A77C-43EE-8B75-C69DCE3CDB7D}"/>
-              </a:ext>
-            </a:extLst>
-          </p:cNvPr>
-          <p:cNvPicPr>
-            <a:picLocks noChangeAspect="1"/>
-          </p:cNvPicPr>
-          <p:nvPr/>
-        </p:nvPicPr>
-        <p:blipFill>
-          <a:blip r:embed="rId5">
-            <a:extLst>
-              <a:ext uri="{28A0092B-C50C-407E-A947-70E740481C1C}">
-                <a14:useLocalDpi xmlns:a14="http://schemas.microsoft.com/office/drawing/2010/main" val="0"/>
-              </a:ext>
-            </a:extLst>
-          </a:blip>
-          <a:stretch>
-            <a:fillRect/>
-          </a:stretch>
-        </p:blipFill>
-        <p:spPr>
-          <a:xfrm>
-            <a:off x="991552" y="3121775"/>
-            <a:ext cx="4466689" cy="1399435"/>
-          </a:xfrm>
-          <a:prstGeom prst="rect">
-            <a:avLst/>
-          </a:prstGeom>
-        </p:spPr>
-      </p:pic>
-      <p:pic>
-        <p:nvPicPr>
-          <p:cNvPr id="12" name="图片 11">
-            <a:extLst>
-              <a:ext uri="{FF2B5EF4-FFF2-40B4-BE49-F238E27FC236}">
-                <a16:creationId xmlns:a16="http://schemas.microsoft.com/office/drawing/2014/main" id="{EAFF7935-2E52-4874-A402-5876F6DC89EA}"/>
-              </a:ext>
-            </a:extLst>
-          </p:cNvPr>
-          <p:cNvPicPr>
-            <a:picLocks noChangeAspect="1"/>
-          </p:cNvPicPr>
-          <p:nvPr/>
-        </p:nvPicPr>
-        <p:blipFill>
-          <a:blip r:embed="rId6">
-            <a:extLst>
-              <a:ext uri="{28A0092B-C50C-407E-A947-70E740481C1C}">
-                <a14:useLocalDpi xmlns:a14="http://schemas.microsoft.com/office/drawing/2010/main" val="0"/>
-              </a:ext>
-            </a:extLst>
-          </a:blip>
-          <a:stretch>
-            <a:fillRect/>
-          </a:stretch>
-        </p:blipFill>
-        <p:spPr>
-          <a:xfrm>
-            <a:off x="6096000" y="3248000"/>
-            <a:ext cx="5804832" cy="1273210"/>
-          </a:xfrm>
-          <a:prstGeom prst="rect">
-            <a:avLst/>
-          </a:prstGeom>
-        </p:spPr>
-      </p:pic>
-      <p:pic>
-        <p:nvPicPr>
-          <p:cNvPr id="14" name="图片 13">
-            <a:extLst>
-              <a:ext uri="{FF2B5EF4-FFF2-40B4-BE49-F238E27FC236}">
-                <a16:creationId xmlns:a16="http://schemas.microsoft.com/office/drawing/2014/main" id="{7756B5E9-39F7-4513-83F4-0F7859546F4C}"/>
-              </a:ext>
-            </a:extLst>
-          </p:cNvPr>
-          <p:cNvPicPr>
-            <a:picLocks noChangeAspect="1"/>
-          </p:cNvPicPr>
-          <p:nvPr/>
-        </p:nvPicPr>
-        <p:blipFill rotWithShape="1">
-          <a:blip r:embed="rId7">
-            <a:extLst>
-              <a:ext uri="{28A0092B-C50C-407E-A947-70E740481C1C}">
-                <a14:useLocalDpi xmlns:a14="http://schemas.microsoft.com/office/drawing/2010/main" val="0"/>
-              </a:ext>
-            </a:extLst>
-          </a:blip>
-          <a:srcRect t="18745" b="17438"/>
-          <a:stretch/>
-        </p:blipFill>
-        <p:spPr>
-          <a:xfrm>
-            <a:off x="2697004" y="5290546"/>
-            <a:ext cx="4664393" cy="1488325"/>
-          </a:xfrm>
-          <a:prstGeom prst="rect">
-            <a:avLst/>
-          </a:prstGeom>
-        </p:spPr>
-      </p:pic>
-    </p:spTree>
-    <p:extLst>
-      <p:ext uri="{BB962C8B-B14F-4D97-AF65-F5344CB8AC3E}">
-        <p14:creationId xmlns:p14="http://schemas.microsoft.com/office/powerpoint/2010/main" val="2797718680"/>
-      </p:ext>
-    </p:extLst>
-  </p:cSld>
-  <p:clrMapOvr>
-    <a:masterClrMapping/>
-  </p:clrMapOvr>
-</p:sld>
-</file>
-
-<file path=ppt/slides/slide11.xml><?xml version="1.0" encoding="utf-8"?>
-<p:sld xmlns:a="http://schemas.openxmlformats.org/drawingml/2006/main" xmlns:r="http://schemas.openxmlformats.org/officeDocument/2006/relationships" xmlns:p="http://schemas.openxmlformats.org/presentationml/2006/main">
-  <p:cSld>
-    <p:spTree>
-      <p:nvGrpSpPr>
-        <p:cNvPr id="1" name=""/>
-        <p:cNvGrpSpPr/>
-        <p:nvPr/>
-      </p:nvGrpSpPr>
-      <p:grpSpPr>
-        <a:xfrm>
-          <a:off x="0" y="0"/>
-          <a:ext cx="0" cy="0"/>
-          <a:chOff x="0" y="0"/>
-          <a:chExt cx="0" cy="0"/>
-        </a:xfrm>
-      </p:grpSpPr>
-      <p:sp>
-        <p:nvSpPr>
-          <p:cNvPr id="2" name="标题 1">
-            <a:extLst>
-              <a:ext uri="{FF2B5EF4-FFF2-40B4-BE49-F238E27FC236}">
-                <a16:creationId xmlns:a16="http://schemas.microsoft.com/office/drawing/2014/main" id="{EF72F0DC-C9CD-4437-A066-646830825F3F}"/>
-              </a:ext>
-            </a:extLst>
-          </p:cNvPr>
-          <p:cNvSpPr>
-            <a:spLocks noGrp="1"/>
-          </p:cNvSpPr>
-          <p:nvPr>
-            <p:ph type="title"/>
-          </p:nvPr>
-        </p:nvSpPr>
-        <p:spPr/>
-        <p:txBody>
           <a:bodyPr/>
           <a:lstStyle/>
           <a:p>
             <a:r>
-              <a:rPr lang="zh-CN" altLang="en-US" dirty="0"/>
-              <a:t>添加新扩展中指令的编码</a:t>
-            </a:r>
-          </a:p>
-        </p:txBody>
-      </p:sp>
-      <p:sp>
-        <p:nvSpPr>
-          <p:cNvPr id="3" name="内容占位符 2">
-            <a:extLst>
-              <a:ext uri="{FF2B5EF4-FFF2-40B4-BE49-F238E27FC236}">
-                <a16:creationId xmlns:a16="http://schemas.microsoft.com/office/drawing/2014/main" id="{764EFDE4-EB57-4318-97F6-BA3B99CA7158}"/>
-              </a:ext>
-            </a:extLst>
-          </p:cNvPr>
-          <p:cNvSpPr>
-            <a:spLocks noGrp="1"/>
-          </p:cNvSpPr>
-          <p:nvPr>
-            <p:ph idx="1"/>
-          </p:nvPr>
-        </p:nvSpPr>
-        <p:spPr/>
-        <p:txBody>
-          <a:bodyPr/>
-          <a:lstStyle/>
-          <a:p>
-            <a:r>
-              <a:rPr lang="zh-CN" altLang="en-US" dirty="0"/>
-              <a:t>在</a:t>
-            </a:r>
-            <a:r>
-              <a:rPr lang="en-US" altLang="zh-CN" dirty="0"/>
-              <a:t> </a:t>
-            </a:r>
-            <a:r>
-              <a:rPr lang="en-US" altLang="zh-CN" dirty="0">
-                <a:hlinkClick r:id="rId3"/>
-              </a:rPr>
-              <a:t>insn32.decode</a:t>
-            </a:r>
-            <a:r>
-              <a:rPr lang="en-US" altLang="zh-CN" dirty="0"/>
-              <a:t> </a:t>
-            </a:r>
-            <a:r>
-              <a:rPr lang="zh-CN" altLang="en-US" dirty="0"/>
-              <a:t>中添加新扩展中指令的编码。</a:t>
-            </a:r>
-          </a:p>
-        </p:txBody>
-      </p:sp>
-      <p:pic>
-        <p:nvPicPr>
-          <p:cNvPr id="4" name="图片 3">
-            <a:extLst>
-              <a:ext uri="{FF2B5EF4-FFF2-40B4-BE49-F238E27FC236}">
-                <a16:creationId xmlns:a16="http://schemas.microsoft.com/office/drawing/2014/main" id="{7D563747-DDF2-4FDD-88A2-9CF4B12339A7}"/>
-              </a:ext>
-            </a:extLst>
-          </p:cNvPr>
-          <p:cNvPicPr>
-            <a:picLocks noChangeAspect="1"/>
-          </p:cNvPicPr>
-          <p:nvPr/>
-        </p:nvPicPr>
-        <p:blipFill>
-          <a:blip r:embed="rId4"/>
-          <a:stretch>
-            <a:fillRect/>
-          </a:stretch>
-        </p:blipFill>
-        <p:spPr>
-          <a:xfrm>
-            <a:off x="454728" y="2499727"/>
-            <a:ext cx="10997514" cy="1412058"/>
-          </a:xfrm>
-          <a:prstGeom prst="rect">
-            <a:avLst/>
-          </a:prstGeom>
-        </p:spPr>
-      </p:pic>
-      <p:sp>
-        <p:nvSpPr>
-          <p:cNvPr id="5" name="文本框 4">
-            <a:extLst>
-              <a:ext uri="{FF2B5EF4-FFF2-40B4-BE49-F238E27FC236}">
-                <a16:creationId xmlns:a16="http://schemas.microsoft.com/office/drawing/2014/main" id="{49236BE8-6327-4049-876D-B12ACD386B63}"/>
-              </a:ext>
-            </a:extLst>
-          </p:cNvPr>
-          <p:cNvSpPr txBox="1"/>
-          <p:nvPr/>
-        </p:nvSpPr>
-        <p:spPr>
-          <a:xfrm>
-            <a:off x="6375674" y="3796129"/>
-            <a:ext cx="1717589" cy="646331"/>
-          </a:xfrm>
-          <a:prstGeom prst="rect">
-            <a:avLst/>
-          </a:prstGeom>
-          <a:noFill/>
-        </p:spPr>
-        <p:txBody>
-          <a:bodyPr wrap="square" rtlCol="0">
-            <a:spAutoFit/>
-          </a:bodyPr>
-          <a:lstStyle/>
-          <a:p>
-            <a:r>
-              <a:rPr lang="en-US" altLang="zh-CN" dirty="0">
-                <a:solidFill>
-                  <a:srgbClr val="FF0000"/>
-                </a:solidFill>
-              </a:rPr>
-              <a:t>0   1   1  </a:t>
-            </a:r>
-          </a:p>
-          <a:p>
-            <a:r>
-              <a:rPr lang="en-US" altLang="zh-CN" dirty="0">
-                <a:solidFill>
-                  <a:srgbClr val="FF0000"/>
-                </a:solidFill>
-              </a:rPr>
-              <a:t>“BCLT”</a:t>
-            </a:r>
-            <a:endParaRPr lang="zh-CN" altLang="en-US" dirty="0">
-              <a:solidFill>
-                <a:srgbClr val="FF0000"/>
-              </a:solidFill>
-            </a:endParaRPr>
-          </a:p>
-        </p:txBody>
-      </p:sp>
-      <p:pic>
-        <p:nvPicPr>
-          <p:cNvPr id="7" name="图片 6">
-            <a:extLst>
-              <a:ext uri="{FF2B5EF4-FFF2-40B4-BE49-F238E27FC236}">
-                <a16:creationId xmlns:a16="http://schemas.microsoft.com/office/drawing/2014/main" id="{EB65B084-C672-433A-A896-10919B9E498F}"/>
-              </a:ext>
-            </a:extLst>
-          </p:cNvPr>
-          <p:cNvPicPr>
-            <a:picLocks noChangeAspect="1"/>
-          </p:cNvPicPr>
-          <p:nvPr/>
-        </p:nvPicPr>
-        <p:blipFill>
-          <a:blip r:embed="rId5">
-            <a:extLst>
-              <a:ext uri="{28A0092B-C50C-407E-A947-70E740481C1C}">
-                <a14:useLocalDpi xmlns:a14="http://schemas.microsoft.com/office/drawing/2010/main" val="0"/>
-              </a:ext>
-            </a:extLst>
-          </a:blip>
-          <a:stretch>
-            <a:fillRect/>
-          </a:stretch>
-        </p:blipFill>
-        <p:spPr>
-          <a:xfrm>
-            <a:off x="7645391" y="4002913"/>
-            <a:ext cx="4091881" cy="2657458"/>
-          </a:xfrm>
-          <a:prstGeom prst="rect">
-            <a:avLst/>
-          </a:prstGeom>
-        </p:spPr>
-      </p:pic>
-    </p:spTree>
-    <p:extLst>
-      <p:ext uri="{BB962C8B-B14F-4D97-AF65-F5344CB8AC3E}">
-        <p14:creationId xmlns:p14="http://schemas.microsoft.com/office/powerpoint/2010/main" val="3203178162"/>
-      </p:ext>
-    </p:extLst>
-  </p:cSld>
-  <p:clrMapOvr>
-    <a:masterClrMapping/>
-  </p:clrMapOvr>
-</p:sld>
-</file>
-
-<file path=ppt/slides/slide12.xml><?xml version="1.0" encoding="utf-8"?>
-<p:sld xmlns:a="http://schemas.openxmlformats.org/drawingml/2006/main" xmlns:r="http://schemas.openxmlformats.org/officeDocument/2006/relationships" xmlns:p="http://schemas.openxmlformats.org/presentationml/2006/main">
-  <p:cSld>
-    <p:spTree>
-      <p:nvGrpSpPr>
-        <p:cNvPr id="1" name=""/>
-        <p:cNvGrpSpPr/>
-        <p:nvPr/>
-      </p:nvGrpSpPr>
-      <p:grpSpPr>
-        <a:xfrm>
-          <a:off x="0" y="0"/>
-          <a:ext cx="0" cy="0"/>
-          <a:chOff x="0" y="0"/>
-          <a:chExt cx="0" cy="0"/>
-        </a:xfrm>
-      </p:grpSpPr>
-      <p:sp>
-        <p:nvSpPr>
-          <p:cNvPr id="2" name="标题 1">
-            <a:extLst>
-              <a:ext uri="{FF2B5EF4-FFF2-40B4-BE49-F238E27FC236}">
-                <a16:creationId xmlns:a16="http://schemas.microsoft.com/office/drawing/2014/main" id="{D823E38E-776B-4C94-8F3E-10BC0DAAC82A}"/>
-              </a:ext>
-            </a:extLst>
-          </p:cNvPr>
-          <p:cNvSpPr>
-            <a:spLocks noGrp="1"/>
-          </p:cNvSpPr>
-          <p:nvPr>
-            <p:ph type="title"/>
-          </p:nvPr>
-        </p:nvSpPr>
-        <p:spPr/>
-        <p:txBody>
-          <a:bodyPr/>
-          <a:lstStyle/>
-          <a:p>
-            <a:r>
-              <a:rPr lang="zh-CN" altLang="en-US" dirty="0"/>
-              <a:t>添加新指令的解析函数</a:t>
-            </a:r>
-          </a:p>
-        </p:txBody>
-      </p:sp>
-      <p:sp>
-        <p:nvSpPr>
-          <p:cNvPr id="3" name="内容占位符 2">
-            <a:extLst>
-              <a:ext uri="{FF2B5EF4-FFF2-40B4-BE49-F238E27FC236}">
-                <a16:creationId xmlns:a16="http://schemas.microsoft.com/office/drawing/2014/main" id="{58A8A237-019F-4B6F-8FE4-A5090863E0C3}"/>
-              </a:ext>
-            </a:extLst>
-          </p:cNvPr>
-          <p:cNvSpPr>
-            <a:spLocks noGrp="1"/>
-          </p:cNvSpPr>
-          <p:nvPr>
-            <p:ph idx="1"/>
-          </p:nvPr>
-        </p:nvSpPr>
-        <p:spPr/>
-        <p:txBody>
-          <a:bodyPr/>
-          <a:lstStyle/>
-          <a:p>
-            <a:r>
-              <a:rPr lang="zh-CN" altLang="en-US" dirty="0"/>
-              <a:t>在</a:t>
-            </a:r>
-            <a:r>
-              <a:rPr lang="en-US" altLang="zh-CN" dirty="0"/>
-              <a:t> </a:t>
+              <a:rPr lang="en-US" altLang="zh-CN" dirty="0"/>
+              <a:t>Add translate function in </a:t>
             </a:r>
             <a:r>
               <a:rPr lang="en-US" altLang="zh-CN" dirty="0">
@@ -6877,20 +5828,9 @@
             </a:r>
             <a:r>
               <a:rPr lang="en-US" altLang="zh-CN" dirty="0"/>
-              <a:t> </a:t>
-            </a:r>
-            <a:r>
-              <a:rPr lang="zh-CN" altLang="en-US" dirty="0"/>
-              <a:t>中添加 </a:t>
-            </a:r>
-            <a:r>
-              <a:rPr lang="en-US" altLang="zh-CN" dirty="0"/>
-              <a:t>trans_ </a:t>
-            </a:r>
-            <a:r>
-              <a:rPr lang="zh-CN" altLang="en-US" dirty="0"/>
-              <a:t>开头的解析函数</a:t>
-            </a:r>
+              <a:t> prefixed with “trans_”</a:t>
+            </a:r>
+            <a:endParaRPr lang="zh-CN" altLang="en-US" dirty="0"/>
           </a:p>
         </p:txBody>
       </p:sp>
@@ -7072,7 +6012,7 @@
         <p:spPr>
           <a:xfrm>
             <a:off x="6583680" y="4091940"/>
-            <a:ext cx="4533900" cy="1296637"/>
+            <a:ext cx="4533900" cy="1712135"/>
           </a:xfrm>
           <a:prstGeom prst="rect">
             <a:avLst/>
@@ -7091,8 +6031,16 @@
               </a:lnSpc>
             </a:pPr>
             <a:r>
-              <a:rPr lang="zh-CN" altLang="en-US" dirty="0"/>
-              <a:t>这里 </a:t>
+              <a:rPr lang="en-US" altLang="zh-CN" dirty="0"/>
+              <a:t>Here,</a:t>
+            </a:r>
+            <a:r>
+              <a:rPr lang="zh-CN" altLang="en-US" dirty="0"/>
+              <a:t> </a:t>
+            </a:r>
+            <a:r>
+              <a:rPr lang="en-US" altLang="zh-CN" dirty="0"/>
+              <a:t>“</a:t>
             </a:r>
             <a:r>
               <a:rPr lang="en-US" altLang="zh-CN" dirty="0" err="1"/>
@@ -7100,11 +6048,15 @@
             </a:r>
             <a:r>
               <a:rPr lang="en-US" altLang="zh-CN" dirty="0"/>
+              <a:t>” and</a:t>
+            </a:r>
+            <a:r>
+              <a:rPr lang="zh-CN" altLang="en-US" dirty="0"/>
               <a:t> </a:t>
             </a:r>
             <a:r>
-              <a:rPr lang="zh-CN" altLang="en-US" dirty="0"/>
-              <a:t>和 </a:t>
+              <a:rPr lang="en-US" altLang="zh-CN" dirty="0"/>
+              <a:t>“</a:t>
             </a:r>
             <a:r>
               <a:rPr lang="en-US" altLang="zh-CN" dirty="0" err="1"/>
@@ -7112,28 +6064,37 @@
             </a:r>
             <a:r>
               <a:rPr lang="en-US" altLang="zh-CN" dirty="0"/>
-              <a:t> </a:t>
-            </a:r>
-            <a:r>
-              <a:rPr lang="zh-CN" altLang="en-US" dirty="0"/>
-              <a:t>调用 </a:t>
-            </a:r>
-            <a:r>
-              <a:rPr lang="en-US" altLang="zh-CN" dirty="0"/>
-              <a:t>QEMU TCG </a:t>
-            </a:r>
-            <a:r>
-              <a:rPr lang="zh-CN" altLang="en-US" dirty="0"/>
-              <a:t>的函数，先进行和 </a:t>
-            </a:r>
-            <a:r>
-              <a:rPr lang="en-US" altLang="zh-CN" dirty="0"/>
-              <a:t>bclr </a:t>
-            </a:r>
-            <a:r>
-              <a:rPr lang="zh-CN" altLang="en-US" dirty="0"/>
-              <a:t>指令一样的与操作，再加一。</a:t>
-            </a:r>
+              <a:t>” function first call QEMU TCG </a:t>
+            </a:r>
+            <a:r>
+              <a:rPr lang="en-US" altLang="zh-CN" dirty="0" err="1"/>
+              <a:t>fuction</a:t>
+            </a:r>
+            <a:r>
+              <a:rPr lang="zh-CN" altLang="en-US" dirty="0"/>
+              <a:t>，</a:t>
+            </a:r>
+            <a:r>
+              <a:rPr lang="en-US" altLang="zh-CN" dirty="0"/>
+              <a:t>do the same operation like “</a:t>
+            </a:r>
+            <a:r>
+              <a:rPr lang="en-US" altLang="zh-CN" dirty="0" err="1"/>
+              <a:t>bclr</a:t>
+            </a:r>
+            <a:r>
+              <a:rPr lang="en-US" altLang="zh-CN" dirty="0"/>
+              <a:t>”</a:t>
+            </a:r>
+            <a:r>
+              <a:rPr lang="zh-CN" altLang="en-US" dirty="0"/>
+              <a:t>，</a:t>
+            </a:r>
+            <a:r>
+              <a:rPr lang="en-US" altLang="zh-CN" dirty="0"/>
+              <a:t>then add 1 to the result</a:t>
+            </a:r>
+            <a:endParaRPr lang="zh-CN" altLang="en-US" dirty="0"/>
           </a:p>
         </p:txBody>
       </p:sp>
@@ -7150,7 +6111,7 @@
 </p:sld>
 </file>
 
-<file path=ppt/slides/slide13.xml><?xml version="1.0" encoding="utf-8"?>
+<file path=ppt/slides/slide11.xml><?xml version="1.0" encoding="utf-8"?>
 <p:sld xmlns:a="http://schemas.openxmlformats.org/drawingml/2006/main" xmlns:r="http://schemas.openxmlformats.org/officeDocument/2006/relationships" xmlns:p="http://schemas.openxmlformats.org/presentationml/2006/main">
   <p:cSld>
     <p:spTree>
@@ -7172,7 +6133,7 @@
           <p:cNvPr id="2" name="标题 1">
             <a:extLst>
               <a:ext uri="{FF2B5EF4-FFF2-40B4-BE49-F238E27FC236}">
-                <a16:creationId xmlns:a16="http://schemas.microsoft.com/office/drawing/2014/main" id="{1546AC49-C87E-4ECB-AE55-3F604AE54DD9}"/>
+                <a16:creationId xmlns:a16="http://schemas.microsoft.com/office/drawing/2014/main" id="{DFF462F5-25D2-4E3F-BFEB-311AA16A75F9}"/>
               </a:ext>
             </a:extLst>
           </p:cNvPr>
@@ -7189,319 +6150,10 @@
           <a:lstStyle/>
           <a:p>
             <a:r>
-              <a:rPr lang="zh-CN" altLang="en-US" dirty="0"/>
-              <a:t>添加反汇编支持</a:t>
-            </a:r>
-          </a:p>
-        </p:txBody>
-      </p:sp>
-      <p:sp>
-        <p:nvSpPr>
-          <p:cNvPr id="3" name="内容占位符 2">
-            <a:extLst>
-              <a:ext uri="{FF2B5EF4-FFF2-40B4-BE49-F238E27FC236}">
-                <a16:creationId xmlns:a16="http://schemas.microsoft.com/office/drawing/2014/main" id="{C25364EC-31F9-4C8F-B945-3C321C8AE587}"/>
-              </a:ext>
-            </a:extLst>
-          </p:cNvPr>
-          <p:cNvSpPr>
-            <a:spLocks noGrp="1"/>
-          </p:cNvSpPr>
-          <p:nvPr>
-            <p:ph idx="1"/>
-          </p:nvPr>
-        </p:nvSpPr>
-        <p:spPr/>
-        <p:txBody>
-          <a:bodyPr>
-            <a:normAutofit/>
-          </a:bodyPr>
-          <a:lstStyle/>
-          <a:p>
-            <a:r>
-              <a:rPr lang="zh-CN" altLang="en-US" dirty="0"/>
-              <a:t>把新添加指令的入口分别加到</a:t>
-            </a:r>
-            <a:r>
-              <a:rPr lang="en-US" altLang="zh-CN" dirty="0"/>
-              <a:t> </a:t>
-            </a:r>
-            <a:r>
-              <a:rPr lang="en-US" altLang="zh-CN" dirty="0">
-                <a:hlinkClick r:id="rId3"/>
-              </a:rPr>
-              <a:t>rv_op</a:t>
-            </a:r>
-            <a:r>
-              <a:rPr lang="en-US" altLang="zh-CN" dirty="0"/>
-              <a:t> </a:t>
-            </a:r>
-            <a:r>
-              <a:rPr lang="zh-CN" altLang="en-US" dirty="0"/>
-              <a:t>结构体和</a:t>
-            </a:r>
-            <a:r>
-              <a:rPr lang="en-US" altLang="zh-CN" dirty="0"/>
-              <a:t> </a:t>
-            </a:r>
-            <a:r>
-              <a:rPr lang="en-US" altLang="zh-CN" dirty="0">
-                <a:hlinkClick r:id="rId4"/>
-              </a:rPr>
-              <a:t>rvi_opcode_data</a:t>
-            </a:r>
-            <a:r>
-              <a:rPr lang="en-US" altLang="zh-CN" dirty="0"/>
-              <a:t> </a:t>
-            </a:r>
-            <a:r>
-              <a:rPr lang="zh-CN" altLang="en-US" dirty="0"/>
-              <a:t>结构体的末尾。</a:t>
-            </a:r>
-            <a:endParaRPr lang="en-US" altLang="zh-CN" dirty="0"/>
-          </a:p>
-          <a:p>
-            <a:endParaRPr lang="en-US" altLang="zh-CN" dirty="0"/>
-          </a:p>
-          <a:p>
-            <a:endParaRPr lang="en-US" altLang="zh-CN" dirty="0"/>
-          </a:p>
-          <a:p>
-            <a:pPr marL="0" indent="0">
-              <a:buNone/>
-            </a:pPr>
-            <a:endParaRPr lang="en-US" altLang="zh-CN" dirty="0"/>
-          </a:p>
-          <a:p>
-            <a:r>
-              <a:rPr lang="zh-CN" altLang="en-US" dirty="0"/>
-              <a:t>在</a:t>
-            </a:r>
-            <a:r>
-              <a:rPr lang="en-US" altLang="zh-CN" dirty="0"/>
-              <a:t> </a:t>
-            </a:r>
-            <a:r>
-              <a:rPr lang="en-US" altLang="zh-CN" dirty="0" err="1">
-                <a:hlinkClick r:id="rId5"/>
-              </a:rPr>
-              <a:t>decode_inst_opcode</a:t>
-            </a:r>
-            <a:r>
-              <a:rPr lang="en-US" altLang="zh-CN" dirty="0"/>
-              <a:t> </a:t>
-            </a:r>
-            <a:r>
-              <a:rPr lang="zh-CN" altLang="en-US" dirty="0"/>
-              <a:t>函数中按照指令编码规则在合适的位置添加反汇编入口。</a:t>
-            </a:r>
-          </a:p>
-        </p:txBody>
-      </p:sp>
-      <p:pic>
-        <p:nvPicPr>
-          <p:cNvPr id="5" name="图片 4">
-            <a:extLst>
-              <a:ext uri="{FF2B5EF4-FFF2-40B4-BE49-F238E27FC236}">
-                <a16:creationId xmlns:a16="http://schemas.microsoft.com/office/drawing/2014/main" id="{6687EC84-9850-4F01-8098-20AB6335BC48}"/>
-              </a:ext>
-            </a:extLst>
-          </p:cNvPr>
-          <p:cNvPicPr>
-            <a:picLocks noChangeAspect="1"/>
-          </p:cNvPicPr>
-          <p:nvPr/>
-        </p:nvPicPr>
-        <p:blipFill>
-          <a:blip r:embed="rId6">
-            <a:extLst>
-              <a:ext uri="{28A0092B-C50C-407E-A947-70E740481C1C}">
-                <a14:useLocalDpi xmlns:a14="http://schemas.microsoft.com/office/drawing/2010/main" val="0"/>
-              </a:ext>
-            </a:extLst>
-          </a:blip>
-          <a:stretch>
-            <a:fillRect/>
-          </a:stretch>
-        </p:blipFill>
-        <p:spPr>
-          <a:xfrm>
-            <a:off x="838200" y="2836335"/>
-            <a:ext cx="3101340" cy="1185329"/>
-          </a:xfrm>
-          <a:prstGeom prst="rect">
-            <a:avLst/>
-          </a:prstGeom>
-        </p:spPr>
-      </p:pic>
-      <p:pic>
-        <p:nvPicPr>
-          <p:cNvPr id="7" name="图片 6">
-            <a:extLst>
-              <a:ext uri="{FF2B5EF4-FFF2-40B4-BE49-F238E27FC236}">
-                <a16:creationId xmlns:a16="http://schemas.microsoft.com/office/drawing/2014/main" id="{64D69997-0D00-4318-A6E5-32F8AA56ADD9}"/>
-              </a:ext>
-            </a:extLst>
-          </p:cNvPr>
-          <p:cNvPicPr>
-            <a:picLocks noChangeAspect="1"/>
-          </p:cNvPicPr>
-          <p:nvPr/>
-        </p:nvPicPr>
-        <p:blipFill>
-          <a:blip r:embed="rId7">
-            <a:extLst>
-              <a:ext uri="{28A0092B-C50C-407E-A947-70E740481C1C}">
-                <a14:useLocalDpi xmlns:a14="http://schemas.microsoft.com/office/drawing/2010/main" val="0"/>
-              </a:ext>
-            </a:extLst>
-          </a:blip>
-          <a:stretch>
-            <a:fillRect/>
-          </a:stretch>
-        </p:blipFill>
-        <p:spPr>
-          <a:xfrm>
-            <a:off x="5113023" y="2812560"/>
-            <a:ext cx="5494018" cy="1232879"/>
-          </a:xfrm>
-          <a:prstGeom prst="rect">
-            <a:avLst/>
-          </a:prstGeom>
-        </p:spPr>
-      </p:pic>
-      <p:pic>
-        <p:nvPicPr>
-          <p:cNvPr id="9" name="图片 8">
-            <a:extLst>
-              <a:ext uri="{FF2B5EF4-FFF2-40B4-BE49-F238E27FC236}">
-                <a16:creationId xmlns:a16="http://schemas.microsoft.com/office/drawing/2014/main" id="{2B466385-50CD-48D2-AE0D-FEAFE85571DF}"/>
-              </a:ext>
-            </a:extLst>
-          </p:cNvPr>
-          <p:cNvPicPr>
-            <a:picLocks noChangeAspect="1"/>
-          </p:cNvPicPr>
-          <p:nvPr/>
-        </p:nvPicPr>
-        <p:blipFill>
-          <a:blip r:embed="rId8">
-            <a:extLst>
-              <a:ext uri="{28A0092B-C50C-407E-A947-70E740481C1C}">
-                <a14:useLocalDpi xmlns:a14="http://schemas.microsoft.com/office/drawing/2010/main" val="0"/>
-              </a:ext>
-            </a:extLst>
-          </a:blip>
-          <a:stretch>
-            <a:fillRect/>
-          </a:stretch>
-        </p:blipFill>
-        <p:spPr>
-          <a:xfrm>
-            <a:off x="6713220" y="5017421"/>
-            <a:ext cx="4122420" cy="1672751"/>
-          </a:xfrm>
-          <a:prstGeom prst="rect">
-            <a:avLst/>
-          </a:prstGeom>
-        </p:spPr>
-      </p:pic>
-      <p:sp>
-        <p:nvSpPr>
-          <p:cNvPr id="11" name="文本框 10">
-            <a:extLst>
-              <a:ext uri="{FF2B5EF4-FFF2-40B4-BE49-F238E27FC236}">
-                <a16:creationId xmlns:a16="http://schemas.microsoft.com/office/drawing/2014/main" id="{81FA073C-C105-4178-B6AF-79E92D968063}"/>
-              </a:ext>
-            </a:extLst>
-          </p:cNvPr>
-          <p:cNvSpPr txBox="1"/>
-          <p:nvPr/>
-        </p:nvSpPr>
-        <p:spPr>
-          <a:xfrm>
-            <a:off x="1005840" y="5530632"/>
-            <a:ext cx="6096000" cy="646331"/>
-          </a:xfrm>
-          <a:prstGeom prst="rect">
-            <a:avLst/>
-          </a:prstGeom>
-          <a:noFill/>
-        </p:spPr>
-        <p:txBody>
-          <a:bodyPr wrap="square">
-            <a:spAutoFit/>
-          </a:bodyPr>
-          <a:lstStyle/>
-          <a:p>
-            <a:r>
-              <a:rPr lang="zh-CN" altLang="en-US" dirty="0"/>
-              <a:t> switch (((inst &gt;&gt; 22) &amp; 0b1111111000) |</a:t>
-            </a:r>
-          </a:p>
-          <a:p>
-            <a:r>
-              <a:rPr lang="zh-CN" altLang="en-US" dirty="0"/>
-              <a:t>                    ((inst &gt;&gt; 12) &amp; 0b0000000111)) {</a:t>
-            </a:r>
-          </a:p>
-        </p:txBody>
-      </p:sp>
-    </p:spTree>
-    <p:extLst>
-      <p:ext uri="{BB962C8B-B14F-4D97-AF65-F5344CB8AC3E}">
-        <p14:creationId xmlns:p14="http://schemas.microsoft.com/office/powerpoint/2010/main" val="2918118263"/>
-      </p:ext>
-    </p:extLst>
-  </p:cSld>
-  <p:clrMapOvr>
-    <a:masterClrMapping/>
-  </p:clrMapOvr>
-</p:sld>
-</file>
-
-<file path=ppt/slides/slide14.xml><?xml version="1.0" encoding="utf-8"?>
-<p:sld xmlns:a="http://schemas.openxmlformats.org/drawingml/2006/main" xmlns:r="http://schemas.openxmlformats.org/officeDocument/2006/relationships" xmlns:p="http://schemas.openxmlformats.org/presentationml/2006/main">
-  <p:cSld>
-    <p:spTree>
-      <p:nvGrpSpPr>
-        <p:cNvPr id="1" name=""/>
-        <p:cNvGrpSpPr/>
-        <p:nvPr/>
-      </p:nvGrpSpPr>
-      <p:grpSpPr>
-        <a:xfrm>
-          <a:off x="0" y="0"/>
-          <a:ext cx="0" cy="0"/>
-          <a:chOff x="0" y="0"/>
-          <a:chExt cx="0" cy="0"/>
-        </a:xfrm>
-      </p:grpSpPr>
-      <p:sp>
-        <p:nvSpPr>
-          <p:cNvPr id="2" name="标题 1">
-            <a:extLst>
-              <a:ext uri="{FF2B5EF4-FFF2-40B4-BE49-F238E27FC236}">
-                <a16:creationId xmlns:a16="http://schemas.microsoft.com/office/drawing/2014/main" id="{DFF462F5-25D2-4E3F-BFEB-311AA16A75F9}"/>
-              </a:ext>
-            </a:extLst>
-          </p:cNvPr>
-          <p:cNvSpPr>
-            <a:spLocks noGrp="1"/>
-          </p:cNvSpPr>
-          <p:nvPr>
-            <p:ph type="title"/>
-          </p:nvPr>
-        </p:nvSpPr>
-        <p:spPr/>
-        <p:txBody>
-          <a:bodyPr/>
-          <a:lstStyle/>
-          <a:p>
-            <a:r>
-              <a:rPr lang="zh-CN" altLang="en-US" dirty="0"/>
-              <a:t>新指令功能验证</a:t>
-            </a:r>
+              <a:rPr lang="en-US" altLang="zh-CN" dirty="0"/>
+              <a:t>Verification for Instruction’s Functionality</a:t>
+            </a:r>
+            <a:endParaRPr lang="zh-CN" altLang="en-US" dirty="0"/>
           </a:p>
         </p:txBody>
       </p:sp>
@@ -7669,16 +6321,12 @@
           <a:lstStyle/>
           <a:p>
             <a:r>
-              <a:rPr lang="zh-CN" altLang="en-US" dirty="0"/>
-              <a:t>编译、链接、制作 </a:t>
-            </a:r>
-            <a:r>
-              <a:rPr lang="en-US" altLang="zh-CN" dirty="0"/>
-              <a:t>QEMU </a:t>
-            </a:r>
-            <a:r>
-              <a:rPr lang="zh-CN" altLang="en-US" dirty="0"/>
-              <a:t>镜像命令：</a:t>
+              <a:rPr lang="en-US" altLang="zh-CN" dirty="0"/>
+              <a:t>Command to compile, link, and get QEMU Image</a:t>
+            </a:r>
+            <a:r>
+              <a:rPr lang="zh-CN" altLang="en-US" dirty="0"/>
+              <a:t>：</a:t>
             </a:r>
             <a:endParaRPr lang="en-US" altLang="zh-CN" dirty="0"/>
           </a:p>
@@ -7767,7 +6415,7 @@
 </p:sld>
 </file>
 
-<file path=ppt/slides/slide15.xml><?xml version="1.0" encoding="utf-8"?>
+<file path=ppt/slides/slide12.xml><?xml version="1.0" encoding="utf-8"?>
 <p:sld xmlns:a="http://schemas.openxmlformats.org/drawingml/2006/main" xmlns:r="http://schemas.openxmlformats.org/officeDocument/2006/relationships" xmlns:p="http://schemas.openxmlformats.org/presentationml/2006/main">
   <p:cSld>
     <p:spTree>
@@ -7806,9 +6454,10 @@
           <a:lstStyle/>
           <a:p>
             <a:r>
-              <a:rPr lang="zh-CN" altLang="en-US" dirty="0"/>
-              <a:t>新指令功能验证</a:t>
-            </a:r>
+              <a:rPr lang="en-US" altLang="zh-CN" dirty="0"/>
+              <a:t>Verification for Instruction’s Functionality</a:t>
+            </a:r>
+            <a:endParaRPr lang="zh-CN" altLang="en-US" dirty="0"/>
           </a:p>
         </p:txBody>
       </p:sp>
@@ -7834,12 +6483,8 @@
           <a:lstStyle/>
           <a:p>
             <a:r>
-              <a:rPr lang="zh-CN" altLang="en-US" dirty="0"/>
-              <a:t>启动 </a:t>
-            </a:r>
-            <a:r>
-              <a:rPr lang="en-US" altLang="zh-CN" dirty="0"/>
-              <a:t>QEMU</a:t>
+              <a:rPr lang="en-US" altLang="zh-CN" dirty="0"/>
+              <a:t>Start QEMU</a:t>
             </a:r>
           </a:p>
           <a:p>
@@ -7891,21 +6536,8 @@
           <a:p>
             <a:r>
               <a:rPr lang="en-US" altLang="zh-CN" dirty="0"/>
-              <a:t>GDB </a:t>
-            </a:r>
-            <a:r>
-              <a:rPr lang="zh-CN" altLang="en-US" dirty="0"/>
-              <a:t>连接 </a:t>
-            </a:r>
-            <a:r>
-              <a:rPr lang="en-US" altLang="zh-CN" dirty="0"/>
-              <a:t>QEMU  </a:t>
-            </a:r>
-            <a:r>
-              <a:rPr lang="zh-CN" altLang="en-US" dirty="0"/>
-              <a:t>调试</a:t>
-            </a:r>
-            <a:endParaRPr lang="en-US" altLang="zh-CN" dirty="0"/>
+              <a:t>Debug QEMU with GDB</a:t>
+            </a:r>
           </a:p>
           <a:p>
             <a:pPr marL="0" indent="0">
@@ -7979,143 +6611,7 @@
 </p:sld>
 </file>
 
-<file path=ppt/slides/slide16.xml><?xml version="1.0" encoding="utf-8"?>
-<p:sld xmlns:a="http://schemas.openxmlformats.org/drawingml/2006/main" xmlns:r="http://schemas.openxmlformats.org/officeDocument/2006/relationships" xmlns:p="http://schemas.openxmlformats.org/presentationml/2006/main">
-  <p:cSld>
-    <p:spTree>
-      <p:nvGrpSpPr>
-        <p:cNvPr id="1" name=""/>
-        <p:cNvGrpSpPr/>
-        <p:nvPr/>
-      </p:nvGrpSpPr>
-      <p:grpSpPr>
-        <a:xfrm>
-          <a:off x="0" y="0"/>
-          <a:ext cx="0" cy="0"/>
-          <a:chOff x="0" y="0"/>
-          <a:chExt cx="0" cy="0"/>
-        </a:xfrm>
-      </p:grpSpPr>
-      <p:sp>
-        <p:nvSpPr>
-          <p:cNvPr id="2" name="标题 1">
-            <a:extLst>
-              <a:ext uri="{FF2B5EF4-FFF2-40B4-BE49-F238E27FC236}">
-                <a16:creationId xmlns:a16="http://schemas.microsoft.com/office/drawing/2014/main" id="{C49F3997-0095-4301-B1B4-0E15D9C1C428}"/>
-              </a:ext>
-            </a:extLst>
-          </p:cNvPr>
-          <p:cNvSpPr>
-            <a:spLocks noGrp="1"/>
-          </p:cNvSpPr>
-          <p:nvPr>
-            <p:ph type="title"/>
-          </p:nvPr>
-        </p:nvSpPr>
-        <p:spPr/>
-        <p:txBody>
-          <a:bodyPr/>
-          <a:lstStyle/>
-          <a:p>
-            <a:r>
-              <a:rPr lang="zh-CN" altLang="en-US" dirty="0"/>
-              <a:t>新指令功能验证</a:t>
-            </a:r>
-          </a:p>
-        </p:txBody>
-      </p:sp>
-      <p:sp>
-        <p:nvSpPr>
-          <p:cNvPr id="3" name="内容占位符 2">
-            <a:extLst>
-              <a:ext uri="{FF2B5EF4-FFF2-40B4-BE49-F238E27FC236}">
-                <a16:creationId xmlns:a16="http://schemas.microsoft.com/office/drawing/2014/main" id="{A90E517F-8076-43C9-A935-0EDAD06B327F}"/>
-              </a:ext>
-            </a:extLst>
-          </p:cNvPr>
-          <p:cNvSpPr>
-            <a:spLocks noGrp="1"/>
-          </p:cNvSpPr>
-          <p:nvPr>
-            <p:ph idx="1"/>
-          </p:nvPr>
-        </p:nvSpPr>
-        <p:spPr/>
-        <p:txBody>
-          <a:bodyPr/>
-          <a:lstStyle/>
-          <a:p>
-            <a:pPr marL="0" indent="0">
-              <a:buNone/>
-            </a:pPr>
-            <a:r>
-              <a:rPr lang="en-US" altLang="zh-CN" dirty="0"/>
-              <a:t>QEMU monitor </a:t>
-            </a:r>
-            <a:r>
-              <a:rPr lang="zh-CN" altLang="en-US" dirty="0"/>
-              <a:t>反汇编功能查看内存</a:t>
-            </a:r>
-            <a:endParaRPr lang="en-US" altLang="zh-CN" dirty="0"/>
-          </a:p>
-          <a:p>
-            <a:pPr marL="0" indent="0">
-              <a:buNone/>
-            </a:pPr>
-            <a:endParaRPr lang="zh-CN" altLang="en-US" dirty="0"/>
-          </a:p>
-        </p:txBody>
-      </p:sp>
-      <p:pic>
-        <p:nvPicPr>
-          <p:cNvPr id="5" name="图片 4">
-            <a:extLst>
-              <a:ext uri="{FF2B5EF4-FFF2-40B4-BE49-F238E27FC236}">
-                <a16:creationId xmlns:a16="http://schemas.microsoft.com/office/drawing/2014/main" id="{DB7BE8AC-EF17-433E-9B45-C7B97F0EA701}"/>
-              </a:ext>
-            </a:extLst>
-          </p:cNvPr>
-          <p:cNvPicPr>
-            <a:picLocks noChangeAspect="1"/>
-          </p:cNvPicPr>
-          <p:nvPr/>
-        </p:nvPicPr>
-        <p:blipFill>
-          <a:blip r:embed="rId3">
-            <a:extLst>
-              <a:ext uri="{28A0092B-C50C-407E-A947-70E740481C1C}">
-                <a14:useLocalDpi xmlns:a14="http://schemas.microsoft.com/office/drawing/2010/main" val="0"/>
-              </a:ext>
-            </a:extLst>
-          </a:blip>
-          <a:stretch>
-            <a:fillRect/>
-          </a:stretch>
-        </p:blipFill>
-        <p:spPr>
-          <a:xfrm>
-            <a:off x="1470462" y="2518380"/>
-            <a:ext cx="8085018" cy="1199278"/>
-          </a:xfrm>
-          <a:prstGeom prst="rect">
-            <a:avLst/>
-          </a:prstGeom>
-        </p:spPr>
-      </p:pic>
-    </p:spTree>
-    <p:extLst>
-      <p:ext uri="{BB962C8B-B14F-4D97-AF65-F5344CB8AC3E}">
-        <p14:creationId xmlns:p14="http://schemas.microsoft.com/office/powerpoint/2010/main" val="2894208220"/>
-      </p:ext>
-    </p:extLst>
-  </p:cSld>
-  <p:clrMapOvr>
-    <a:masterClrMapping/>
-  </p:clrMapOvr>
-</p:sld>
-</file>
-
-<file path=ppt/slides/slide17.xml><?xml version="1.0" encoding="utf-8"?>
+<file path=ppt/slides/slide13.xml><?xml version="1.0" encoding="utf-8"?>
 <p:sld xmlns:a="http://schemas.openxmlformats.org/drawingml/2006/main" xmlns:r="http://schemas.openxmlformats.org/officeDocument/2006/relationships" xmlns:p="http://schemas.openxmlformats.org/presentationml/2006/main">
   <p:cSld>
     <p:spTree>
@@ -8213,9 +6709,10 @@
           <a:lstStyle/>
           <a:p>
             <a:r>
-              <a:rPr lang="zh-CN" altLang="en-US" dirty="0"/>
-              <a:t>目录</a:t>
-            </a:r>
+              <a:rPr lang="en-US" altLang="zh-CN" dirty="0"/>
+              <a:t>Contents</a:t>
+            </a:r>
+            <a:endParaRPr lang="zh-CN" altLang="en-US" dirty="0"/>
           </a:p>
         </p:txBody>
       </p:sp>
@@ -8247,21 +6744,8 @@
             </a:pPr>
             <a:r>
               <a:rPr lang="en-US" altLang="zh-CN" dirty="0"/>
-              <a:t>RISC-V </a:t>
-            </a:r>
-            <a:r>
-              <a:rPr lang="zh-CN" altLang="en-US" dirty="0"/>
-              <a:t>及 </a:t>
-            </a:r>
-            <a:r>
-              <a:rPr lang="en-US" altLang="zh-CN" dirty="0"/>
-              <a:t>QEMU </a:t>
-            </a:r>
-            <a:r>
-              <a:rPr lang="zh-CN" altLang="en-US" dirty="0"/>
-              <a:t>简介</a:t>
-            </a:r>
-            <a:endParaRPr lang="en-US" altLang="zh-CN" dirty="0"/>
+              <a:t>Introduce for RISC-V, QEMU </a:t>
+            </a:r>
           </a:p>
           <a:p>
             <a:pPr>
@@ -8271,21 +6755,8 @@
             </a:pPr>
             <a:r>
               <a:rPr lang="en-US" altLang="zh-CN" dirty="0"/>
-              <a:t>QEMU </a:t>
-            </a:r>
-            <a:r>
-              <a:rPr lang="zh-CN" altLang="en-US" dirty="0"/>
-              <a:t>目前对 </a:t>
-            </a:r>
-            <a:r>
-              <a:rPr lang="en-US" altLang="zh-CN" dirty="0"/>
-              <a:t>RISC-V </a:t>
-            </a:r>
-            <a:r>
-              <a:rPr lang="zh-CN" altLang="en-US" dirty="0"/>
-              <a:t>扩展指令集的支持情况</a:t>
-            </a:r>
-            <a:endParaRPr lang="en-US" altLang="zh-CN" dirty="0"/>
+              <a:t>QEMU's current support for RISC-V extension</a:t>
+            </a:r>
           </a:p>
           <a:p>
             <a:pPr>
@@ -8294,17 +6765,10 @@
               </a:lnSpc>
             </a:pPr>
             <a:r>
-              <a:rPr lang="zh-CN" altLang="en-US" dirty="0"/>
-              <a:t>为 </a:t>
-            </a:r>
-            <a:r>
-              <a:rPr lang="en-US" altLang="zh-CN" dirty="0"/>
-              <a:t>QEMU </a:t>
-            </a:r>
-            <a:r>
-              <a:rPr lang="zh-CN" altLang="en-US" dirty="0"/>
-              <a:t>添加新的指令集支持</a:t>
-            </a:r>
+              <a:rPr lang="en-US" altLang="zh-CN" dirty="0"/>
+              <a:t>Add new RISC-V extension support to for QEMU</a:t>
+            </a:r>
+            <a:endParaRPr lang="zh-CN" altLang="en-US" dirty="0"/>
           </a:p>
         </p:txBody>
       </p:sp>
@@ -8359,46 +6823,6 @@
           <a:bodyPr/>
           <a:lstStyle/>
           <a:p>
-            <a:r>
-              <a:rPr lang="en-US" altLang="zh-CN" dirty="0"/>
-              <a:t>RISC-V </a:t>
-            </a:r>
-            <a:r>
-              <a:rPr lang="zh-CN" altLang="en-US" dirty="0"/>
-              <a:t>及 </a:t>
-            </a:r>
-            <a:r>
-              <a:rPr lang="en-US" altLang="zh-CN" dirty="0"/>
-              <a:t>QEMU </a:t>
-            </a:r>
-            <a:r>
-              <a:rPr lang="zh-CN" altLang="en-US" dirty="0"/>
-              <a:t>简介</a:t>
-            </a:r>
-          </a:p>
-        </p:txBody>
-      </p:sp>
-      <p:sp>
-        <p:nvSpPr>
-          <p:cNvPr id="3" name="内容占位符 2">
-            <a:extLst>
-              <a:ext uri="{FF2B5EF4-FFF2-40B4-BE49-F238E27FC236}">
-                <a16:creationId xmlns:a16="http://schemas.microsoft.com/office/drawing/2014/main" id="{6B6D7A9A-F0E7-49B1-80D6-8540A5EFE188}"/>
-              </a:ext>
-            </a:extLst>
-          </p:cNvPr>
-          <p:cNvSpPr>
-            <a:spLocks noGrp="1"/>
-          </p:cNvSpPr>
-          <p:nvPr>
-            <p:ph idx="1"/>
-          </p:nvPr>
-        </p:nvSpPr>
-        <p:spPr/>
-        <p:txBody>
-          <a:bodyPr/>
-          <a:lstStyle/>
-          <a:p>
             <a:pPr>
               <a:lnSpc>
                 <a:spcPct val="150000"/>
@@ -8406,30 +6830,33 @@
             </a:pPr>
             <a:r>
               <a:rPr lang="en-US" altLang="zh-CN" dirty="0"/>
-              <a:t>⼀</a:t>
-            </a:r>
-            <a:r>
-              <a:rPr lang="zh-CN" altLang="en-US" dirty="0"/>
-              <a:t>个开源的基于</a:t>
-            </a:r>
-            <a:r>
-              <a:rPr lang="en-US" altLang="zh-CN" dirty="0"/>
-              <a:t>RISC(</a:t>
-            </a:r>
-            <a:r>
-              <a:rPr lang="zh-CN" altLang="en-US" dirty="0"/>
-              <a:t>精简指令集计算机</a:t>
-            </a:r>
-            <a:r>
-              <a:rPr lang="en-US" altLang="zh-CN" dirty="0"/>
-              <a:t>)</a:t>
-            </a:r>
-            <a:r>
-              <a:rPr lang="zh-CN" altLang="en-US" dirty="0"/>
-              <a:t>的指令集架构</a:t>
-            </a:r>
-            <a:endParaRPr lang="en-US" altLang="zh-CN" dirty="0"/>
-          </a:p>
+              <a:t>Introduce for RISC-V, QEMU </a:t>
+            </a:r>
+          </a:p>
+        </p:txBody>
+      </p:sp>
+      <p:sp>
+        <p:nvSpPr>
+          <p:cNvPr id="3" name="内容占位符 2">
+            <a:extLst>
+              <a:ext uri="{FF2B5EF4-FFF2-40B4-BE49-F238E27FC236}">
+                <a16:creationId xmlns:a16="http://schemas.microsoft.com/office/drawing/2014/main" id="{6B6D7A9A-F0E7-49B1-80D6-8540A5EFE188}"/>
+              </a:ext>
+            </a:extLst>
+          </p:cNvPr>
+          <p:cNvSpPr>
+            <a:spLocks noGrp="1"/>
+          </p:cNvSpPr>
+          <p:nvPr>
+            <p:ph idx="1"/>
+          </p:nvPr>
+        </p:nvSpPr>
+        <p:spPr/>
+        <p:txBody>
+          <a:bodyPr>
+            <a:normAutofit lnSpcReduction="10000"/>
+          </a:bodyPr>
+          <a:lstStyle/>
           <a:p>
             <a:pPr>
               <a:lnSpc>
@@ -8437,8 +6864,12 @@
               </a:lnSpc>
             </a:pPr>
             <a:r>
-              <a:rPr lang="zh-CN" altLang="en-US" dirty="0"/>
-              <a:t>模块化，低功耗，架构简单</a:t>
+              <a:rPr lang="en-US" altLang="zh-CN" dirty="0"/>
+              <a:t>An open source ISA(Instruction Set Architecture) based on RISC(Reduced Instruction Set Computer)</a:t>
+            </a:r>
+            <a:r>
+              <a:rPr lang="zh-CN" altLang="en-US" dirty="0"/>
+              <a:t> </a:t>
             </a:r>
             <a:endParaRPr lang="en-US" altLang="zh-CN" dirty="0"/>
           </a:p>
@@ -8449,52 +6880,8 @@
               </a:lnSpc>
             </a:pPr>
             <a:r>
-              <a:rPr lang="zh-CN" altLang="en-US" dirty="0"/>
-              <a:t>基本指令集：</a:t>
-            </a:r>
-            <a:r>
-              <a:rPr lang="en-US" altLang="zh-CN" dirty="0"/>
-              <a:t>32</a:t>
-            </a:r>
-            <a:r>
-              <a:rPr lang="zh-CN" altLang="en-US" dirty="0"/>
-              <a:t>位</a:t>
-            </a:r>
-            <a:r>
-              <a:rPr lang="en-US" altLang="zh-CN" dirty="0"/>
-              <a:t>(RV32I,RV32E)</a:t>
-            </a:r>
-            <a:r>
-              <a:rPr lang="zh-CN" altLang="en-US" dirty="0"/>
-              <a:t>，</a:t>
-            </a:r>
-            <a:r>
-              <a:rPr lang="en-US" altLang="zh-CN" dirty="0"/>
-              <a:t>64</a:t>
-            </a:r>
-            <a:r>
-              <a:rPr lang="zh-CN" altLang="en-US" dirty="0"/>
-              <a:t>位</a:t>
-            </a:r>
-            <a:r>
-              <a:rPr lang="en-US" altLang="zh-CN" dirty="0"/>
-              <a:t>(RV64I)</a:t>
-            </a:r>
-            <a:r>
-              <a:rPr lang="zh-CN" altLang="en-US" dirty="0"/>
-              <a:t>，</a:t>
-            </a:r>
-            <a:r>
-              <a:rPr lang="en-US" altLang="zh-CN" dirty="0"/>
-              <a:t>128</a:t>
-            </a:r>
-            <a:r>
-              <a:rPr lang="zh-CN" altLang="en-US" dirty="0"/>
-              <a:t>位</a:t>
-            </a:r>
-            <a:r>
-              <a:rPr lang="en-US" altLang="zh-CN" dirty="0"/>
-              <a:t>(RV128I)</a:t>
+              <a:rPr lang="en-US" altLang="zh-CN" dirty="0"/>
+              <a:t>Modularity, low power consumption, simple </a:t>
             </a:r>
           </a:p>
           <a:p>
@@ -8504,12 +6891,16 @@
               </a:lnSpc>
             </a:pPr>
             <a:r>
-              <a:rPr lang="zh-CN" altLang="en-US" dirty="0"/>
-              <a:t>可选择的扩展指令集</a:t>
-            </a:r>
-            <a:r>
-              <a:rPr lang="en-US" altLang="zh-CN" dirty="0"/>
-              <a:t>M</a:t>
+              <a:rPr lang="en-US" altLang="zh-CN" dirty="0"/>
+              <a:t>Base Instruction Set</a:t>
+            </a:r>
+            <a:r>
+              <a:rPr lang="zh-CN" altLang="en-US" dirty="0"/>
+              <a:t>：</a:t>
+            </a:r>
+            <a:r>
+              <a:rPr lang="en-US" altLang="zh-CN" dirty="0"/>
+              <a:t>32bit(RV32I,RV32E)</a:t>
             </a:r>
             <a:r>
               <a:rPr lang="zh-CN" altLang="en-US" dirty="0"/>
@@ -8517,35 +6908,11 @@
             </a:r>
             <a:r>
               <a:rPr lang="en-US" altLang="zh-CN" dirty="0"/>
-              <a:t>A</a:t>
+              <a:t>64bit(RV64I)</a:t>
             </a:r>
             <a:r>
               <a:rPr lang="zh-CN" altLang="en-US" dirty="0"/>
               <a:t>，</a:t>
-            </a:r>
-            <a:r>
-              <a:rPr lang="en-US" altLang="zh-CN" dirty="0"/>
-              <a:t>F</a:t>
-            </a:r>
-            <a:r>
-              <a:rPr lang="zh-CN" altLang="en-US" dirty="0"/>
-              <a:t>，</a:t>
-            </a:r>
-            <a:r>
-              <a:rPr lang="en-US" altLang="zh-CN" dirty="0"/>
-              <a:t>D</a:t>
-            </a:r>
-            <a:r>
-              <a:rPr lang="zh-CN" altLang="en-US" dirty="0"/>
-              <a:t>，</a:t>
-            </a:r>
-            <a:r>
-              <a:rPr lang="en-US" altLang="zh-CN" dirty="0"/>
-              <a:t>C</a:t>
-            </a:r>
-            <a:r>
-              <a:rPr lang="zh-CN" altLang="en-US" dirty="0"/>
-              <a:t>等</a:t>
             </a:r>
             <a:endParaRPr lang="en-US" altLang="zh-CN" dirty="0"/>
           </a:p>
@@ -8557,31 +6924,50 @@
             </a:pPr>
             <a:r>
               <a:rPr lang="en-US" altLang="zh-CN" dirty="0"/>
-              <a:t>⼀</a:t>
-            </a:r>
-            <a:r>
-              <a:rPr lang="zh-CN" altLang="en-US" dirty="0"/>
-              <a:t>个完整的</a:t>
-            </a:r>
-            <a:r>
-              <a:rPr lang="en-US" altLang="zh-CN" dirty="0"/>
-              <a:t>64</a:t>
-            </a:r>
-            <a:r>
-              <a:rPr lang="zh-CN" altLang="en-US" dirty="0"/>
-              <a:t>位计算机⼀般需要</a:t>
-            </a:r>
-            <a:r>
-              <a:rPr lang="en-US" altLang="zh-CN" dirty="0"/>
-              <a:t>RV64GC(RV64IMAFDC</a:t>
-            </a:r>
-            <a:r>
-              <a:rPr lang="zh-CN" altLang="en-US" dirty="0"/>
-              <a:t>的简称</a:t>
-            </a:r>
-            <a:r>
-              <a:rPr lang="en-US" altLang="zh-CN" dirty="0"/>
-              <a:t>)</a:t>
+              <a:t>Optional extension: M</a:t>
+            </a:r>
+            <a:r>
+              <a:rPr lang="zh-CN" altLang="en-US" dirty="0"/>
+              <a:t>，</a:t>
+            </a:r>
+            <a:r>
+              <a:rPr lang="en-US" altLang="zh-CN" dirty="0"/>
+              <a:t>A</a:t>
+            </a:r>
+            <a:r>
+              <a:rPr lang="zh-CN" altLang="en-US" dirty="0"/>
+              <a:t>，</a:t>
+            </a:r>
+            <a:r>
+              <a:rPr lang="en-US" altLang="zh-CN" dirty="0"/>
+              <a:t>F</a:t>
+            </a:r>
+            <a:r>
+              <a:rPr lang="zh-CN" altLang="en-US" dirty="0"/>
+              <a:t>，</a:t>
+            </a:r>
+            <a:r>
+              <a:rPr lang="en-US" altLang="zh-CN" dirty="0"/>
+              <a:t>D</a:t>
+            </a:r>
+            <a:r>
+              <a:rPr lang="zh-CN" altLang="en-US" dirty="0"/>
+              <a:t>，</a:t>
+            </a:r>
+            <a:r>
+              <a:rPr lang="en-US" altLang="zh-CN" dirty="0"/>
+              <a:t>C…</a:t>
+            </a:r>
+          </a:p>
+          <a:p>
+            <a:pPr>
+              <a:lnSpc>
+                <a:spcPct val="150000"/>
+              </a:lnSpc>
+            </a:pPr>
+            <a:r>
+              <a:rPr lang="en-US" altLang="zh-CN" dirty="0"/>
+              <a:t>Typically, a computer needs to implement RV64GC(RV64IMAFDC)</a:t>
             </a:r>
             <a:endParaRPr lang="zh-CN" altLang="en-US" dirty="0"/>
           </a:p>
@@ -8618,8 +7004,8 @@
         </p:blipFill>
         <p:spPr>
           <a:xfrm>
-            <a:off x="7232073" y="665956"/>
-            <a:ext cx="4573941" cy="723900"/>
+            <a:off x="8055033" y="377786"/>
+            <a:ext cx="3832167" cy="606502"/>
           </a:xfrm>
           <a:prstGeom prst="rect">
             <a:avLst/>
@@ -8679,20 +7065,9 @@
           <a:p>
             <a:r>
               <a:rPr lang="en-US" altLang="zh-CN" dirty="0"/>
-              <a:t>RISC-V </a:t>
-            </a:r>
-            <a:r>
-              <a:rPr lang="zh-CN" altLang="en-US" dirty="0"/>
-              <a:t>及 </a:t>
-            </a:r>
-            <a:r>
-              <a:rPr lang="en-US" altLang="zh-CN" dirty="0"/>
-              <a:t>QEMU </a:t>
-            </a:r>
-            <a:r>
-              <a:rPr lang="zh-CN" altLang="en-US" dirty="0"/>
-              <a:t>简介</a:t>
-            </a:r>
+              <a:t>Introduce for RISC-V, QEMU </a:t>
+            </a:r>
+            <a:endParaRPr lang="zh-CN" altLang="en-US" dirty="0"/>
           </a:p>
         </p:txBody>
       </p:sp>
@@ -8714,13 +7089,13 @@
         </p:nvSpPr>
         <p:spPr>
           <a:xfrm>
-            <a:off x="8488175" y="2339093"/>
-            <a:ext cx="3251201" cy="3203575"/>
+            <a:off x="7170421" y="2339093"/>
+            <a:ext cx="4568956" cy="3231127"/>
           </a:xfrm>
         </p:spPr>
         <p:txBody>
           <a:bodyPr>
-            <a:normAutofit fontScale="92500" lnSpcReduction="20000"/>
+            <a:normAutofit fontScale="85000" lnSpcReduction="20000"/>
           </a:bodyPr>
           <a:lstStyle/>
           <a:p>
@@ -8732,52 +7107,9 @@
             </a:pPr>
             <a:r>
               <a:rPr lang="en-US" altLang="zh-CN" sz="2000" dirty="0"/>
-              <a:t>      QEMU </a:t>
-            </a:r>
-            <a:r>
-              <a:rPr lang="zh-CN" altLang="en-US" sz="2000" dirty="0"/>
-              <a:t>的翻译方式为基于 </a:t>
-            </a:r>
-            <a:r>
-              <a:rPr lang="en-US" altLang="zh-CN" sz="2000" dirty="0"/>
-              <a:t>Tiny Code Generator </a:t>
-            </a:r>
-            <a:r>
-              <a:rPr lang="zh-CN" altLang="en-US" sz="2000" dirty="0"/>
-              <a:t>的动态二进制翻译</a:t>
-            </a:r>
-            <a:r>
-              <a:rPr lang="en-US" altLang="zh-CN" sz="2000" dirty="0"/>
-              <a:t>,</a:t>
-            </a:r>
-            <a:r>
-              <a:rPr lang="zh-CN" altLang="en-US" sz="2000" dirty="0"/>
-              <a:t>即在程序运行的过程中将指令通过 </a:t>
-            </a:r>
-            <a:r>
-              <a:rPr lang="en-US" altLang="zh-CN" sz="2000" dirty="0"/>
-              <a:t>TCG</a:t>
-            </a:r>
-            <a:r>
-              <a:rPr lang="zh-CN" altLang="en-US" sz="2000" dirty="0"/>
-              <a:t>前端翻译成中间指令</a:t>
-            </a:r>
-            <a:r>
-              <a:rPr lang="en-US" altLang="zh-CN" sz="2000" dirty="0"/>
-              <a:t>(TCG ops),</a:t>
-            </a:r>
-            <a:r>
-              <a:rPr lang="zh-CN" altLang="en-US" sz="2000" dirty="0"/>
-              <a:t>再通过 </a:t>
-            </a:r>
-            <a:r>
-              <a:rPr lang="en-US" altLang="zh-CN" sz="2000" dirty="0"/>
-              <a:t>TCG </a:t>
-            </a:r>
-            <a:r>
-              <a:rPr lang="zh-CN" altLang="en-US" sz="2000" dirty="0"/>
-              <a:t>后端将中间指令翻译成宿主机上可以直接运行的指令。</a:t>
-            </a:r>
+              <a:t>QEMU's translation method is dynamic binary translation based on Tiny Code Generator, that is, during the running process of the program, the instructions are translated into intermediate instructions (TCG ops) through the TCG front end, and then the intermediate instructions are translated into the host machine through the TCG back end, which can be directly instructions to run.</a:t>
+            </a:r>
+            <a:endParaRPr lang="zh-CN" altLang="en-US" sz="2000" dirty="0"/>
           </a:p>
         </p:txBody>
       </p:sp>
@@ -8803,8 +7135,8 @@
         </p:blipFill>
         <p:spPr>
           <a:xfrm>
-            <a:off x="135925" y="2407631"/>
-            <a:ext cx="7667616" cy="3076299"/>
+            <a:off x="218303" y="2395739"/>
+            <a:ext cx="6667159" cy="2674909"/>
           </a:xfrm>
           <a:prstGeom prst="rect">
             <a:avLst/>
@@ -8859,47 +7191,9 @@
         </p:nvSpPr>
         <p:spPr/>
         <p:txBody>
-          <a:bodyPr/>
-          <a:lstStyle/>
-          <a:p>
-            <a:r>
-              <a:rPr lang="en-US" altLang="zh-CN" dirty="0"/>
-              <a:t>QEMU </a:t>
-            </a:r>
-            <a:r>
-              <a:rPr lang="zh-CN" altLang="en-US" dirty="0"/>
-              <a:t>支持的 </a:t>
-            </a:r>
-            <a:r>
-              <a:rPr lang="en-US" altLang="zh-CN" dirty="0"/>
-              <a:t>RISC-V </a:t>
-            </a:r>
-            <a:r>
-              <a:rPr lang="zh-CN" altLang="en-US" dirty="0"/>
-              <a:t>扩展指令集</a:t>
-            </a:r>
-          </a:p>
-        </p:txBody>
-      </p:sp>
-      <p:sp>
-        <p:nvSpPr>
-          <p:cNvPr id="3" name="内容占位符 2">
-            <a:extLst>
-              <a:ext uri="{FF2B5EF4-FFF2-40B4-BE49-F238E27FC236}">
-                <a16:creationId xmlns:a16="http://schemas.microsoft.com/office/drawing/2014/main" id="{6B6D7A9A-F0E7-49B1-80D6-8540A5EFE188}"/>
-              </a:ext>
-            </a:extLst>
-          </p:cNvPr>
-          <p:cNvSpPr>
-            <a:spLocks noGrp="1"/>
-          </p:cNvSpPr>
-          <p:nvPr>
-            <p:ph idx="1"/>
-          </p:nvPr>
-        </p:nvSpPr>
-        <p:spPr/>
-        <p:txBody>
-          <a:bodyPr/>
+          <a:bodyPr>
+            <a:normAutofit fontScale="90000"/>
+          </a:bodyPr>
           <a:lstStyle/>
           <a:p>
             <a:pPr>
@@ -8908,154 +7202,32 @@
               </a:lnSpc>
             </a:pPr>
             <a:r>
-              <a:rPr lang="zh-CN" altLang="en-US" b="1" dirty="0"/>
-              <a:t>支持</a:t>
-            </a:r>
-            <a:r>
-              <a:rPr lang="zh-CN" altLang="en-US" dirty="0"/>
-              <a:t>：</a:t>
-            </a:r>
-            <a:r>
-              <a:rPr lang="en-US" altLang="zh-CN" dirty="0"/>
-              <a:t>:MAFDCBKVHSJ, </a:t>
-            </a:r>
-            <a:r>
-              <a:rPr lang="en-US" altLang="zh-CN" dirty="0" err="1"/>
-              <a:t>Zifencei</a:t>
-            </a:r>
-            <a:r>
-              <a:rPr lang="en-US" altLang="zh-CN" dirty="0"/>
-              <a:t>, </a:t>
-            </a:r>
-            <a:r>
-              <a:rPr lang="en-US" altLang="zh-CN" dirty="0" err="1"/>
-              <a:t>Zihintpause</a:t>
-            </a:r>
-            <a:r>
-              <a:rPr lang="en-US" altLang="zh-CN" dirty="0"/>
-              <a:t>, </a:t>
-            </a:r>
-            <a:r>
-              <a:rPr lang="en-US" altLang="zh-CN" dirty="0" err="1"/>
-              <a:t>Zicsr</a:t>
-            </a:r>
-            <a:r>
-              <a:rPr lang="en-US" altLang="zh-CN" dirty="0"/>
-              <a:t>, </a:t>
-            </a:r>
-            <a:r>
-              <a:rPr lang="en-US" altLang="zh-CN" dirty="0" err="1"/>
-              <a:t>Zc</a:t>
-            </a:r>
-            <a:r>
-              <a:rPr lang="en-US" altLang="zh-CN" dirty="0"/>
-              <a:t>*, </a:t>
-            </a:r>
-            <a:r>
-              <a:rPr lang="en-US" altLang="zh-CN" dirty="0" err="1"/>
-              <a:t>Zfinx</a:t>
-            </a:r>
-            <a:r>
-              <a:rPr lang="en-US" altLang="zh-CN" dirty="0"/>
-              <a:t>, </a:t>
-            </a:r>
-            <a:r>
-              <a:rPr lang="en-US" altLang="zh-CN" dirty="0" err="1"/>
-              <a:t>Zdinx</a:t>
-            </a:r>
-            <a:r>
-              <a:rPr lang="en-US" altLang="zh-CN" dirty="0"/>
-              <a:t>, </a:t>
-            </a:r>
-            <a:r>
-              <a:rPr lang="en-US" altLang="zh-CN" dirty="0" err="1"/>
-              <a:t>Zhinx</a:t>
-            </a:r>
-            <a:r>
-              <a:rPr lang="en-US" altLang="zh-CN" dirty="0"/>
-              <a:t>, </a:t>
-            </a:r>
-            <a:r>
-              <a:rPr lang="en-US" altLang="zh-CN" dirty="0" err="1"/>
-              <a:t>Zhinxmin</a:t>
-            </a:r>
-            <a:r>
-              <a:rPr lang="en-US" altLang="zh-CN" dirty="0"/>
-              <a:t>, </a:t>
-            </a:r>
-            <a:r>
-              <a:rPr lang="en-US" altLang="zh-CN" dirty="0" err="1"/>
-              <a:t>Zicntr</a:t>
-            </a:r>
-            <a:r>
-              <a:rPr lang="en-US" altLang="zh-CN" dirty="0"/>
-              <a:t>, </a:t>
-            </a:r>
-            <a:r>
-              <a:rPr lang="en-US" altLang="zh-CN" dirty="0" err="1"/>
-              <a:t>Zicbom</a:t>
-            </a:r>
-            <a:r>
-              <a:rPr lang="en-US" altLang="zh-CN" dirty="0"/>
-              <a:t>, </a:t>
-            </a:r>
-            <a:r>
-              <a:rPr lang="en-US" altLang="zh-CN" dirty="0" err="1"/>
-              <a:t>Zicboz</a:t>
-            </a:r>
-            <a:r>
-              <a:rPr lang="en-US" altLang="zh-CN" dirty="0"/>
-              <a:t>, </a:t>
-            </a:r>
-            <a:r>
-              <a:rPr lang="en-US" altLang="zh-CN" dirty="0" err="1"/>
-              <a:t>Zicbop</a:t>
-            </a:r>
-            <a:r>
-              <a:rPr lang="en-US" altLang="zh-CN" dirty="0"/>
-              <a:t>, </a:t>
-            </a:r>
-            <a:r>
-              <a:rPr lang="en-US" altLang="zh-CN" dirty="0" err="1"/>
-              <a:t>Zawrs</a:t>
-            </a:r>
-            <a:r>
-              <a:rPr lang="en-US" altLang="zh-CN" dirty="0"/>
-              <a:t>, </a:t>
-            </a:r>
-            <a:r>
-              <a:rPr lang="en-US" altLang="zh-CN" dirty="0" err="1"/>
-              <a:t>Zfa</a:t>
-            </a:r>
-            <a:r>
-              <a:rPr lang="en-US" altLang="zh-CN" dirty="0"/>
-              <a:t>, </a:t>
-            </a:r>
-            <a:r>
-              <a:rPr lang="en-US" altLang="zh-CN" dirty="0" err="1"/>
-              <a:t>Zfh</a:t>
-            </a:r>
-            <a:r>
-              <a:rPr lang="en-US" altLang="zh-CN" dirty="0"/>
-              <a:t>, </a:t>
-            </a:r>
-            <a:r>
-              <a:rPr lang="en-US" altLang="zh-CN" dirty="0" err="1"/>
-              <a:t>Ztso</a:t>
-            </a:r>
-            <a:r>
-              <a:rPr lang="en-US" altLang="zh-CN" dirty="0"/>
-              <a:t>, </a:t>
-            </a:r>
-            <a:r>
-              <a:rPr lang="en-US" altLang="zh-CN" dirty="0" err="1"/>
-              <a:t>Zmmul</a:t>
-            </a:r>
-            <a:r>
-              <a:rPr lang="en-US" altLang="zh-CN" dirty="0"/>
-              <a:t>, …</a:t>
-            </a:r>
-          </a:p>
+              <a:rPr lang="en-US" altLang="zh-CN" dirty="0"/>
+              <a:t>QEMU's current support for RISC-V extension</a:t>
+            </a:r>
+          </a:p>
+        </p:txBody>
+      </p:sp>
+      <p:sp>
+        <p:nvSpPr>
+          <p:cNvPr id="3" name="内容占位符 2">
+            <a:extLst>
+              <a:ext uri="{FF2B5EF4-FFF2-40B4-BE49-F238E27FC236}">
+                <a16:creationId xmlns:a16="http://schemas.microsoft.com/office/drawing/2014/main" id="{6B6D7A9A-F0E7-49B1-80D6-8540A5EFE188}"/>
+              </a:ext>
+            </a:extLst>
+          </p:cNvPr>
+          <p:cNvSpPr>
+            <a:spLocks noGrp="1"/>
+          </p:cNvSpPr>
+          <p:nvPr>
+            <p:ph idx="1"/>
+          </p:nvPr>
+        </p:nvSpPr>
+        <p:spPr/>
+        <p:txBody>
+          <a:bodyPr/>
+          <a:lstStyle/>
           <a:p>
             <a:pPr>
               <a:lnSpc>
@@ -9063,8 +7235,172 @@
               </a:lnSpc>
             </a:pPr>
             <a:r>
-              <a:rPr lang="zh-CN" altLang="en-US" b="1" dirty="0"/>
-              <a:t>暂不支持</a:t>
+              <a:rPr lang="en-US" altLang="zh-CN" b="1" dirty="0"/>
+              <a:t>Supported</a:t>
+            </a:r>
+            <a:r>
+              <a:rPr lang="zh-CN" altLang="en-US" dirty="0"/>
+              <a:t>：</a:t>
+            </a:r>
+            <a:endParaRPr lang="en-US" altLang="zh-CN" dirty="0"/>
+          </a:p>
+          <a:p>
+            <a:pPr marL="0" indent="0">
+              <a:lnSpc>
+                <a:spcPct val="150000"/>
+              </a:lnSpc>
+              <a:buNone/>
+            </a:pPr>
+            <a:r>
+              <a:rPr lang="en-US" altLang="zh-CN" dirty="0"/>
+              <a:t>MAFDCBKVHSJ, </a:t>
+            </a:r>
+            <a:r>
+              <a:rPr lang="en-US" altLang="zh-CN" dirty="0" err="1"/>
+              <a:t>Zifencei</a:t>
+            </a:r>
+            <a:r>
+              <a:rPr lang="en-US" altLang="zh-CN" dirty="0"/>
+              <a:t>, </a:t>
+            </a:r>
+            <a:r>
+              <a:rPr lang="en-US" altLang="zh-CN" dirty="0" err="1"/>
+              <a:t>Zihintpause</a:t>
+            </a:r>
+            <a:r>
+              <a:rPr lang="en-US" altLang="zh-CN" dirty="0"/>
+              <a:t>, </a:t>
+            </a:r>
+            <a:r>
+              <a:rPr lang="en-US" altLang="zh-CN" dirty="0" err="1"/>
+              <a:t>Zicsr</a:t>
+            </a:r>
+            <a:r>
+              <a:rPr lang="en-US" altLang="zh-CN" dirty="0"/>
+              <a:t>, </a:t>
+            </a:r>
+            <a:r>
+              <a:rPr lang="en-US" altLang="zh-CN" dirty="0" err="1"/>
+              <a:t>Zc</a:t>
+            </a:r>
+            <a:r>
+              <a:rPr lang="en-US" altLang="zh-CN" dirty="0"/>
+              <a:t>*, </a:t>
+            </a:r>
+            <a:r>
+              <a:rPr lang="en-US" altLang="zh-CN" dirty="0" err="1"/>
+              <a:t>Zfinx</a:t>
+            </a:r>
+            <a:r>
+              <a:rPr lang="en-US" altLang="zh-CN" dirty="0"/>
+              <a:t>, </a:t>
+            </a:r>
+            <a:r>
+              <a:rPr lang="en-US" altLang="zh-CN" dirty="0" err="1"/>
+              <a:t>Zdinx</a:t>
+            </a:r>
+            <a:r>
+              <a:rPr lang="en-US" altLang="zh-CN" dirty="0"/>
+              <a:t>, </a:t>
+            </a:r>
+            <a:r>
+              <a:rPr lang="en-US" altLang="zh-CN" dirty="0" err="1"/>
+              <a:t>Zhinx</a:t>
+            </a:r>
+            <a:r>
+              <a:rPr lang="en-US" altLang="zh-CN" dirty="0"/>
+              <a:t>, </a:t>
+            </a:r>
+            <a:r>
+              <a:rPr lang="en-US" altLang="zh-CN" dirty="0" err="1"/>
+              <a:t>Zhinxmin</a:t>
+            </a:r>
+            <a:r>
+              <a:rPr lang="en-US" altLang="zh-CN" dirty="0"/>
+              <a:t>, </a:t>
+            </a:r>
+            <a:r>
+              <a:rPr lang="en-US" altLang="zh-CN" dirty="0" err="1"/>
+              <a:t>Zicntr</a:t>
+            </a:r>
+            <a:r>
+              <a:rPr lang="en-US" altLang="zh-CN" dirty="0"/>
+              <a:t>, </a:t>
+            </a:r>
+            <a:r>
+              <a:rPr lang="en-US" altLang="zh-CN" dirty="0" err="1"/>
+              <a:t>Zicbom</a:t>
+            </a:r>
+            <a:r>
+              <a:rPr lang="en-US" altLang="zh-CN" dirty="0"/>
+              <a:t>, </a:t>
+            </a:r>
+            <a:r>
+              <a:rPr lang="en-US" altLang="zh-CN" dirty="0" err="1"/>
+              <a:t>Zicboz</a:t>
+            </a:r>
+            <a:r>
+              <a:rPr lang="en-US" altLang="zh-CN" dirty="0"/>
+              <a:t>, </a:t>
+            </a:r>
+            <a:r>
+              <a:rPr lang="en-US" altLang="zh-CN" dirty="0" err="1"/>
+              <a:t>Zicbop</a:t>
+            </a:r>
+            <a:r>
+              <a:rPr lang="en-US" altLang="zh-CN" dirty="0"/>
+              <a:t>, </a:t>
+            </a:r>
+            <a:r>
+              <a:rPr lang="en-US" altLang="zh-CN" dirty="0" err="1"/>
+              <a:t>Zawrs</a:t>
+            </a:r>
+            <a:r>
+              <a:rPr lang="en-US" altLang="zh-CN" dirty="0"/>
+              <a:t>, </a:t>
+            </a:r>
+            <a:r>
+              <a:rPr lang="en-US" altLang="zh-CN" dirty="0" err="1"/>
+              <a:t>Zfa</a:t>
+            </a:r>
+            <a:r>
+              <a:rPr lang="en-US" altLang="zh-CN" dirty="0"/>
+              <a:t>, </a:t>
+            </a:r>
+            <a:r>
+              <a:rPr lang="en-US" altLang="zh-CN" dirty="0" err="1"/>
+              <a:t>Zfh</a:t>
+            </a:r>
+            <a:r>
+              <a:rPr lang="en-US" altLang="zh-CN" dirty="0"/>
+              <a:t>, </a:t>
+            </a:r>
+            <a:r>
+              <a:rPr lang="en-US" altLang="zh-CN" dirty="0" err="1"/>
+              <a:t>Ztso</a:t>
+            </a:r>
+            <a:r>
+              <a:rPr lang="en-US" altLang="zh-CN" dirty="0"/>
+              <a:t>, </a:t>
+            </a:r>
+            <a:r>
+              <a:rPr lang="en-US" altLang="zh-CN" dirty="0" err="1"/>
+              <a:t>Zmmul</a:t>
+            </a:r>
+            <a:r>
+              <a:rPr lang="en-US" altLang="zh-CN" dirty="0"/>
+              <a:t>, …</a:t>
+            </a:r>
+          </a:p>
+          <a:p>
+            <a:pPr>
+              <a:lnSpc>
+                <a:spcPct val="150000"/>
+              </a:lnSpc>
+            </a:pPr>
+            <a:r>
+              <a:rPr lang="en-US" altLang="zh-CN" b="1" dirty="0"/>
+              <a:t>Currently note supported</a:t>
             </a:r>
             <a:r>
               <a:rPr lang="zh-CN" altLang="en-US" dirty="0"/>
@@ -9161,7 +7497,7 @@
           <p:cNvPr id="2" name="标题 1">
             <a:extLst>
               <a:ext uri="{FF2B5EF4-FFF2-40B4-BE49-F238E27FC236}">
-                <a16:creationId xmlns:a16="http://schemas.microsoft.com/office/drawing/2014/main" id="{E6D1ECE6-02C1-4FFC-BC83-B42D0B1FC1C6}"/>
+                <a16:creationId xmlns:a16="http://schemas.microsoft.com/office/drawing/2014/main" id="{A4E8F563-DF71-4E8F-A161-0EB4D620F836}"/>
               </a:ext>
             </a:extLst>
           </p:cNvPr>
@@ -9172,158 +7508,149 @@
             <p:ph type="title"/>
           </p:nvPr>
         </p:nvSpPr>
-        <p:spPr/>
+        <p:spPr>
+          <a:xfrm>
+            <a:off x="838200" y="365125"/>
+            <a:ext cx="10828020" cy="1325563"/>
+          </a:xfrm>
+        </p:spPr>
+        <p:txBody>
+          <a:bodyPr>
+            <a:normAutofit fontScale="90000"/>
+          </a:bodyPr>
+          <a:lstStyle/>
+          <a:p>
+            <a:pPr>
+              <a:lnSpc>
+                <a:spcPct val="150000"/>
+              </a:lnSpc>
+            </a:pPr>
+            <a:r>
+              <a:rPr lang="en-US" altLang="zh-CN" dirty="0"/>
+              <a:t>Add new RISC-V extension support to for QEMU</a:t>
+            </a:r>
+            <a:endParaRPr lang="zh-CN" altLang="en-US" dirty="0"/>
+          </a:p>
+        </p:txBody>
+      </p:sp>
+      <p:sp>
+        <p:nvSpPr>
+          <p:cNvPr id="3" name="内容占位符 2">
+            <a:extLst>
+              <a:ext uri="{FF2B5EF4-FFF2-40B4-BE49-F238E27FC236}">
+                <a16:creationId xmlns:a16="http://schemas.microsoft.com/office/drawing/2014/main" id="{482BD7A0-41D9-476D-B246-415CA76515C1}"/>
+              </a:ext>
+            </a:extLst>
+          </p:cNvPr>
+          <p:cNvSpPr>
+            <a:spLocks noGrp="1"/>
+          </p:cNvSpPr>
+          <p:nvPr>
+            <p:ph idx="1"/>
+          </p:nvPr>
+        </p:nvSpPr>
+        <p:spPr>
+          <a:xfrm>
+            <a:off x="838200" y="1690688"/>
+            <a:ext cx="10515600" cy="4351338"/>
+          </a:xfrm>
+        </p:spPr>
         <p:txBody>
           <a:bodyPr/>
           <a:lstStyle/>
           <a:p>
-            <a:r>
-              <a:rPr lang="en-US" altLang="zh-CN" dirty="0"/>
-              <a:t>QEMU </a:t>
-            </a:r>
-            <a:r>
-              <a:rPr lang="zh-CN" altLang="en-US" dirty="0"/>
-              <a:t>支持的 </a:t>
-            </a:r>
-            <a:r>
-              <a:rPr lang="en-US" altLang="zh-CN" dirty="0"/>
-              <a:t>RISC-V </a:t>
-            </a:r>
-            <a:r>
-              <a:rPr lang="zh-CN" altLang="en-US" dirty="0"/>
-              <a:t>扩展指令集</a:t>
-            </a:r>
+            <a:pPr>
+              <a:lnSpc>
+                <a:spcPct val="150000"/>
+              </a:lnSpc>
+            </a:pPr>
+            <a:r>
+              <a:rPr lang="en-US" altLang="zh-CN" dirty="0"/>
+              <a:t>Here, I try to add a 『RISC-V extension “</a:t>
+            </a:r>
+            <a:r>
+              <a:rPr lang="en-US" altLang="zh-CN" dirty="0" err="1"/>
+              <a:t>Zbt</a:t>
+            </a:r>
+            <a:r>
+              <a:rPr lang="en-US" altLang="zh-CN" dirty="0"/>
+              <a:t>” with only one instruction: “</a:t>
+            </a:r>
+            <a:r>
+              <a:rPr lang="en-US" altLang="zh-CN" dirty="0" err="1"/>
+              <a:t>bclt</a:t>
+            </a:r>
+            <a:r>
+              <a:rPr lang="en-US" altLang="zh-CN" dirty="0"/>
+              <a:t>”』for QEMU.</a:t>
+            </a:r>
+          </a:p>
+          <a:p>
+            <a:pPr>
+              <a:lnSpc>
+                <a:spcPct val="150000"/>
+              </a:lnSpc>
+            </a:pPr>
+            <a:r>
+              <a:rPr lang="en-US" altLang="zh-CN" dirty="0"/>
+              <a:t>The function of “</a:t>
+            </a:r>
+            <a:r>
+              <a:rPr lang="en-US" altLang="zh-CN" dirty="0" err="1"/>
+              <a:t>bclt</a:t>
+            </a:r>
+            <a:r>
+              <a:rPr lang="en-US" altLang="zh-CN" dirty="0"/>
+              <a:t>” is add 1 for the result of “</a:t>
+            </a:r>
+            <a:r>
+              <a:rPr lang="en-US" altLang="zh-CN" dirty="0" err="1"/>
+              <a:t>bclr</a:t>
+            </a:r>
+            <a:r>
+              <a:rPr lang="en-US" altLang="zh-CN" dirty="0"/>
+              <a:t>” instruction</a:t>
+            </a:r>
+            <a:endParaRPr lang="zh-CN" altLang="en-US" dirty="0"/>
           </a:p>
         </p:txBody>
       </p:sp>
       <p:pic>
         <p:nvPicPr>
-          <p:cNvPr id="5" name="内容占位符 4">
-            <a:extLst>
-              <a:ext uri="{FF2B5EF4-FFF2-40B4-BE49-F238E27FC236}">
-                <a16:creationId xmlns:a16="http://schemas.microsoft.com/office/drawing/2014/main" id="{2234CA73-C16F-46CF-B113-2AD4345BB67B}"/>
+          <p:cNvPr id="5" name="图片 4">
+            <a:extLst>
+              <a:ext uri="{FF2B5EF4-FFF2-40B4-BE49-F238E27FC236}">
+                <a16:creationId xmlns:a16="http://schemas.microsoft.com/office/drawing/2014/main" id="{FA9BFADC-D83F-4E8C-90D5-E3AD9C88F19C}"/>
               </a:ext>
             </a:extLst>
           </p:cNvPr>
           <p:cNvPicPr>
-            <a:picLocks noGrp="1" noChangeAspect="1"/>
+            <a:picLocks noChangeAspect="1"/>
           </p:cNvPicPr>
-          <p:nvPr>
-            <p:ph idx="1"/>
-          </p:nvPr>
+          <p:nvPr/>
         </p:nvPicPr>
-        <p:blipFill rotWithShape="1">
-          <a:blip r:embed="rId3">
-            <a:extLst>
-              <a:ext uri="{28A0092B-C50C-407E-A947-70E740481C1C}">
-                <a14:useLocalDpi xmlns:a14="http://schemas.microsoft.com/office/drawing/2010/main" val="0"/>
-              </a:ext>
-            </a:extLst>
-          </a:blip>
-          <a:srcRect t="13982"/>
-          <a:stretch/>
+        <p:blipFill>
+          <a:blip r:embed="rId3"/>
+          <a:stretch>
+            <a:fillRect/>
+          </a:stretch>
         </p:blipFill>
         <p:spPr>
           <a:xfrm>
-            <a:off x="4896767" y="3082265"/>
-            <a:ext cx="7295233" cy="3529810"/>
-          </a:xfrm>
-        </p:spPr>
-      </p:pic>
-      <p:sp>
-        <p:nvSpPr>
-          <p:cNvPr id="6" name="文本框 5">
-            <a:extLst>
-              <a:ext uri="{FF2B5EF4-FFF2-40B4-BE49-F238E27FC236}">
-                <a16:creationId xmlns:a16="http://schemas.microsoft.com/office/drawing/2014/main" id="{C8264E8D-F8AE-44D1-B08C-109247FE81F2}"/>
-              </a:ext>
-            </a:extLst>
-          </p:cNvPr>
-          <p:cNvSpPr txBox="1"/>
-          <p:nvPr/>
-        </p:nvSpPr>
-        <p:spPr>
-          <a:xfrm>
-            <a:off x="7148168" y="2302213"/>
-            <a:ext cx="1637271" cy="369332"/>
+            <a:off x="348048" y="4915267"/>
+            <a:ext cx="10997514" cy="1412058"/>
           </a:xfrm>
           <a:prstGeom prst="rect">
             <a:avLst/>
           </a:prstGeom>
-          <a:noFill/>
         </p:spPr>
-        <p:txBody>
-          <a:bodyPr wrap="square" rtlCol="0">
-            <a:spAutoFit/>
-          </a:bodyPr>
-          <a:lstStyle/>
-          <a:p>
-            <a:r>
-              <a:rPr lang="en-US" altLang="zh-CN" dirty="0"/>
-              <a:t>K extension</a:t>
-            </a:r>
-            <a:endParaRPr lang="zh-CN" altLang="en-US" dirty="0"/>
-          </a:p>
-        </p:txBody>
-      </p:sp>
-      <p:sp>
-        <p:nvSpPr>
-          <p:cNvPr id="9" name="椭圆 8">
-            <a:extLst>
-              <a:ext uri="{FF2B5EF4-FFF2-40B4-BE49-F238E27FC236}">
-                <a16:creationId xmlns:a16="http://schemas.microsoft.com/office/drawing/2014/main" id="{206EAF76-26C0-46ED-BAF1-61F3DBBB5277}"/>
-              </a:ext>
-            </a:extLst>
-          </p:cNvPr>
-          <p:cNvSpPr/>
-          <p:nvPr/>
-        </p:nvSpPr>
-        <p:spPr>
-          <a:xfrm>
-            <a:off x="7221571" y="5181532"/>
-            <a:ext cx="481914" cy="463378"/>
-          </a:xfrm>
-          <a:prstGeom prst="ellipse">
-            <a:avLst/>
-          </a:prstGeom>
-          <a:noFill/>
-          <a:ln>
-            <a:solidFill>
-              <a:srgbClr val="FF0000"/>
-            </a:solidFill>
-          </a:ln>
-        </p:spPr>
-        <p:style>
-          <a:lnRef idx="2">
-            <a:schemeClr val="accent1">
-              <a:shade val="50000"/>
-            </a:schemeClr>
-          </a:lnRef>
-          <a:fillRef idx="1">
-            <a:schemeClr val="accent1"/>
-          </a:fillRef>
-          <a:effectRef idx="0">
-            <a:schemeClr val="accent1"/>
-          </a:effectRef>
-          <a:fontRef idx="minor">
-            <a:schemeClr val="lt1"/>
-          </a:fontRef>
-        </p:style>
-        <p:txBody>
-          <a:bodyPr rtlCol="0" anchor="ctr"/>
-          <a:lstStyle/>
-          <a:p>
-            <a:pPr algn="ctr"/>
-            <a:endParaRPr lang="zh-CN" altLang="en-US"/>
-          </a:p>
-        </p:txBody>
-      </p:sp>
+      </p:pic>
       <p:pic>
         <p:nvPicPr>
-          <p:cNvPr id="4" name="图片 3">
-            <a:extLst>
-              <a:ext uri="{FF2B5EF4-FFF2-40B4-BE49-F238E27FC236}">
-                <a16:creationId xmlns:a16="http://schemas.microsoft.com/office/drawing/2014/main" id="{3CF2096F-F042-45FE-A974-257B0BD9303C}"/>
+          <p:cNvPr id="7" name="图片 6">
+            <a:extLst>
+              <a:ext uri="{FF2B5EF4-FFF2-40B4-BE49-F238E27FC236}">
+                <a16:creationId xmlns:a16="http://schemas.microsoft.com/office/drawing/2014/main" id="{460CDBE8-489A-4C4D-8C81-D7BBA7C32B00}"/>
               </a:ext>
             </a:extLst>
           </p:cNvPr>
@@ -9340,102 +7667,225 @@
         </p:blipFill>
         <p:spPr>
           <a:xfrm>
-            <a:off x="712135" y="1892299"/>
-            <a:ext cx="4041842" cy="4153626"/>
+            <a:off x="838200" y="4222524"/>
+            <a:ext cx="3444527" cy="570598"/>
           </a:xfrm>
           <a:prstGeom prst="rect">
             <a:avLst/>
           </a:prstGeom>
         </p:spPr>
       </p:pic>
-      <p:cxnSp>
-        <p:nvCxnSpPr>
-          <p:cNvPr id="7" name="直接连接符 6">
-            <a:extLst>
-              <a:ext uri="{FF2B5EF4-FFF2-40B4-BE49-F238E27FC236}">
-                <a16:creationId xmlns:a16="http://schemas.microsoft.com/office/drawing/2014/main" id="{6F395FEF-DA37-4F90-898F-55F031EEC39F}"/>
-              </a:ext>
-            </a:extLst>
-          </p:cNvPr>
-          <p:cNvCxnSpPr/>
+      <p:sp>
+        <p:nvSpPr>
+          <p:cNvPr id="9" name="文本框 8">
+            <a:extLst>
+              <a:ext uri="{FF2B5EF4-FFF2-40B4-BE49-F238E27FC236}">
+                <a16:creationId xmlns:a16="http://schemas.microsoft.com/office/drawing/2014/main" id="{1E9DFCD8-9996-4144-8C80-4DD0CCDA701A}"/>
+              </a:ext>
+            </a:extLst>
+          </p:cNvPr>
+          <p:cNvSpPr txBox="1"/>
           <p:nvPr/>
-        </p:nvCxnSpPr>
+        </p:nvSpPr>
         <p:spPr>
           <a:xfrm>
-            <a:off x="990988" y="2287709"/>
-            <a:ext cx="1231073" cy="0"/>
+            <a:off x="755307" y="3853192"/>
+            <a:ext cx="6094970" cy="369332"/>
           </a:xfrm>
-          <a:prstGeom prst="line">
+          <a:prstGeom prst="rect">
             <a:avLst/>
           </a:prstGeom>
-          <a:ln w="12700">
-            <a:solidFill>
-              <a:srgbClr val="FF0000"/>
-            </a:solidFill>
-          </a:ln>
+          <a:noFill/>
         </p:spPr>
-        <p:style>
-          <a:lnRef idx="1">
-            <a:schemeClr val="accent1"/>
-          </a:lnRef>
-          <a:fillRef idx="0">
-            <a:schemeClr val="accent1"/>
-          </a:fillRef>
-          <a:effectRef idx="0">
-            <a:schemeClr val="accent1"/>
-          </a:effectRef>
-          <a:fontRef idx="minor">
-            <a:schemeClr val="tx1"/>
-          </a:fontRef>
-        </p:style>
-      </p:cxnSp>
-      <p:cxnSp>
-        <p:nvCxnSpPr>
-          <p:cNvPr id="10" name="直接连接符 9">
-            <a:extLst>
-              <a:ext uri="{FF2B5EF4-FFF2-40B4-BE49-F238E27FC236}">
-                <a16:creationId xmlns:a16="http://schemas.microsoft.com/office/drawing/2014/main" id="{2484F0D6-EC9A-4E70-8497-67C700869E93}"/>
-              </a:ext>
-            </a:extLst>
-          </p:cNvPr>
-          <p:cNvCxnSpPr>
-            <a:cxnSpLocks/>
-          </p:cNvCxnSpPr>
+        <p:txBody>
+          <a:bodyPr wrap="square">
+            <a:spAutoFit/>
+          </a:bodyPr>
+          <a:lstStyle/>
+          <a:p>
+            <a:r>
+              <a:rPr lang="zh-CN" altLang="en-US" dirty="0"/>
+              <a:t>bclr rd, rs1, rs2：</a:t>
+            </a:r>
+          </a:p>
+        </p:txBody>
+      </p:sp>
+      <p:sp>
+        <p:nvSpPr>
+          <p:cNvPr id="10" name="文本框 9">
+            <a:extLst>
+              <a:ext uri="{FF2B5EF4-FFF2-40B4-BE49-F238E27FC236}">
+                <a16:creationId xmlns:a16="http://schemas.microsoft.com/office/drawing/2014/main" id="{99290FA9-46F5-4F84-B5FA-4B9653A9B667}"/>
+              </a:ext>
+            </a:extLst>
+          </p:cNvPr>
+          <p:cNvSpPr txBox="1"/>
           <p:nvPr/>
-        </p:nvCxnSpPr>
+        </p:nvSpPr>
         <p:spPr>
           <a:xfrm>
-            <a:off x="990988" y="2595752"/>
-            <a:ext cx="2385422" cy="0"/>
+            <a:off x="6268994" y="6211669"/>
+            <a:ext cx="1717589" cy="646331"/>
           </a:xfrm>
-          <a:prstGeom prst="line">
+          <a:prstGeom prst="rect">
             <a:avLst/>
           </a:prstGeom>
-          <a:ln w="12700">
-            <a:solidFill>
-              <a:srgbClr val="FF0000"/>
-            </a:solidFill>
-          </a:ln>
+          <a:noFill/>
         </p:spPr>
-        <p:style>
-          <a:lnRef idx="1">
-            <a:schemeClr val="accent1"/>
-          </a:lnRef>
-          <a:fillRef idx="0">
-            <a:schemeClr val="accent1"/>
-          </a:fillRef>
-          <a:effectRef idx="0">
-            <a:schemeClr val="accent1"/>
-          </a:effectRef>
-          <a:fontRef idx="minor">
-            <a:schemeClr val="tx1"/>
-          </a:fontRef>
-        </p:style>
-      </p:cxnSp>
+        <p:txBody>
+          <a:bodyPr wrap="square" rtlCol="0">
+            <a:spAutoFit/>
+          </a:bodyPr>
+          <a:lstStyle/>
+          <a:p>
+            <a:r>
+              <a:rPr lang="en-US" altLang="zh-CN" dirty="0">
+                <a:solidFill>
+                  <a:srgbClr val="FF0000"/>
+                </a:solidFill>
+              </a:rPr>
+              <a:t>0   1   1  </a:t>
+            </a:r>
+          </a:p>
+          <a:p>
+            <a:r>
+              <a:rPr lang="en-US" altLang="zh-CN" dirty="0">
+                <a:solidFill>
+                  <a:srgbClr val="FF0000"/>
+                </a:solidFill>
+              </a:rPr>
+              <a:t>“BCLT”</a:t>
+            </a:r>
+            <a:endParaRPr lang="zh-CN" altLang="en-US" dirty="0">
+              <a:solidFill>
+                <a:srgbClr val="FF0000"/>
+              </a:solidFill>
+            </a:endParaRPr>
+          </a:p>
+        </p:txBody>
+      </p:sp>
+      <p:sp>
+        <p:nvSpPr>
+          <p:cNvPr id="11" name="文本框 10">
+            <a:extLst>
+              <a:ext uri="{FF2B5EF4-FFF2-40B4-BE49-F238E27FC236}">
+                <a16:creationId xmlns:a16="http://schemas.microsoft.com/office/drawing/2014/main" id="{5A008671-394D-4177-8D72-9D1FDD20494F}"/>
+              </a:ext>
+            </a:extLst>
+          </p:cNvPr>
+          <p:cNvSpPr txBox="1"/>
+          <p:nvPr/>
+        </p:nvSpPr>
+        <p:spPr>
+          <a:xfrm>
+            <a:off x="5341724" y="4146791"/>
+            <a:ext cx="6094969" cy="646331"/>
+          </a:xfrm>
+          <a:prstGeom prst="rect">
+            <a:avLst/>
+          </a:prstGeom>
+          <a:noFill/>
+        </p:spPr>
+        <p:txBody>
+          <a:bodyPr wrap="square" rtlCol="0">
+            <a:spAutoFit/>
+          </a:bodyPr>
+          <a:lstStyle/>
+          <a:p>
+            <a:r>
+              <a:rPr lang="en-US" altLang="zh-CN" dirty="0"/>
+              <a:t>bclr </a:t>
+            </a:r>
+            <a:r>
+              <a:rPr lang="en-US" altLang="zh-CN" dirty="0" err="1"/>
+              <a:t>rd</a:t>
+            </a:r>
+            <a:r>
+              <a:rPr lang="en-US" altLang="zh-CN" dirty="0"/>
+              <a:t>, 0xFFFFFF</a:t>
+            </a:r>
+            <a:r>
+              <a:rPr lang="en-US" altLang="zh-CN" dirty="0">
+                <a:solidFill>
+                  <a:srgbClr val="FF0000"/>
+                </a:solidFill>
+              </a:rPr>
+              <a:t>F</a:t>
+            </a:r>
+            <a:r>
+              <a:rPr lang="en-US" altLang="zh-CN" dirty="0"/>
+              <a:t>F, 4    =&gt;    0xFFFFFF</a:t>
+            </a:r>
+            <a:r>
+              <a:rPr lang="en-US" altLang="zh-CN" dirty="0">
+                <a:solidFill>
+                  <a:srgbClr val="FF0000"/>
+                </a:solidFill>
+              </a:rPr>
+              <a:t>E</a:t>
+            </a:r>
+            <a:r>
+              <a:rPr lang="en-US" altLang="zh-CN" dirty="0"/>
+              <a:t>F</a:t>
+            </a:r>
+          </a:p>
+          <a:p>
+            <a:r>
+              <a:rPr lang="en-US" altLang="zh-CN" dirty="0" err="1"/>
+              <a:t>bcl</a:t>
+            </a:r>
+            <a:r>
+              <a:rPr lang="en-US" altLang="zh-CN" dirty="0" err="1">
+                <a:solidFill>
+                  <a:srgbClr val="FF0000"/>
+                </a:solidFill>
+              </a:rPr>
+              <a:t>t</a:t>
+            </a:r>
+            <a:r>
+              <a:rPr lang="en-US" altLang="zh-CN" dirty="0"/>
+              <a:t> </a:t>
+            </a:r>
+            <a:r>
+              <a:rPr lang="en-US" altLang="zh-CN" dirty="0" err="1"/>
+              <a:t>rd</a:t>
+            </a:r>
+            <a:r>
+              <a:rPr lang="en-US" altLang="zh-CN" dirty="0"/>
+              <a:t>, 0xFFFFFF</a:t>
+            </a:r>
+            <a:r>
+              <a:rPr lang="en-US" altLang="zh-CN" dirty="0">
+                <a:solidFill>
+                  <a:srgbClr val="FF0000"/>
+                </a:solidFill>
+              </a:rPr>
+              <a:t>F</a:t>
+            </a:r>
+            <a:r>
+              <a:rPr lang="en-US" altLang="zh-CN" dirty="0"/>
+              <a:t>F, 4    =&gt;    0xFFFFFF</a:t>
+            </a:r>
+            <a:r>
+              <a:rPr lang="en-US" altLang="zh-CN" dirty="0">
+                <a:solidFill>
+                  <a:srgbClr val="FF0000"/>
+                </a:solidFill>
+              </a:rPr>
+              <a:t>E</a:t>
+            </a:r>
+            <a:r>
+              <a:rPr lang="en-US" altLang="zh-CN" dirty="0"/>
+              <a:t>F + 1 = 0xFFFFFFF0  </a:t>
+            </a:r>
+            <a:endParaRPr lang="zh-CN" altLang="en-US" dirty="0"/>
+          </a:p>
+        </p:txBody>
+      </p:sp>
     </p:spTree>
     <p:extLst>
       <p:ext uri="{BB962C8B-B14F-4D97-AF65-F5344CB8AC3E}">
-        <p14:creationId xmlns:p14="http://schemas.microsoft.com/office/powerpoint/2010/main" val="3391140352"/>
+        <p14:creationId xmlns:p14="http://schemas.microsoft.com/office/powerpoint/2010/main" val="1793407953"/>
       </p:ext>
     </p:extLst>
   </p:cSld>
@@ -9467,7 +7917,7 @@
           <p:cNvPr id="2" name="标题 1">
             <a:extLst>
               <a:ext uri="{FF2B5EF4-FFF2-40B4-BE49-F238E27FC236}">
-                <a16:creationId xmlns:a16="http://schemas.microsoft.com/office/drawing/2014/main" id="{8E10A6DA-4A75-4CDA-9D04-AE74E1374DCB}"/>
+                <a16:creationId xmlns:a16="http://schemas.microsoft.com/office/drawing/2014/main" id="{F529A6C2-E4DE-4E67-9C3D-DD80E0F9FA3E}"/>
               </a:ext>
             </a:extLst>
           </p:cNvPr>
@@ -9484,9 +7934,10 @@
           <a:lstStyle/>
           <a:p>
             <a:r>
-              <a:rPr lang="zh-CN" altLang="en-US" dirty="0"/>
-              <a:t>调查方法</a:t>
-            </a:r>
+              <a:rPr lang="en-US" altLang="zh-CN" dirty="0"/>
+              <a:t>Add Extension Entrance</a:t>
+            </a:r>
+            <a:endParaRPr lang="zh-CN" altLang="en-US" dirty="0"/>
           </a:p>
         </p:txBody>
       </p:sp>
@@ -9495,7 +7946,7 @@
           <p:cNvPr id="3" name="内容占位符 2">
             <a:extLst>
               <a:ext uri="{FF2B5EF4-FFF2-40B4-BE49-F238E27FC236}">
-                <a16:creationId xmlns:a16="http://schemas.microsoft.com/office/drawing/2014/main" id="{D3BD7AF4-0520-4D83-A903-DF193E41BF8B}"/>
+                <a16:creationId xmlns:a16="http://schemas.microsoft.com/office/drawing/2014/main" id="{30B1BE67-9854-4FBD-A876-ED0DC0CB7C73}"/>
               </a:ext>
             </a:extLst>
           </p:cNvPr>
@@ -9506,20 +7957,58 @@
             <p:ph idx="1"/>
           </p:nvPr>
         </p:nvSpPr>
-        <p:spPr>
-          <a:xfrm>
-            <a:off x="867954" y="1690688"/>
-            <a:ext cx="5112268" cy="4351338"/>
-          </a:xfrm>
-        </p:spPr>
+        <p:spPr/>
         <p:txBody>
           <a:bodyPr/>
           <a:lstStyle/>
           <a:p>
             <a:r>
-              <a:rPr lang="zh-CN" altLang="en-US" dirty="0"/>
-              <a:t>搜索源码看没有实现</a:t>
-            </a:r>
+              <a:rPr lang="en-US" altLang="zh-CN" dirty="0" err="1">
+                <a:hlinkClick r:id="rId3"/>
+              </a:rPr>
+              <a:t>RISCVCPUConfig</a:t>
+            </a:r>
+            <a:r>
+              <a:rPr lang="en-US" altLang="zh-CN" dirty="0"/>
+              <a:t> Structure</a:t>
+            </a:r>
+          </a:p>
+          <a:p>
+            <a:endParaRPr lang="en-US" altLang="zh-CN" dirty="0"/>
+          </a:p>
+          <a:p>
+            <a:endParaRPr lang="en-US" altLang="zh-CN" dirty="0"/>
+          </a:p>
+          <a:p>
+            <a:r>
+              <a:rPr lang="en-US" altLang="zh-CN" dirty="0" err="1">
+                <a:hlinkClick r:id="rId4"/>
+              </a:rPr>
+              <a:t>isa_edata_arr</a:t>
+            </a:r>
+            <a:r>
+              <a:rPr lang="en-US" altLang="zh-CN" dirty="0"/>
+              <a:t> Structure</a:t>
+            </a:r>
+          </a:p>
+          <a:p>
+            <a:endParaRPr lang="en-US" altLang="zh-CN" dirty="0"/>
+          </a:p>
+          <a:p>
+            <a:endParaRPr lang="en-US" altLang="zh-CN" dirty="0"/>
+          </a:p>
+          <a:p>
+            <a:r>
+              <a:rPr lang="en-US" altLang="zh-CN" dirty="0" err="1">
+                <a:hlinkClick r:id="rId5"/>
+              </a:rPr>
+              <a:t>riscv_cpu_extensions</a:t>
+            </a:r>
+            <a:r>
+              <a:rPr lang="en-US" altLang="zh-CN" dirty="0"/>
+              <a:t> Structure</a:t>
+            </a:r>
+            <a:endParaRPr lang="zh-CN" altLang="en-US" dirty="0"/>
           </a:p>
         </p:txBody>
       </p:sp>
@@ -9528,7 +8017,7 @@
           <p:cNvPr id="5" name="图片 4">
             <a:extLst>
               <a:ext uri="{FF2B5EF4-FFF2-40B4-BE49-F238E27FC236}">
-                <a16:creationId xmlns:a16="http://schemas.microsoft.com/office/drawing/2014/main" id="{422680C1-8B2D-41EA-A3D6-1B0C7853E8BB}"/>
+                <a16:creationId xmlns:a16="http://schemas.microsoft.com/office/drawing/2014/main" id="{3ECE3B9A-AF92-42AE-B5FB-EBFB6053E5CE}"/>
               </a:ext>
             </a:extLst>
           </p:cNvPr>
@@ -9538,15 +8027,21 @@
           <p:nvPr/>
         </p:nvPicPr>
         <p:blipFill>
-          <a:blip r:embed="rId3"/>
+          <a:blip r:embed="rId6">
+            <a:extLst>
+              <a:ext uri="{28A0092B-C50C-407E-A947-70E740481C1C}">
+                <a14:useLocalDpi xmlns:a14="http://schemas.microsoft.com/office/drawing/2010/main" val="0"/>
+              </a:ext>
+            </a:extLst>
+          </a:blip>
           <a:stretch>
             <a:fillRect/>
           </a:stretch>
         </p:blipFill>
         <p:spPr>
           <a:xfrm>
-            <a:off x="687392" y="2372486"/>
-            <a:ext cx="4848902" cy="1771897"/>
+            <a:off x="6709693" y="524986"/>
+            <a:ext cx="3979262" cy="2064786"/>
           </a:xfrm>
           <a:prstGeom prst="rect">
             <a:avLst/>
@@ -9555,10 +8050,10 @@
       </p:pic>
       <p:pic>
         <p:nvPicPr>
-          <p:cNvPr id="7" name="图片 6">
-            <a:extLst>
-              <a:ext uri="{FF2B5EF4-FFF2-40B4-BE49-F238E27FC236}">
-                <a16:creationId xmlns:a16="http://schemas.microsoft.com/office/drawing/2014/main" id="{2D5611C8-9B11-4DD6-A0F5-32DBFFBE9B2D}"/>
+          <p:cNvPr id="9" name="图片 8">
+            <a:extLst>
+              <a:ext uri="{FF2B5EF4-FFF2-40B4-BE49-F238E27FC236}">
+                <a16:creationId xmlns:a16="http://schemas.microsoft.com/office/drawing/2014/main" id="{8622EDB9-570C-4222-9366-A9BF8A613244}"/>
               </a:ext>
             </a:extLst>
           </p:cNvPr>
@@ -9568,231 +8063,33 @@
           <p:nvPr/>
         </p:nvPicPr>
         <p:blipFill>
-          <a:blip r:embed="rId4"/>
+          <a:blip r:embed="rId7">
+            <a:extLst>
+              <a:ext uri="{28A0092B-C50C-407E-A947-70E740481C1C}">
+                <a14:useLocalDpi xmlns:a14="http://schemas.microsoft.com/office/drawing/2010/main" val="0"/>
+              </a:ext>
+            </a:extLst>
+          </a:blip>
           <a:stretch>
             <a:fillRect/>
           </a:stretch>
         </p:blipFill>
         <p:spPr>
           <a:xfrm>
-            <a:off x="573437" y="4655220"/>
-            <a:ext cx="5950468" cy="1314633"/>
+            <a:off x="6709693" y="4450622"/>
+            <a:ext cx="3112487" cy="1337884"/>
           </a:xfrm>
           <a:prstGeom prst="rect">
             <a:avLst/>
           </a:prstGeom>
         </p:spPr>
       </p:pic>
-      <p:sp>
-        <p:nvSpPr>
-          <p:cNvPr id="8" name="内容占位符 2">
-            <a:extLst>
-              <a:ext uri="{FF2B5EF4-FFF2-40B4-BE49-F238E27FC236}">
-                <a16:creationId xmlns:a16="http://schemas.microsoft.com/office/drawing/2014/main" id="{11647EC4-40EB-431D-8518-E25A2772F46F}"/>
-              </a:ext>
-            </a:extLst>
-          </p:cNvPr>
-          <p:cNvSpPr txBox="1">
-            <a:spLocks/>
-          </p:cNvSpPr>
-          <p:nvPr/>
-        </p:nvSpPr>
-        <p:spPr>
-          <a:xfrm>
-            <a:off x="7206049" y="1690688"/>
-            <a:ext cx="5112268" cy="4351338"/>
-          </a:xfrm>
-          <a:prstGeom prst="rect">
-            <a:avLst/>
-          </a:prstGeom>
-        </p:spPr>
-        <p:txBody>
-          <a:bodyPr vert="horz" lIns="91440" tIns="45720" rIns="91440" bIns="45720" rtlCol="0">
-            <a:normAutofit/>
-          </a:bodyPr>
-          <a:lstStyle>
-            <a:lvl1pPr marL="228600" indent="-228600" algn="l" defTabSz="914400" rtl="0" eaLnBrk="1" latinLnBrk="0" hangingPunct="1">
-              <a:lnSpc>
-                <a:spcPct val="90000"/>
-              </a:lnSpc>
-              <a:spcBef>
-                <a:spcPts val="1000"/>
-              </a:spcBef>
-              <a:buFont typeface="Arial" panose="020B0604020202020204" pitchFamily="34" charset="0"/>
-              <a:buChar char="•"/>
-              <a:defRPr sz="2800" kern="1200">
-                <a:solidFill>
-                  <a:schemeClr val="tx1"/>
-                </a:solidFill>
-                <a:latin typeface="+mn-lt"/>
-                <a:ea typeface="+mn-ea"/>
-                <a:cs typeface="+mn-cs"/>
-              </a:defRPr>
-            </a:lvl1pPr>
-            <a:lvl2pPr marL="685800" indent="-228600" algn="l" defTabSz="914400" rtl="0" eaLnBrk="1" latinLnBrk="0" hangingPunct="1">
-              <a:lnSpc>
-                <a:spcPct val="90000"/>
-              </a:lnSpc>
-              <a:spcBef>
-                <a:spcPts val="500"/>
-              </a:spcBef>
-              <a:buFont typeface="Arial" panose="020B0604020202020204" pitchFamily="34" charset="0"/>
-              <a:buChar char="•"/>
-              <a:defRPr sz="2400" kern="1200">
-                <a:solidFill>
-                  <a:schemeClr val="tx1"/>
-                </a:solidFill>
-                <a:latin typeface="+mn-lt"/>
-                <a:ea typeface="+mn-ea"/>
-                <a:cs typeface="+mn-cs"/>
-              </a:defRPr>
-            </a:lvl2pPr>
-            <a:lvl3pPr marL="1143000" indent="-228600" algn="l" defTabSz="914400" rtl="0" eaLnBrk="1" latinLnBrk="0" hangingPunct="1">
-              <a:lnSpc>
-                <a:spcPct val="90000"/>
-              </a:lnSpc>
-              <a:spcBef>
-                <a:spcPts val="500"/>
-              </a:spcBef>
-              <a:buFont typeface="Arial" panose="020B0604020202020204" pitchFamily="34" charset="0"/>
-              <a:buChar char="•"/>
-              <a:defRPr sz="2000" kern="1200">
-                <a:solidFill>
-                  <a:schemeClr val="tx1"/>
-                </a:solidFill>
-                <a:latin typeface="+mn-lt"/>
-                <a:ea typeface="+mn-ea"/>
-                <a:cs typeface="+mn-cs"/>
-              </a:defRPr>
-            </a:lvl3pPr>
-            <a:lvl4pPr marL="1600200" indent="-228600" algn="l" defTabSz="914400" rtl="0" eaLnBrk="1" latinLnBrk="0" hangingPunct="1">
-              <a:lnSpc>
-                <a:spcPct val="90000"/>
-              </a:lnSpc>
-              <a:spcBef>
-                <a:spcPts val="500"/>
-              </a:spcBef>
-              <a:buFont typeface="Arial" panose="020B0604020202020204" pitchFamily="34" charset="0"/>
-              <a:buChar char="•"/>
-              <a:defRPr sz="1800" kern="1200">
-                <a:solidFill>
-                  <a:schemeClr val="tx1"/>
-                </a:solidFill>
-                <a:latin typeface="+mn-lt"/>
-                <a:ea typeface="+mn-ea"/>
-                <a:cs typeface="+mn-cs"/>
-              </a:defRPr>
-            </a:lvl4pPr>
-            <a:lvl5pPr marL="2057400" indent="-228600" algn="l" defTabSz="914400" rtl="0" eaLnBrk="1" latinLnBrk="0" hangingPunct="1">
-              <a:lnSpc>
-                <a:spcPct val="90000"/>
-              </a:lnSpc>
-              <a:spcBef>
-                <a:spcPts val="500"/>
-              </a:spcBef>
-              <a:buFont typeface="Arial" panose="020B0604020202020204" pitchFamily="34" charset="0"/>
-              <a:buChar char="•"/>
-              <a:defRPr sz="1800" kern="1200">
-                <a:solidFill>
-                  <a:schemeClr val="tx1"/>
-                </a:solidFill>
-                <a:latin typeface="+mn-lt"/>
-                <a:ea typeface="+mn-ea"/>
-                <a:cs typeface="+mn-cs"/>
-              </a:defRPr>
-            </a:lvl5pPr>
-            <a:lvl6pPr marL="2514600" indent="-228600" algn="l" defTabSz="914400" rtl="0" eaLnBrk="1" latinLnBrk="0" hangingPunct="1">
-              <a:lnSpc>
-                <a:spcPct val="90000"/>
-              </a:lnSpc>
-              <a:spcBef>
-                <a:spcPts val="500"/>
-              </a:spcBef>
-              <a:buFont typeface="Arial" panose="020B0604020202020204" pitchFamily="34" charset="0"/>
-              <a:buChar char="•"/>
-              <a:defRPr sz="1800" kern="1200">
-                <a:solidFill>
-                  <a:schemeClr val="tx1"/>
-                </a:solidFill>
-                <a:latin typeface="+mn-lt"/>
-                <a:ea typeface="+mn-ea"/>
-                <a:cs typeface="+mn-cs"/>
-              </a:defRPr>
-            </a:lvl6pPr>
-            <a:lvl7pPr marL="2971800" indent="-228600" algn="l" defTabSz="914400" rtl="0" eaLnBrk="1" latinLnBrk="0" hangingPunct="1">
-              <a:lnSpc>
-                <a:spcPct val="90000"/>
-              </a:lnSpc>
-              <a:spcBef>
-                <a:spcPts val="500"/>
-              </a:spcBef>
-              <a:buFont typeface="Arial" panose="020B0604020202020204" pitchFamily="34" charset="0"/>
-              <a:buChar char="•"/>
-              <a:defRPr sz="1800" kern="1200">
-                <a:solidFill>
-                  <a:schemeClr val="tx1"/>
-                </a:solidFill>
-                <a:latin typeface="+mn-lt"/>
-                <a:ea typeface="+mn-ea"/>
-                <a:cs typeface="+mn-cs"/>
-              </a:defRPr>
-            </a:lvl7pPr>
-            <a:lvl8pPr marL="3429000" indent="-228600" algn="l" defTabSz="914400" rtl="0" eaLnBrk="1" latinLnBrk="0" hangingPunct="1">
-              <a:lnSpc>
-                <a:spcPct val="90000"/>
-              </a:lnSpc>
-              <a:spcBef>
-                <a:spcPts val="500"/>
-              </a:spcBef>
-              <a:buFont typeface="Arial" panose="020B0604020202020204" pitchFamily="34" charset="0"/>
-              <a:buChar char="•"/>
-              <a:defRPr sz="1800" kern="1200">
-                <a:solidFill>
-                  <a:schemeClr val="tx1"/>
-                </a:solidFill>
-                <a:latin typeface="+mn-lt"/>
-                <a:ea typeface="+mn-ea"/>
-                <a:cs typeface="+mn-cs"/>
-              </a:defRPr>
-            </a:lvl8pPr>
-            <a:lvl9pPr marL="3886200" indent="-228600" algn="l" defTabSz="914400" rtl="0" eaLnBrk="1" latinLnBrk="0" hangingPunct="1">
-              <a:lnSpc>
-                <a:spcPct val="90000"/>
-              </a:lnSpc>
-              <a:spcBef>
-                <a:spcPts val="500"/>
-              </a:spcBef>
-              <a:buFont typeface="Arial" panose="020B0604020202020204" pitchFamily="34" charset="0"/>
-              <a:buChar char="•"/>
-              <a:defRPr sz="1800" kern="1200">
-                <a:solidFill>
-                  <a:schemeClr val="tx1"/>
-                </a:solidFill>
-                <a:latin typeface="+mn-lt"/>
-                <a:ea typeface="+mn-ea"/>
-                <a:cs typeface="+mn-cs"/>
-              </a:defRPr>
-            </a:lvl9pPr>
-          </a:lstStyle>
-          <a:p>
-            <a:r>
-              <a:rPr lang="zh-CN" altLang="en-US" dirty="0"/>
-              <a:t>仓库搜索有没有对应</a:t>
-            </a:r>
-            <a:r>
-              <a:rPr lang="en-US" altLang="zh-CN" dirty="0"/>
-              <a:t>commit</a:t>
-            </a:r>
-            <a:endParaRPr lang="zh-CN" altLang="en-US" dirty="0"/>
-          </a:p>
-        </p:txBody>
-      </p:sp>
       <p:pic>
         <p:nvPicPr>
-          <p:cNvPr id="10" name="图片 9">
-            <a:extLst>
-              <a:ext uri="{FF2B5EF4-FFF2-40B4-BE49-F238E27FC236}">
-                <a16:creationId xmlns:a16="http://schemas.microsoft.com/office/drawing/2014/main" id="{06897421-3C05-4176-8413-F471D8CAF166}"/>
+          <p:cNvPr id="11" name="图片 10">
+            <a:extLst>
+              <a:ext uri="{FF2B5EF4-FFF2-40B4-BE49-F238E27FC236}">
+                <a16:creationId xmlns:a16="http://schemas.microsoft.com/office/drawing/2014/main" id="{4341590A-3F94-4BC4-BC51-DB4A59B996C4}"/>
               </a:ext>
             </a:extLst>
           </p:cNvPr>
@@ -9802,15 +8099,15 @@
           <p:nvPr/>
         </p:nvPicPr>
         <p:blipFill>
-          <a:blip r:embed="rId5"/>
+          <a:blip r:embed="rId8"/>
           <a:stretch>
             <a:fillRect/>
           </a:stretch>
         </p:blipFill>
         <p:spPr>
           <a:xfrm>
-            <a:off x="6704467" y="2372486"/>
-            <a:ext cx="5201039" cy="2872123"/>
+            <a:off x="6709693" y="3054590"/>
+            <a:ext cx="4522187" cy="1007575"/>
           </a:xfrm>
           <a:prstGeom prst="rect">
             <a:avLst/>
@@ -9820,7 +8117,7 @@
     </p:spTree>
     <p:extLst>
       <p:ext uri="{BB962C8B-B14F-4D97-AF65-F5344CB8AC3E}">
-        <p14:creationId xmlns:p14="http://schemas.microsoft.com/office/powerpoint/2010/main" val="4242448840"/>
+        <p14:creationId xmlns:p14="http://schemas.microsoft.com/office/powerpoint/2010/main" val="1793210769"/>
       </p:ext>
     </p:extLst>
   </p:cSld>
@@ -9852,7 +8149,7 @@
           <p:cNvPr id="2" name="标题 1">
             <a:extLst>
               <a:ext uri="{FF2B5EF4-FFF2-40B4-BE49-F238E27FC236}">
-                <a16:creationId xmlns:a16="http://schemas.microsoft.com/office/drawing/2014/main" id="{A4E8F563-DF71-4E8F-A161-0EB4D620F836}"/>
+                <a16:creationId xmlns:a16="http://schemas.microsoft.com/office/drawing/2014/main" id="{361DD3A3-3651-41E1-8A14-16B83FE06CEE}"/>
               </a:ext>
             </a:extLst>
           </p:cNvPr>
@@ -9869,17 +8166,10 @@
           <a:lstStyle/>
           <a:p>
             <a:r>
-              <a:rPr lang="zh-CN" altLang="en-US" dirty="0"/>
-              <a:t>为 </a:t>
-            </a:r>
-            <a:r>
-              <a:rPr lang="en-US" altLang="zh-CN" dirty="0"/>
-              <a:t>QEMU </a:t>
-            </a:r>
-            <a:r>
-              <a:rPr lang="zh-CN" altLang="en-US" dirty="0"/>
-              <a:t>添加新的指令集支持</a:t>
-            </a:r>
+              <a:rPr lang="en-US" altLang="zh-CN" dirty="0"/>
+              <a:t>Add Extension Dependency</a:t>
+            </a:r>
+            <a:endParaRPr lang="zh-CN" altLang="en-US" dirty="0"/>
           </a:p>
         </p:txBody>
       </p:sp>
@@ -9888,7 +8178,7 @@
           <p:cNvPr id="3" name="内容占位符 2">
             <a:extLst>
               <a:ext uri="{FF2B5EF4-FFF2-40B4-BE49-F238E27FC236}">
-                <a16:creationId xmlns:a16="http://schemas.microsoft.com/office/drawing/2014/main" id="{482BD7A0-41D9-476D-B246-415CA76515C1}"/>
+                <a16:creationId xmlns:a16="http://schemas.microsoft.com/office/drawing/2014/main" id="{A8451EC9-624F-4815-AAAF-60CB8727EE20}"/>
               </a:ext>
             </a:extLst>
           </p:cNvPr>
@@ -9899,168 +8189,105 @@
             <p:ph idx="1"/>
           </p:nvPr>
         </p:nvSpPr>
-        <p:spPr>
-          <a:xfrm>
-            <a:off x="838200" y="1690688"/>
-            <a:ext cx="10515600" cy="4351338"/>
-          </a:xfrm>
-        </p:spPr>
-        <p:txBody>
-          <a:bodyPr/>
-          <a:lstStyle/>
+        <p:spPr/>
+        <p:txBody>
+          <a:bodyPr>
+            <a:normAutofit/>
+          </a:bodyPr>
+          <a:lstStyle/>
+          <a:p>
+            <a:r>
+              <a:rPr lang="en-US" altLang="zh-CN" dirty="0"/>
+              <a:t>If new extension has dependency on other existing </a:t>
+            </a:r>
+            <a:r>
+              <a:rPr lang="en-US" altLang="zh-CN" dirty="0" err="1"/>
+              <a:t>extension,add</a:t>
+            </a:r>
+            <a:r>
+              <a:rPr lang="en-US" altLang="zh-CN" dirty="0"/>
+              <a:t> judgment statements in function </a:t>
+            </a:r>
+            <a:r>
+              <a:rPr lang="en-US" altLang="zh-CN" dirty="0" err="1">
+                <a:hlinkClick r:id="rId3"/>
+              </a:rPr>
+              <a:t>riscv_cpu_validate_set_extensions</a:t>
+            </a:r>
+            <a:endParaRPr lang="en-US" altLang="zh-CN" dirty="0"/>
+          </a:p>
           <a:p>
             <a:pPr marL="0" indent="0">
-              <a:lnSpc>
-                <a:spcPct val="150000"/>
-              </a:lnSpc>
               <a:buNone/>
             </a:pPr>
             <a:r>
-              <a:rPr lang="zh-CN" altLang="en-US" dirty="0"/>
-              <a:t>这里</a:t>
-            </a:r>
-            <a:r>
-              <a:rPr lang="en-US" altLang="zh-CN" dirty="0"/>
-              <a:t>,</a:t>
-            </a:r>
-            <a:r>
-              <a:rPr lang="zh-CN" altLang="en-US" dirty="0"/>
-              <a:t>我仿照 </a:t>
-            </a:r>
-            <a:r>
-              <a:rPr lang="en-US" altLang="zh-CN" dirty="0">
-                <a:hlinkClick r:id="rId3"/>
-              </a:rPr>
-              <a:t>Zbs</a:t>
-            </a:r>
-            <a:r>
-              <a:rPr lang="en-US" altLang="zh-CN" dirty="0"/>
-              <a:t> </a:t>
-            </a:r>
-            <a:r>
-              <a:rPr lang="zh-CN" altLang="en-US" dirty="0"/>
-              <a:t>指令集的 </a:t>
-            </a:r>
-            <a:r>
-              <a:rPr lang="en-US" altLang="zh-CN" dirty="0">
+              <a:rPr lang="zh-CN" altLang="en-US" sz="2400" dirty="0"/>
+              <a:t>    </a:t>
+            </a:r>
+            <a:r>
+              <a:rPr lang="en-US" altLang="zh-CN" sz="2400" dirty="0"/>
+              <a:t>Has sub-extension</a:t>
+            </a:r>
+            <a:r>
+              <a:rPr lang="en-US" altLang="zh-CN" dirty="0"/>
+              <a:t>			   </a:t>
+            </a:r>
+            <a:r>
+              <a:rPr lang="en-US" altLang="zh-CN" sz="2400" dirty="0"/>
+              <a:t>Depends on existing extension</a:t>
+            </a:r>
+          </a:p>
+          <a:p>
+            <a:pPr marL="0" indent="0">
+              <a:buNone/>
+            </a:pPr>
+            <a:endParaRPr lang="en-US" altLang="zh-CN" dirty="0"/>
+          </a:p>
+          <a:p>
+            <a:pPr marL="0" indent="0">
+              <a:buNone/>
+            </a:pPr>
+            <a:endParaRPr lang="en-US" altLang="zh-CN" dirty="0"/>
+          </a:p>
+          <a:p>
+            <a:pPr marL="0" indent="0">
+              <a:buNone/>
+            </a:pPr>
+            <a:endParaRPr lang="en-US" altLang="zh-CN" dirty="0"/>
+          </a:p>
+          <a:p>
+            <a:r>
+              <a:rPr lang="en-US" altLang="zh-CN" dirty="0"/>
+              <a:t>Add judgement </a:t>
+            </a:r>
+            <a:r>
+              <a:rPr lang="en-US" altLang="zh-CN" dirty="0" err="1"/>
+              <a:t>staments</a:t>
+            </a:r>
+            <a:r>
+              <a:rPr lang="en-US" altLang="zh-CN" dirty="0"/>
+              <a:t> in </a:t>
+            </a:r>
+            <a:r>
+              <a:rPr lang="en-US" altLang="zh-CN" dirty="0" err="1">
                 <a:hlinkClick r:id="rId4"/>
               </a:rPr>
-              <a:t>bclr</a:t>
-            </a:r>
-            <a:r>
-              <a:rPr lang="en-US" altLang="zh-CN" dirty="0"/>
-              <a:t> </a:t>
-            </a:r>
-            <a:r>
-              <a:rPr lang="zh-CN" altLang="en-US" dirty="0"/>
-              <a:t>指令</a:t>
-            </a:r>
-            <a:r>
-              <a:rPr lang="en-US" altLang="zh-CN" dirty="0"/>
-              <a:t>,</a:t>
-            </a:r>
-            <a:r>
-              <a:rPr lang="zh-CN" altLang="en-US" dirty="0"/>
-              <a:t>为 </a:t>
-            </a:r>
-            <a:r>
-              <a:rPr lang="en-US" altLang="zh-CN" dirty="0"/>
-              <a:t>QEMU </a:t>
-            </a:r>
-            <a:r>
-              <a:rPr lang="zh-CN" altLang="en-US" dirty="0"/>
-              <a:t>添加一个</a:t>
-            </a:r>
-            <a:endParaRPr lang="en-US" altLang="zh-CN" dirty="0"/>
-          </a:p>
-          <a:p>
-            <a:pPr marL="0" indent="0">
-              <a:lnSpc>
-                <a:spcPct val="150000"/>
-              </a:lnSpc>
-              <a:buNone/>
-            </a:pPr>
-            <a:r>
-              <a:rPr lang="en-US" altLang="zh-CN" dirty="0"/>
-              <a:t>『</a:t>
-            </a:r>
-            <a:r>
-              <a:rPr lang="zh-CN" altLang="en-US" dirty="0"/>
-              <a:t>只有一条 </a:t>
-            </a:r>
-            <a:r>
-              <a:rPr lang="en-US" altLang="zh-CN" dirty="0"/>
-              <a:t>“</a:t>
-            </a:r>
-            <a:r>
-              <a:rPr lang="en-US" altLang="zh-CN" dirty="0" err="1"/>
-              <a:t>bclt</a:t>
-            </a:r>
-            <a:r>
-              <a:rPr lang="en-US" altLang="zh-CN" dirty="0"/>
-              <a:t>”</a:t>
-            </a:r>
-            <a:r>
-              <a:rPr lang="zh-CN" altLang="en-US" dirty="0"/>
-              <a:t>指令的</a:t>
-            </a:r>
-            <a:r>
-              <a:rPr lang="en-US" altLang="zh-CN" dirty="0"/>
-              <a:t>“</a:t>
-            </a:r>
-            <a:r>
-              <a:rPr lang="en-US" altLang="zh-CN" dirty="0" err="1"/>
-              <a:t>Zbt</a:t>
-            </a:r>
-            <a:r>
-              <a:rPr lang="en-US" altLang="zh-CN" dirty="0"/>
-              <a:t>”</a:t>
-            </a:r>
-            <a:r>
-              <a:rPr lang="zh-CN" altLang="en-US" dirty="0"/>
-              <a:t>指令集</a:t>
-            </a:r>
-            <a:r>
-              <a:rPr lang="en-US" altLang="zh-CN" dirty="0"/>
-              <a:t>』,“</a:t>
-            </a:r>
-            <a:r>
-              <a:rPr lang="en-US" altLang="zh-CN" dirty="0" err="1"/>
-              <a:t>bclt</a:t>
-            </a:r>
-            <a:r>
-              <a:rPr lang="en-US" altLang="zh-CN" dirty="0"/>
-              <a:t>”</a:t>
-            </a:r>
-            <a:r>
-              <a:rPr lang="zh-CN" altLang="en-US" dirty="0"/>
-              <a:t>指令的功能是在 </a:t>
-            </a:r>
-            <a:r>
-              <a:rPr lang="en-US" altLang="zh-CN" dirty="0"/>
-              <a:t>bclr </a:t>
-            </a:r>
-            <a:r>
-              <a:rPr lang="zh-CN" altLang="en-US" dirty="0"/>
-              <a:t>指令功能的基础上</a:t>
-            </a:r>
-            <a:r>
-              <a:rPr lang="en-US" altLang="zh-CN" dirty="0"/>
-              <a:t>,</a:t>
-            </a:r>
-            <a:r>
-              <a:rPr lang="zh-CN" altLang="en-US" dirty="0"/>
-              <a:t>再给结果加一。</a:t>
-            </a:r>
+              <a:t>riscv_cpu_validate_b</a:t>
+            </a:r>
+            <a:r>
+              <a:rPr lang="en-US" altLang="zh-CN" dirty="0"/>
+              <a:t> function</a:t>
+            </a:r>
+            <a:endParaRPr lang="zh-CN" altLang="en-US" dirty="0"/>
           </a:p>
         </p:txBody>
       </p:sp>
       <p:pic>
         <p:nvPicPr>
-          <p:cNvPr id="5" name="图片 4">
-            <a:extLst>
-              <a:ext uri="{FF2B5EF4-FFF2-40B4-BE49-F238E27FC236}">
-                <a16:creationId xmlns:a16="http://schemas.microsoft.com/office/drawing/2014/main" id="{FA9BFADC-D83F-4E8C-90D5-E3AD9C88F19C}"/>
+          <p:cNvPr id="10" name="图片 9">
+            <a:extLst>
+              <a:ext uri="{FF2B5EF4-FFF2-40B4-BE49-F238E27FC236}">
+                <a16:creationId xmlns:a16="http://schemas.microsoft.com/office/drawing/2014/main" id="{BF592449-A77C-43EE-8B75-C69DCE3CDB7D}"/>
               </a:ext>
             </a:extLst>
           </p:cNvPr>
@@ -10070,15 +8297,21 @@
           <p:nvPr/>
         </p:nvPicPr>
         <p:blipFill>
-          <a:blip r:embed="rId5"/>
+          <a:blip r:embed="rId5">
+            <a:extLst>
+              <a:ext uri="{28A0092B-C50C-407E-A947-70E740481C1C}">
+                <a14:useLocalDpi xmlns:a14="http://schemas.microsoft.com/office/drawing/2010/main" val="0"/>
+              </a:ext>
+            </a:extLst>
+          </a:blip>
           <a:stretch>
             <a:fillRect/>
           </a:stretch>
         </p:blipFill>
         <p:spPr>
           <a:xfrm>
-            <a:off x="348048" y="4915267"/>
-            <a:ext cx="10997514" cy="1412058"/>
+            <a:off x="991552" y="3121775"/>
+            <a:ext cx="4466689" cy="1399435"/>
           </a:xfrm>
           <a:prstGeom prst="rect">
             <a:avLst/>
@@ -10087,10 +8320,10 @@
       </p:pic>
       <p:pic>
         <p:nvPicPr>
-          <p:cNvPr id="7" name="图片 6">
-            <a:extLst>
-              <a:ext uri="{FF2B5EF4-FFF2-40B4-BE49-F238E27FC236}">
-                <a16:creationId xmlns:a16="http://schemas.microsoft.com/office/drawing/2014/main" id="{460CDBE8-489A-4C4D-8C81-D7BBA7C32B00}"/>
+          <p:cNvPr id="12" name="图片 11">
+            <a:extLst>
+              <a:ext uri="{FF2B5EF4-FFF2-40B4-BE49-F238E27FC236}">
+                <a16:creationId xmlns:a16="http://schemas.microsoft.com/office/drawing/2014/main" id="{EAFF7935-2E52-4874-A402-5876F6DC89EA}"/>
               </a:ext>
             </a:extLst>
           </p:cNvPr>
@@ -10100,232 +8333,66 @@
           <p:nvPr/>
         </p:nvPicPr>
         <p:blipFill>
-          <a:blip r:embed="rId6"/>
+          <a:blip r:embed="rId6">
+            <a:extLst>
+              <a:ext uri="{28A0092B-C50C-407E-A947-70E740481C1C}">
+                <a14:useLocalDpi xmlns:a14="http://schemas.microsoft.com/office/drawing/2010/main" val="0"/>
+              </a:ext>
+            </a:extLst>
+          </a:blip>
           <a:stretch>
             <a:fillRect/>
           </a:stretch>
         </p:blipFill>
         <p:spPr>
           <a:xfrm>
-            <a:off x="838200" y="4222524"/>
-            <a:ext cx="3444527" cy="570598"/>
+            <a:off x="6096000" y="3248000"/>
+            <a:ext cx="5804832" cy="1273210"/>
           </a:xfrm>
           <a:prstGeom prst="rect">
             <a:avLst/>
           </a:prstGeom>
         </p:spPr>
       </p:pic>
-      <p:sp>
-        <p:nvSpPr>
-          <p:cNvPr id="9" name="文本框 8">
-            <a:extLst>
-              <a:ext uri="{FF2B5EF4-FFF2-40B4-BE49-F238E27FC236}">
-                <a16:creationId xmlns:a16="http://schemas.microsoft.com/office/drawing/2014/main" id="{1E9DFCD8-9996-4144-8C80-4DD0CCDA701A}"/>
-              </a:ext>
-            </a:extLst>
-          </p:cNvPr>
-          <p:cNvSpPr txBox="1"/>
+      <p:pic>
+        <p:nvPicPr>
+          <p:cNvPr id="14" name="图片 13">
+            <a:extLst>
+              <a:ext uri="{FF2B5EF4-FFF2-40B4-BE49-F238E27FC236}">
+                <a16:creationId xmlns:a16="http://schemas.microsoft.com/office/drawing/2014/main" id="{7756B5E9-39F7-4513-83F4-0F7859546F4C}"/>
+              </a:ext>
+            </a:extLst>
+          </p:cNvPr>
+          <p:cNvPicPr>
+            <a:picLocks noChangeAspect="1"/>
+          </p:cNvPicPr>
           <p:nvPr/>
-        </p:nvSpPr>
+        </p:nvPicPr>
+        <p:blipFill rotWithShape="1">
+          <a:blip r:embed="rId7">
+            <a:extLst>
+              <a:ext uri="{28A0092B-C50C-407E-A947-70E740481C1C}">
+                <a14:useLocalDpi xmlns:a14="http://schemas.microsoft.com/office/drawing/2010/main" val="0"/>
+              </a:ext>
+            </a:extLst>
+          </a:blip>
+          <a:srcRect t="18745" b="17438"/>
+          <a:stretch/>
+        </p:blipFill>
         <p:spPr>
           <a:xfrm>
-            <a:off x="755307" y="3853192"/>
-            <a:ext cx="6094970" cy="369332"/>
+            <a:off x="2697004" y="5290546"/>
+            <a:ext cx="4664393" cy="1488325"/>
           </a:xfrm>
           <a:prstGeom prst="rect">
             <a:avLst/>
           </a:prstGeom>
-          <a:noFill/>
         </p:spPr>
-        <p:txBody>
-          <a:bodyPr wrap="square">
-            <a:spAutoFit/>
-          </a:bodyPr>
-          <a:lstStyle/>
-          <a:p>
-            <a:r>
-              <a:rPr lang="zh-CN" altLang="en-US" dirty="0"/>
-              <a:t>bclr rd, rs1, rs2：</a:t>
-            </a:r>
-          </a:p>
-        </p:txBody>
-      </p:sp>
-      <p:sp>
-        <p:nvSpPr>
-          <p:cNvPr id="10" name="文本框 9">
-            <a:extLst>
-              <a:ext uri="{FF2B5EF4-FFF2-40B4-BE49-F238E27FC236}">
-                <a16:creationId xmlns:a16="http://schemas.microsoft.com/office/drawing/2014/main" id="{99290FA9-46F5-4F84-B5FA-4B9653A9B667}"/>
-              </a:ext>
-            </a:extLst>
-          </p:cNvPr>
-          <p:cNvSpPr txBox="1"/>
-          <p:nvPr/>
-        </p:nvSpPr>
-        <p:spPr>
-          <a:xfrm>
-            <a:off x="6268994" y="6211669"/>
-            <a:ext cx="1717589" cy="646331"/>
-          </a:xfrm>
-          <a:prstGeom prst="rect">
-            <a:avLst/>
-          </a:prstGeom>
-          <a:noFill/>
-        </p:spPr>
-        <p:txBody>
-          <a:bodyPr wrap="square" rtlCol="0">
-            <a:spAutoFit/>
-          </a:bodyPr>
-          <a:lstStyle/>
-          <a:p>
-            <a:r>
-              <a:rPr lang="en-US" altLang="zh-CN" dirty="0">
-                <a:solidFill>
-                  <a:srgbClr val="FF0000"/>
-                </a:solidFill>
-              </a:rPr>
-              <a:t>0   1   1  </a:t>
-            </a:r>
-          </a:p>
-          <a:p>
-            <a:r>
-              <a:rPr lang="en-US" altLang="zh-CN" dirty="0">
-                <a:solidFill>
-                  <a:srgbClr val="FF0000"/>
-                </a:solidFill>
-              </a:rPr>
-              <a:t>“BCLT”</a:t>
-            </a:r>
-            <a:endParaRPr lang="zh-CN" altLang="en-US" dirty="0">
-              <a:solidFill>
-                <a:srgbClr val="FF0000"/>
-              </a:solidFill>
-            </a:endParaRPr>
-          </a:p>
-        </p:txBody>
-      </p:sp>
-      <p:sp>
-        <p:nvSpPr>
-          <p:cNvPr id="11" name="文本框 10">
-            <a:extLst>
-              <a:ext uri="{FF2B5EF4-FFF2-40B4-BE49-F238E27FC236}">
-                <a16:creationId xmlns:a16="http://schemas.microsoft.com/office/drawing/2014/main" id="{5A008671-394D-4177-8D72-9D1FDD20494F}"/>
-              </a:ext>
-            </a:extLst>
-          </p:cNvPr>
-          <p:cNvSpPr txBox="1"/>
-          <p:nvPr/>
-        </p:nvSpPr>
-        <p:spPr>
-          <a:xfrm>
-            <a:off x="5341724" y="4146791"/>
-            <a:ext cx="6094969" cy="646331"/>
-          </a:xfrm>
-          <a:prstGeom prst="rect">
-            <a:avLst/>
-          </a:prstGeom>
-          <a:noFill/>
-        </p:spPr>
-        <p:txBody>
-          <a:bodyPr wrap="square" rtlCol="0">
-            <a:spAutoFit/>
-          </a:bodyPr>
-          <a:lstStyle/>
-          <a:p>
-            <a:r>
-              <a:rPr lang="en-US" altLang="zh-CN" dirty="0"/>
-              <a:t>bclr </a:t>
-            </a:r>
-            <a:r>
-              <a:rPr lang="en-US" altLang="zh-CN" dirty="0" err="1"/>
-              <a:t>rd</a:t>
-            </a:r>
-            <a:r>
-              <a:rPr lang="en-US" altLang="zh-CN" dirty="0"/>
-              <a:t>, 0xFFFFFF</a:t>
-            </a:r>
-            <a:r>
-              <a:rPr lang="en-US" altLang="zh-CN" dirty="0">
-                <a:solidFill>
-                  <a:srgbClr val="FF0000"/>
-                </a:solidFill>
-              </a:rPr>
-              <a:t>F</a:t>
-            </a:r>
-            <a:r>
-              <a:rPr lang="en-US" altLang="zh-CN" dirty="0"/>
-              <a:t>F, 4    =&gt;    0xFFFFFF</a:t>
-            </a:r>
-            <a:r>
-              <a:rPr lang="en-US" altLang="zh-CN" dirty="0">
-                <a:solidFill>
-                  <a:srgbClr val="FF0000"/>
-                </a:solidFill>
-              </a:rPr>
-              <a:t>E</a:t>
-            </a:r>
-            <a:r>
-              <a:rPr lang="en-US" altLang="zh-CN" dirty="0"/>
-              <a:t>F</a:t>
-            </a:r>
-          </a:p>
-          <a:p>
-            <a:r>
-              <a:rPr lang="en-US" altLang="zh-CN" dirty="0" err="1"/>
-              <a:t>bcl</a:t>
-            </a:r>
-            <a:r>
-              <a:rPr lang="en-US" altLang="zh-CN" dirty="0" err="1">
-                <a:solidFill>
-                  <a:srgbClr val="FF0000"/>
-                </a:solidFill>
-              </a:rPr>
-              <a:t>t</a:t>
-            </a:r>
-            <a:r>
-              <a:rPr lang="en-US" altLang="zh-CN" dirty="0"/>
-              <a:t> </a:t>
-            </a:r>
-            <a:r>
-              <a:rPr lang="en-US" altLang="zh-CN" dirty="0" err="1"/>
-              <a:t>rd</a:t>
-            </a:r>
-            <a:r>
-              <a:rPr lang="en-US" altLang="zh-CN" dirty="0"/>
-              <a:t>, 0xFFFFFF</a:t>
-            </a:r>
-            <a:r>
-              <a:rPr lang="en-US" altLang="zh-CN" dirty="0">
-                <a:solidFill>
-                  <a:srgbClr val="FF0000"/>
-                </a:solidFill>
-              </a:rPr>
-              <a:t>F</a:t>
-            </a:r>
-            <a:r>
-              <a:rPr lang="en-US" altLang="zh-CN" dirty="0"/>
-              <a:t>F, 4    =&gt;    0xFFFFFF</a:t>
-            </a:r>
-            <a:r>
-              <a:rPr lang="en-US" altLang="zh-CN" dirty="0">
-                <a:solidFill>
-                  <a:srgbClr val="FF0000"/>
-                </a:solidFill>
-              </a:rPr>
-              <a:t>E</a:t>
-            </a:r>
-            <a:r>
-              <a:rPr lang="en-US" altLang="zh-CN" dirty="0"/>
-              <a:t>F + 1 = 0xFFFFFFF0  </a:t>
-            </a:r>
-            <a:endParaRPr lang="zh-CN" altLang="en-US" dirty="0"/>
-          </a:p>
-        </p:txBody>
-      </p:sp>
+      </p:pic>
     </p:spTree>
     <p:extLst>
       <p:ext uri="{BB962C8B-B14F-4D97-AF65-F5344CB8AC3E}">
-        <p14:creationId xmlns:p14="http://schemas.microsoft.com/office/powerpoint/2010/main" val="1793407953"/>
+        <p14:creationId xmlns:p14="http://schemas.microsoft.com/office/powerpoint/2010/main" val="2797718680"/>
       </p:ext>
     </p:extLst>
   </p:cSld>
@@ -10357,7 +8424,7 @@
           <p:cNvPr id="2" name="标题 1">
             <a:extLst>
               <a:ext uri="{FF2B5EF4-FFF2-40B4-BE49-F238E27FC236}">
-                <a16:creationId xmlns:a16="http://schemas.microsoft.com/office/drawing/2014/main" id="{F529A6C2-E4DE-4E67-9C3D-DD80E0F9FA3E}"/>
+                <a16:creationId xmlns:a16="http://schemas.microsoft.com/office/drawing/2014/main" id="{EF72F0DC-C9CD-4437-A066-646830825F3F}"/>
               </a:ext>
             </a:extLst>
           </p:cNvPr>
@@ -10368,108 +8435,69 @@
             <p:ph type="title"/>
           </p:nvPr>
         </p:nvSpPr>
+        <p:spPr>
+          <a:xfrm>
+            <a:off x="838200" y="365125"/>
+            <a:ext cx="10835640" cy="1325563"/>
+          </a:xfrm>
+        </p:spPr>
+        <p:txBody>
+          <a:bodyPr/>
+          <a:lstStyle/>
+          <a:p>
+            <a:r>
+              <a:rPr lang="en-US" altLang="zh-CN" dirty="0"/>
+              <a:t>Add Decode Information for Instruction</a:t>
+            </a:r>
+            <a:endParaRPr lang="zh-CN" altLang="en-US" dirty="0"/>
+          </a:p>
+        </p:txBody>
+      </p:sp>
+      <p:sp>
+        <p:nvSpPr>
+          <p:cNvPr id="3" name="内容占位符 2">
+            <a:extLst>
+              <a:ext uri="{FF2B5EF4-FFF2-40B4-BE49-F238E27FC236}">
+                <a16:creationId xmlns:a16="http://schemas.microsoft.com/office/drawing/2014/main" id="{764EFDE4-EB57-4318-97F6-BA3B99CA7158}"/>
+              </a:ext>
+            </a:extLst>
+          </p:cNvPr>
+          <p:cNvSpPr>
+            <a:spLocks noGrp="1"/>
+          </p:cNvSpPr>
+          <p:nvPr>
+            <p:ph idx="1"/>
+          </p:nvPr>
+        </p:nvSpPr>
         <p:spPr/>
         <p:txBody>
           <a:bodyPr/>
           <a:lstStyle/>
           <a:p>
             <a:r>
-              <a:rPr lang="zh-CN" altLang="en-US" dirty="0"/>
-              <a:t>添加扩展指令集入口</a:t>
-            </a:r>
-          </a:p>
-        </p:txBody>
-      </p:sp>
-      <p:sp>
-        <p:nvSpPr>
-          <p:cNvPr id="3" name="内容占位符 2">
-            <a:extLst>
-              <a:ext uri="{FF2B5EF4-FFF2-40B4-BE49-F238E27FC236}">
-                <a16:creationId xmlns:a16="http://schemas.microsoft.com/office/drawing/2014/main" id="{30B1BE67-9854-4FBD-A876-ED0DC0CB7C73}"/>
-              </a:ext>
-            </a:extLst>
-          </p:cNvPr>
-          <p:cNvSpPr>
-            <a:spLocks noGrp="1"/>
-          </p:cNvSpPr>
-          <p:nvPr>
-            <p:ph idx="1"/>
-          </p:nvPr>
-        </p:nvSpPr>
-        <p:spPr/>
-        <p:txBody>
-          <a:bodyPr/>
-          <a:lstStyle/>
-          <a:p>
+              <a:rPr lang="en-US" altLang="zh-CN" dirty="0"/>
+              <a:t>Add new instruction’s decode information in </a:t>
+            </a:r>
             <a:r>
               <a:rPr lang="en-US" altLang="zh-CN" dirty="0">
                 <a:hlinkClick r:id="rId3"/>
               </a:rPr>
-              <a:t>RISCVCPUConfig</a:t>
-            </a:r>
-            <a:r>
-              <a:rPr lang="en-US" altLang="zh-CN" dirty="0"/>
-              <a:t> </a:t>
-            </a:r>
-            <a:r>
-              <a:rPr lang="zh-CN" altLang="en-US" dirty="0"/>
-              <a:t>结构体</a:t>
-            </a:r>
-            <a:endParaRPr lang="en-US" altLang="zh-CN" dirty="0"/>
-          </a:p>
-          <a:p>
-            <a:endParaRPr lang="en-US" altLang="zh-CN" dirty="0"/>
-          </a:p>
-          <a:p>
-            <a:endParaRPr lang="en-US" altLang="zh-CN" dirty="0"/>
-          </a:p>
-          <a:p>
-            <a:r>
-              <a:rPr lang="en-US" altLang="zh-CN" dirty="0">
-                <a:hlinkClick r:id="rId4"/>
-              </a:rPr>
-              <a:t>isa_edata_arr</a:t>
-            </a:r>
-            <a:r>
-              <a:rPr lang="en-US" altLang="zh-CN" dirty="0"/>
-              <a:t> </a:t>
-            </a:r>
-            <a:r>
-              <a:rPr lang="zh-CN" altLang="en-US" dirty="0"/>
-              <a:t>结构体</a:t>
-            </a:r>
-            <a:endParaRPr lang="en-US" altLang="zh-CN" dirty="0"/>
-          </a:p>
-          <a:p>
-            <a:endParaRPr lang="en-US" altLang="zh-CN" dirty="0"/>
-          </a:p>
-          <a:p>
-            <a:endParaRPr lang="en-US" altLang="zh-CN" dirty="0"/>
-          </a:p>
-          <a:p>
-            <a:r>
-              <a:rPr lang="en-US" altLang="zh-CN" dirty="0">
-                <a:hlinkClick r:id="rId5"/>
-              </a:rPr>
-              <a:t>riscv_cpu_extensions</a:t>
-            </a:r>
-            <a:r>
-              <a:rPr lang="en-US" altLang="zh-CN" dirty="0"/>
-              <a:t> </a:t>
-            </a:r>
-            <a:r>
-              <a:rPr lang="zh-CN" altLang="en-US" dirty="0"/>
-              <a:t>结构体</a:t>
-            </a:r>
+              <a:t>insn32.decode</a:t>
+            </a:r>
+            <a:r>
+              <a:rPr lang="en-US" altLang="zh-CN" dirty="0"/>
+              <a:t> file.</a:t>
+            </a:r>
+            <a:endParaRPr lang="zh-CN" altLang="en-US" dirty="0"/>
           </a:p>
         </p:txBody>
       </p:sp>
       <p:pic>
         <p:nvPicPr>
-          <p:cNvPr id="5" name="图片 4">
-            <a:extLst>
-              <a:ext uri="{FF2B5EF4-FFF2-40B4-BE49-F238E27FC236}">
-                <a16:creationId xmlns:a16="http://schemas.microsoft.com/office/drawing/2014/main" id="{3ECE3B9A-AF92-42AE-B5FB-EBFB6053E5CE}"/>
+          <p:cNvPr id="4" name="图片 3">
+            <a:extLst>
+              <a:ext uri="{FF2B5EF4-FFF2-40B4-BE49-F238E27FC236}">
+                <a16:creationId xmlns:a16="http://schemas.microsoft.com/office/drawing/2014/main" id="{7D563747-DDF2-4FDD-88A2-9CF4B12339A7}"/>
               </a:ext>
             </a:extLst>
           </p:cNvPr>
@@ -10479,7 +8507,91 @@
           <p:nvPr/>
         </p:nvPicPr>
         <p:blipFill>
-          <a:blip r:embed="rId6">
+          <a:blip r:embed="rId4"/>
+          <a:stretch>
+            <a:fillRect/>
+          </a:stretch>
+        </p:blipFill>
+        <p:spPr>
+          <a:xfrm>
+            <a:off x="454728" y="2499727"/>
+            <a:ext cx="10997514" cy="1412058"/>
+          </a:xfrm>
+          <a:prstGeom prst="rect">
+            <a:avLst/>
+          </a:prstGeom>
+        </p:spPr>
+      </p:pic>
+      <p:sp>
+        <p:nvSpPr>
+          <p:cNvPr id="5" name="文本框 4">
+            <a:extLst>
+              <a:ext uri="{FF2B5EF4-FFF2-40B4-BE49-F238E27FC236}">
+                <a16:creationId xmlns:a16="http://schemas.microsoft.com/office/drawing/2014/main" id="{49236BE8-6327-4049-876D-B12ACD386B63}"/>
+              </a:ext>
+            </a:extLst>
+          </p:cNvPr>
+          <p:cNvSpPr txBox="1"/>
+          <p:nvPr/>
+        </p:nvSpPr>
+        <p:spPr>
+          <a:xfrm>
+            <a:off x="6375674" y="3796129"/>
+            <a:ext cx="1717589" cy="646331"/>
+          </a:xfrm>
+          <a:prstGeom prst="rect">
+            <a:avLst/>
+          </a:prstGeom>
+          <a:noFill/>
+        </p:spPr>
+        <p:txBody>
+          <a:bodyPr wrap="square" rtlCol="0">
+            <a:spAutoFit/>
+          </a:bodyPr>
+          <a:lstStyle/>
+          <a:p>
+            <a:r>
+              <a:rPr lang="en-US" altLang="zh-CN" dirty="0">
+                <a:solidFill>
+                  <a:srgbClr val="FF0000"/>
+                </a:solidFill>
+              </a:rPr>
+              <a:t>0   1   1  </a:t>
+            </a:r>
+          </a:p>
+          <a:p>
+            <a:r>
+              <a:rPr lang="en-US" altLang="zh-CN" dirty="0">
+                <a:solidFill>
+                  <a:srgbClr val="FF0000"/>
+                </a:solidFill>
+              </a:rPr>
+              <a:t>“BCLT”</a:t>
+            </a:r>
+            <a:endParaRPr lang="zh-CN" altLang="en-US" dirty="0">
+              <a:solidFill>
+                <a:srgbClr val="FF0000"/>
+              </a:solidFill>
+            </a:endParaRPr>
+          </a:p>
+        </p:txBody>
+      </p:sp>
+      <p:pic>
+        <p:nvPicPr>
+          <p:cNvPr id="7" name="图片 6">
+            <a:extLst>
+              <a:ext uri="{FF2B5EF4-FFF2-40B4-BE49-F238E27FC236}">
+                <a16:creationId xmlns:a16="http://schemas.microsoft.com/office/drawing/2014/main" id="{EB65B084-C672-433A-A896-10919B9E498F}"/>
+              </a:ext>
+            </a:extLst>
+          </p:cNvPr>
+          <p:cNvPicPr>
+            <a:picLocks noChangeAspect="1"/>
+          </p:cNvPicPr>
+          <p:nvPr/>
+        </p:nvPicPr>
+        <p:blipFill>
+          <a:blip r:embed="rId5">
             <a:extLst>
               <a:ext uri="{28A0092B-C50C-407E-A947-70E740481C1C}">
                 <a14:useLocalDpi xmlns:a14="http://schemas.microsoft.com/office/drawing/2010/main" val="0"/>
@@ -10492,74 +8604,8 @@
         </p:blipFill>
         <p:spPr>
           <a:xfrm>
-            <a:off x="5879113" y="578326"/>
-            <a:ext cx="3979262" cy="2064786"/>
-          </a:xfrm>
-          <a:prstGeom prst="rect">
-            <a:avLst/>
-          </a:prstGeom>
-        </p:spPr>
-      </p:pic>
-      <p:pic>
-        <p:nvPicPr>
-          <p:cNvPr id="9" name="图片 8">
-            <a:extLst>
-              <a:ext uri="{FF2B5EF4-FFF2-40B4-BE49-F238E27FC236}">
-                <a16:creationId xmlns:a16="http://schemas.microsoft.com/office/drawing/2014/main" id="{8622EDB9-570C-4222-9366-A9BF8A613244}"/>
-              </a:ext>
-            </a:extLst>
-          </p:cNvPr>
-          <p:cNvPicPr>
-            <a:picLocks noChangeAspect="1"/>
-          </p:cNvPicPr>
-          <p:nvPr/>
-        </p:nvPicPr>
-        <p:blipFill>
-          <a:blip r:embed="rId7">
-            <a:extLst>
-              <a:ext uri="{28A0092B-C50C-407E-A947-70E740481C1C}">
-                <a14:useLocalDpi xmlns:a14="http://schemas.microsoft.com/office/drawing/2010/main" val="0"/>
-              </a:ext>
-            </a:extLst>
-          </a:blip>
-          <a:stretch>
-            <a:fillRect/>
-          </a:stretch>
-        </p:blipFill>
-        <p:spPr>
-          <a:xfrm>
-            <a:off x="5879113" y="4526984"/>
-            <a:ext cx="3112487" cy="1337884"/>
-          </a:xfrm>
-          <a:prstGeom prst="rect">
-            <a:avLst/>
-          </a:prstGeom>
-        </p:spPr>
-      </p:pic>
-      <p:pic>
-        <p:nvPicPr>
-          <p:cNvPr id="11" name="图片 10">
-            <a:extLst>
-              <a:ext uri="{FF2B5EF4-FFF2-40B4-BE49-F238E27FC236}">
-                <a16:creationId xmlns:a16="http://schemas.microsoft.com/office/drawing/2014/main" id="{4341590A-3F94-4BC4-BC51-DB4A59B996C4}"/>
-              </a:ext>
-            </a:extLst>
-          </p:cNvPr>
-          <p:cNvPicPr>
-            <a:picLocks noChangeAspect="1"/>
-          </p:cNvPicPr>
-          <p:nvPr/>
-        </p:nvPicPr>
-        <p:blipFill>
-          <a:blip r:embed="rId8"/>
-          <a:stretch>
-            <a:fillRect/>
-          </a:stretch>
-        </p:blipFill>
-        <p:spPr>
-          <a:xfrm>
-            <a:off x="5879113" y="3141426"/>
-            <a:ext cx="4522187" cy="1007575"/>
+            <a:off x="7645391" y="4002913"/>
+            <a:ext cx="4091881" cy="2657458"/>
           </a:xfrm>
           <a:prstGeom prst="rect">
             <a:avLst/>
@@ -10569,7 +8615,7 @@
     </p:spTree>
     <p:extLst>
       <p:ext uri="{BB962C8B-B14F-4D97-AF65-F5344CB8AC3E}">
-        <p14:creationId xmlns:p14="http://schemas.microsoft.com/office/powerpoint/2010/main" val="1793210769"/>
+        <p14:creationId xmlns:p14="http://schemas.microsoft.com/office/powerpoint/2010/main" val="3203178162"/>
       </p:ext>
     </p:extLst>
   </p:cSld>
